--- a/Power Point Slides/Kafka vs MQTT.pptx
+++ b/Power Point Slides/Kafka vs MQTT.pptx
@@ -5,10 +5,10 @@
     <p:sldMasterId id="2147483648" r:id="rId4"/>
   </p:sldMasterIdLst>
   <p:notesMasterIdLst>
-    <p:notesMasterId r:id="rId16"/>
+    <p:notesMasterId r:id="rId17"/>
   </p:notesMasterIdLst>
   <p:handoutMasterIdLst>
-    <p:handoutMasterId r:id="rId17"/>
+    <p:handoutMasterId r:id="rId18"/>
   </p:handoutMasterIdLst>
   <p:sldIdLst>
     <p:sldId id="4215" r:id="rId5"/>
@@ -21,7 +21,8 @@
     <p:sldId id="4208" r:id="rId12"/>
     <p:sldId id="4219" r:id="rId13"/>
     <p:sldId id="4220" r:id="rId14"/>
-    <p:sldId id="4207" r:id="rId15"/>
+    <p:sldId id="4221" r:id="rId15"/>
+    <p:sldId id="4207" r:id="rId16"/>
   </p:sldIdLst>
   <p:sldSz cx="12192000" cy="6858000"/>
   <p:notesSz cx="6858000" cy="9144000"/>
@@ -122,7 +123,7 @@
   </p:defaultTextStyle>
   <p:extLst>
     <p:ext uri="{EFAFB233-063F-42B5-8137-9DF3F51BA10A}">
-      <p15:sldGuideLst xmlns:p15="http://schemas.microsoft.com/office/powerpoint/2012/main" xmlns="">
+      <p15:sldGuideLst xmlns="" xmlns:p15="http://schemas.microsoft.com/office/powerpoint/2012/main">
         <p15:guide id="1" orient="horz" pos="2160">
           <p15:clr>
             <a:srgbClr val="A4A3A4"/>
@@ -136,7 +137,7 @@
       </p15:sldGuideLst>
     </p:ext>
     <p:ext uri="{2D200454-40CA-4A62-9FC3-DE9A4176ACB9}">
-      <p15:notesGuideLst xmlns:p15="http://schemas.microsoft.com/office/powerpoint/2012/main" xmlns=""/>
+      <p15:notesGuideLst xmlns="" xmlns:p15="http://schemas.microsoft.com/office/powerpoint/2012/main"/>
     </p:ext>
   </p:extLst>
 </p:presentation>
@@ -178,7 +179,7 @@
           <p:cNvPr id="2" name="Header Placeholder 1">
             <a:extLst>
               <a:ext uri="{FF2B5EF4-FFF2-40B4-BE49-F238E27FC236}">
-                <a16:creationId xmlns:a16="http://schemas.microsoft.com/office/drawing/2014/main" xmlns="" id="{273365B8-2511-D040-9EAC-EAD5E1AB0259}"/>
+                <a16:creationId xmlns="" xmlns:a16="http://schemas.microsoft.com/office/drawing/2014/main" id="{273365B8-2511-D040-9EAC-EAD5E1AB0259}"/>
               </a:ext>
             </a:extLst>
           </p:cNvPr>
@@ -215,7 +216,7 @@
           <p:cNvPr id="3" name="Date Placeholder 2">
             <a:extLst>
               <a:ext uri="{FF2B5EF4-FFF2-40B4-BE49-F238E27FC236}">
-                <a16:creationId xmlns:a16="http://schemas.microsoft.com/office/drawing/2014/main" xmlns="" id="{FA53D240-1E32-F546-97BB-3F81E4C94127}"/>
+                <a16:creationId xmlns="" xmlns:a16="http://schemas.microsoft.com/office/drawing/2014/main" id="{FA53D240-1E32-F546-97BB-3F81E4C94127}"/>
               </a:ext>
             </a:extLst>
           </p:cNvPr>
@@ -246,7 +247,7 @@
             <a:fld id="{5E46B522-554D-304C-B062-B3D14C953F88}" type="datetimeFigureOut">
               <a:rPr lang="en-US" smtClean="0"/>
               <a:pPr/>
-              <a:t>10/16/2024</a:t>
+              <a:t>10/29/2024</a:t>
             </a:fld>
             <a:endParaRPr lang="en-US"/>
           </a:p>
@@ -257,7 +258,7 @@
           <p:cNvPr id="4" name="Footer Placeholder 3">
             <a:extLst>
               <a:ext uri="{FF2B5EF4-FFF2-40B4-BE49-F238E27FC236}">
-                <a16:creationId xmlns:a16="http://schemas.microsoft.com/office/drawing/2014/main" xmlns="" id="{0FB1C412-F491-B74E-A609-73034009A4FE}"/>
+                <a16:creationId xmlns="" xmlns:a16="http://schemas.microsoft.com/office/drawing/2014/main" id="{0FB1C412-F491-B74E-A609-73034009A4FE}"/>
               </a:ext>
             </a:extLst>
           </p:cNvPr>
@@ -294,7 +295,7 @@
           <p:cNvPr id="5" name="Slide Number Placeholder 4">
             <a:extLst>
               <a:ext uri="{FF2B5EF4-FFF2-40B4-BE49-F238E27FC236}">
-                <a16:creationId xmlns:a16="http://schemas.microsoft.com/office/drawing/2014/main" xmlns="" id="{0B72CE36-DEB7-BF4C-A096-B6E5D881FA61}"/>
+                <a16:creationId xmlns="" xmlns:a16="http://schemas.microsoft.com/office/drawing/2014/main" id="{0B72CE36-DEB7-BF4C-A096-B6E5D881FA61}"/>
               </a:ext>
             </a:extLst>
           </p:cNvPr>
@@ -334,7 +335,7 @@
     </p:spTree>
     <p:extLst>
       <p:ext uri="{BB962C8B-B14F-4D97-AF65-F5344CB8AC3E}">
-        <p14:creationId xmlns:p14="http://schemas.microsoft.com/office/powerpoint/2010/main" xmlns="" val="2867797386"/>
+        <p14:creationId xmlns="" xmlns:p14="http://schemas.microsoft.com/office/powerpoint/2010/main" val="2867797386"/>
       </p:ext>
     </p:extLst>
   </p:cSld>
@@ -425,7 +426,7 @@
             <a:fld id="{5BA413F0-8702-4C58-A1DC-FE228FE832D3}" type="datetimeFigureOut">
               <a:rPr lang="en-US" smtClean="0"/>
               <a:pPr/>
-              <a:t>10/16/2024</a:t>
+              <a:t>10/29/2024</a:t>
             </a:fld>
             <a:endParaRPr lang="en-US"/>
           </a:p>
@@ -593,7 +594,7 @@
     </p:spTree>
     <p:extLst>
       <p:ext uri="{BB962C8B-B14F-4D97-AF65-F5344CB8AC3E}">
-        <p14:creationId xmlns:p14="http://schemas.microsoft.com/office/powerpoint/2010/main" xmlns="" val="2039652292"/>
+        <p14:creationId xmlns="" xmlns:p14="http://schemas.microsoft.com/office/powerpoint/2010/main" val="2039652292"/>
       </p:ext>
     </p:extLst>
   </p:cSld>
@@ -715,7 +716,7 @@
           <p:cNvPr id="8" name="Picture 7">
             <a:extLst>
               <a:ext uri="{FF2B5EF4-FFF2-40B4-BE49-F238E27FC236}">
-                <a16:creationId xmlns:a16="http://schemas.microsoft.com/office/drawing/2014/main" xmlns="" id="{DCB70024-7CB7-C54A-B281-8ABD3CB28A78}"/>
+                <a16:creationId xmlns="" xmlns:a16="http://schemas.microsoft.com/office/drawing/2014/main" id="{DCB70024-7CB7-C54A-B281-8ABD3CB28A78}"/>
               </a:ext>
             </a:extLst>
           </p:cNvPr>
@@ -745,7 +746,7 @@
           <p:cNvPr id="2" name="Title 1">
             <a:extLst>
               <a:ext uri="{FF2B5EF4-FFF2-40B4-BE49-F238E27FC236}">
-                <a16:creationId xmlns:a16="http://schemas.microsoft.com/office/drawing/2014/main" xmlns="" id="{31D28376-80FC-AA47-983D-5AA4ADF9D4A4}"/>
+                <a16:creationId xmlns="" xmlns:a16="http://schemas.microsoft.com/office/drawing/2014/main" id="{31D28376-80FC-AA47-983D-5AA4ADF9D4A4}"/>
               </a:ext>
             </a:extLst>
           </p:cNvPr>
@@ -788,7 +789,7 @@
           <p:cNvPr id="13" name="Text Placeholder 3">
             <a:extLst>
               <a:ext uri="{FF2B5EF4-FFF2-40B4-BE49-F238E27FC236}">
-                <a16:creationId xmlns:a16="http://schemas.microsoft.com/office/drawing/2014/main" xmlns="" id="{19FEBE34-6786-634C-97C1-F56667D4943E}"/>
+                <a16:creationId xmlns="" xmlns:a16="http://schemas.microsoft.com/office/drawing/2014/main" id="{19FEBE34-6786-634C-97C1-F56667D4943E}"/>
               </a:ext>
             </a:extLst>
           </p:cNvPr>
@@ -866,7 +867,7 @@
           <p:cNvPr id="14" name="Picture 13">
             <a:extLst>
               <a:ext uri="{FF2B5EF4-FFF2-40B4-BE49-F238E27FC236}">
-                <a16:creationId xmlns:a16="http://schemas.microsoft.com/office/drawing/2014/main" xmlns="" id="{FA18BCDF-85A9-7E46-B854-763E07701F49}"/>
+                <a16:creationId xmlns="" xmlns:a16="http://schemas.microsoft.com/office/drawing/2014/main" id="{FA18BCDF-85A9-7E46-B854-763E07701F49}"/>
               </a:ext>
             </a:extLst>
           </p:cNvPr>
@@ -894,7 +895,7 @@
     </p:spTree>
     <p:extLst>
       <p:ext uri="{BB962C8B-B14F-4D97-AF65-F5344CB8AC3E}">
-        <p14:creationId xmlns:p14="http://schemas.microsoft.com/office/powerpoint/2010/main" xmlns="" val="3242109002"/>
+        <p14:creationId xmlns="" xmlns:p14="http://schemas.microsoft.com/office/powerpoint/2010/main" val="3242109002"/>
       </p:ext>
     </p:extLst>
   </p:cSld>
@@ -902,7 +903,7 @@
     <a:masterClrMapping/>
   </p:clrMapOvr>
   <mc:AlternateContent xmlns:mc="http://schemas.openxmlformats.org/markup-compatibility/2006">
-    <mc:Choice xmlns:p14="http://schemas.microsoft.com/office/powerpoint/2010/main" xmlns="" Requires="p14">
+    <mc:Choice xmlns="" xmlns:p14="http://schemas.microsoft.com/office/powerpoint/2010/main" Requires="p14">
       <p:transition spd="slow" p14:dur="2000" advClick="0" advTm="5000"/>
     </mc:Choice>
     <mc:Fallback>
@@ -934,7 +935,7 @@
           <p:cNvPr id="3" name="Rectangle 2">
             <a:extLst>
               <a:ext uri="{FF2B5EF4-FFF2-40B4-BE49-F238E27FC236}">
-                <a16:creationId xmlns:a16="http://schemas.microsoft.com/office/drawing/2014/main" xmlns="" id="{312D6159-2173-3548-874C-452958A85DF6}"/>
+                <a16:creationId xmlns="" xmlns:a16="http://schemas.microsoft.com/office/drawing/2014/main" id="{312D6159-2173-3548-874C-452958A85DF6}"/>
               </a:ext>
             </a:extLst>
           </p:cNvPr>
@@ -994,7 +995,7 @@
           <p:cNvPr id="9" name="Picture 8">
             <a:extLst>
               <a:ext uri="{FF2B5EF4-FFF2-40B4-BE49-F238E27FC236}">
-                <a16:creationId xmlns:a16="http://schemas.microsoft.com/office/drawing/2014/main" xmlns="" id="{7D240A3C-FB87-A849-BF43-94582DC1113D}"/>
+                <a16:creationId xmlns="" xmlns:a16="http://schemas.microsoft.com/office/drawing/2014/main" id="{7D240A3C-FB87-A849-BF43-94582DC1113D}"/>
               </a:ext>
             </a:extLst>
           </p:cNvPr>
@@ -1024,7 +1025,7 @@
           <p:cNvPr id="5" name="Parallelogram 4">
             <a:extLst>
               <a:ext uri="{FF2B5EF4-FFF2-40B4-BE49-F238E27FC236}">
-                <a16:creationId xmlns:a16="http://schemas.microsoft.com/office/drawing/2014/main" xmlns="" id="{044CF2C6-1EB8-C545-A5EB-AF5DD2B28349}"/>
+                <a16:creationId xmlns="" xmlns:a16="http://schemas.microsoft.com/office/drawing/2014/main" id="{044CF2C6-1EB8-C545-A5EB-AF5DD2B28349}"/>
               </a:ext>
             </a:extLst>
           </p:cNvPr>
@@ -1080,7 +1081,7 @@
           <p:cNvPr id="11" name="Parallelogram 10">
             <a:extLst>
               <a:ext uri="{FF2B5EF4-FFF2-40B4-BE49-F238E27FC236}">
-                <a16:creationId xmlns:a16="http://schemas.microsoft.com/office/drawing/2014/main" xmlns="" id="{82DF6964-073F-A741-8B17-E0E690F4DF59}"/>
+                <a16:creationId xmlns="" xmlns:a16="http://schemas.microsoft.com/office/drawing/2014/main" id="{82DF6964-073F-A741-8B17-E0E690F4DF59}"/>
               </a:ext>
             </a:extLst>
           </p:cNvPr>
@@ -1136,7 +1137,7 @@
           <p:cNvPr id="12" name="Picture 11">
             <a:extLst>
               <a:ext uri="{FF2B5EF4-FFF2-40B4-BE49-F238E27FC236}">
-                <a16:creationId xmlns:a16="http://schemas.microsoft.com/office/drawing/2014/main" xmlns="" id="{5468F2ED-84BD-5740-B8E1-A6C010A50528}"/>
+                <a16:creationId xmlns="" xmlns:a16="http://schemas.microsoft.com/office/drawing/2014/main" id="{5468F2ED-84BD-5740-B8E1-A6C010A50528}"/>
               </a:ext>
             </a:extLst>
           </p:cNvPr>
@@ -1166,7 +1167,7 @@
           <p:cNvPr id="2" name="Title 1">
             <a:extLst>
               <a:ext uri="{FF2B5EF4-FFF2-40B4-BE49-F238E27FC236}">
-                <a16:creationId xmlns:a16="http://schemas.microsoft.com/office/drawing/2014/main" xmlns="" id="{31D28376-80FC-AA47-983D-5AA4ADF9D4A4}"/>
+                <a16:creationId xmlns="" xmlns:a16="http://schemas.microsoft.com/office/drawing/2014/main" id="{31D28376-80FC-AA47-983D-5AA4ADF9D4A4}"/>
               </a:ext>
             </a:extLst>
           </p:cNvPr>
@@ -1209,7 +1210,7 @@
           <p:cNvPr id="14" name="Picture 13">
             <a:extLst>
               <a:ext uri="{FF2B5EF4-FFF2-40B4-BE49-F238E27FC236}">
-                <a16:creationId xmlns:a16="http://schemas.microsoft.com/office/drawing/2014/main" xmlns="" id="{49AFA3BC-2111-0D40-8CDB-D02BC1839772}"/>
+                <a16:creationId xmlns="" xmlns:a16="http://schemas.microsoft.com/office/drawing/2014/main" id="{49AFA3BC-2111-0D40-8CDB-D02BC1839772}"/>
               </a:ext>
             </a:extLst>
           </p:cNvPr>
@@ -1239,7 +1240,7 @@
           <p:cNvPr id="10" name="Picture 9">
             <a:extLst>
               <a:ext uri="{FF2B5EF4-FFF2-40B4-BE49-F238E27FC236}">
-                <a16:creationId xmlns:a16="http://schemas.microsoft.com/office/drawing/2014/main" xmlns="" id="{3E633816-E054-8940-AF72-870913AF2214}"/>
+                <a16:creationId xmlns="" xmlns:a16="http://schemas.microsoft.com/office/drawing/2014/main" id="{3E633816-E054-8940-AF72-870913AF2214}"/>
               </a:ext>
             </a:extLst>
           </p:cNvPr>
@@ -1269,7 +1270,7 @@
           <p:cNvPr id="6" name="Parallelogram 5">
             <a:extLst>
               <a:ext uri="{FF2B5EF4-FFF2-40B4-BE49-F238E27FC236}">
-                <a16:creationId xmlns:a16="http://schemas.microsoft.com/office/drawing/2014/main" xmlns="" id="{8A924114-BABB-6746-9878-D1B4CE11052D}"/>
+                <a16:creationId xmlns="" xmlns:a16="http://schemas.microsoft.com/office/drawing/2014/main" id="{8A924114-BABB-6746-9878-D1B4CE11052D}"/>
               </a:ext>
             </a:extLst>
           </p:cNvPr>
@@ -1333,7 +1334,7 @@
           <p:cNvPr id="13" name="Text Placeholder 3">
             <a:extLst>
               <a:ext uri="{FF2B5EF4-FFF2-40B4-BE49-F238E27FC236}">
-                <a16:creationId xmlns:a16="http://schemas.microsoft.com/office/drawing/2014/main" xmlns="" id="{19FEBE34-6786-634C-97C1-F56667D4943E}"/>
+                <a16:creationId xmlns="" xmlns:a16="http://schemas.microsoft.com/office/drawing/2014/main" id="{19FEBE34-6786-634C-97C1-F56667D4943E}"/>
               </a:ext>
             </a:extLst>
           </p:cNvPr>
@@ -1409,7 +1410,7 @@
     </p:spTree>
     <p:extLst>
       <p:ext uri="{BB962C8B-B14F-4D97-AF65-F5344CB8AC3E}">
-        <p14:creationId xmlns:p14="http://schemas.microsoft.com/office/powerpoint/2010/main" xmlns="" val="1934555395"/>
+        <p14:creationId xmlns="" xmlns:p14="http://schemas.microsoft.com/office/powerpoint/2010/main" val="1934555395"/>
       </p:ext>
     </p:extLst>
   </p:cSld>
@@ -1417,7 +1418,7 @@
     <a:masterClrMapping/>
   </p:clrMapOvr>
   <mc:AlternateContent xmlns:mc="http://schemas.openxmlformats.org/markup-compatibility/2006">
-    <mc:Choice xmlns:p14="http://schemas.microsoft.com/office/powerpoint/2010/main" xmlns="" Requires="p14">
+    <mc:Choice xmlns="" xmlns:p14="http://schemas.microsoft.com/office/powerpoint/2010/main" Requires="p14">
       <p:transition spd="slow" p14:dur="2000" advClick="0" advTm="5000"/>
     </mc:Choice>
     <mc:Fallback>
@@ -1449,7 +1450,7 @@
           <p:cNvPr id="7" name="Picture 6">
             <a:extLst>
               <a:ext uri="{FF2B5EF4-FFF2-40B4-BE49-F238E27FC236}">
-                <a16:creationId xmlns:a16="http://schemas.microsoft.com/office/drawing/2014/main" xmlns="" id="{BCA450C1-58BE-6E4E-9CBF-0FB691FD755E}"/>
+                <a16:creationId xmlns="" xmlns:a16="http://schemas.microsoft.com/office/drawing/2014/main" id="{BCA450C1-58BE-6E4E-9CBF-0FB691FD755E}"/>
               </a:ext>
             </a:extLst>
           </p:cNvPr>
@@ -1479,7 +1480,7 @@
           <p:cNvPr id="14" name="Picture 13">
             <a:extLst>
               <a:ext uri="{FF2B5EF4-FFF2-40B4-BE49-F238E27FC236}">
-                <a16:creationId xmlns:a16="http://schemas.microsoft.com/office/drawing/2014/main" xmlns="" id="{0CFBEA58-BD22-D24F-B512-8BA514AB9008}"/>
+                <a16:creationId xmlns="" xmlns:a16="http://schemas.microsoft.com/office/drawing/2014/main" id="{0CFBEA58-BD22-D24F-B512-8BA514AB9008}"/>
               </a:ext>
             </a:extLst>
           </p:cNvPr>
@@ -1509,7 +1510,7 @@
           <p:cNvPr id="2" name="Title 1">
             <a:extLst>
               <a:ext uri="{FF2B5EF4-FFF2-40B4-BE49-F238E27FC236}">
-                <a16:creationId xmlns:a16="http://schemas.microsoft.com/office/drawing/2014/main" xmlns="" id="{31D28376-80FC-AA47-983D-5AA4ADF9D4A4}"/>
+                <a16:creationId xmlns="" xmlns:a16="http://schemas.microsoft.com/office/drawing/2014/main" id="{31D28376-80FC-AA47-983D-5AA4ADF9D4A4}"/>
               </a:ext>
             </a:extLst>
           </p:cNvPr>
@@ -1550,7 +1551,7 @@
           <p:cNvPr id="13" name="Text Placeholder 3">
             <a:extLst>
               <a:ext uri="{FF2B5EF4-FFF2-40B4-BE49-F238E27FC236}">
-                <a16:creationId xmlns:a16="http://schemas.microsoft.com/office/drawing/2014/main" xmlns="" id="{19FEBE34-6786-634C-97C1-F56667D4943E}"/>
+                <a16:creationId xmlns="" xmlns:a16="http://schemas.microsoft.com/office/drawing/2014/main" id="{19FEBE34-6786-634C-97C1-F56667D4943E}"/>
               </a:ext>
             </a:extLst>
           </p:cNvPr>
@@ -1628,7 +1629,7 @@
     </p:spTree>
     <p:extLst>
       <p:ext uri="{BB962C8B-B14F-4D97-AF65-F5344CB8AC3E}">
-        <p14:creationId xmlns:p14="http://schemas.microsoft.com/office/powerpoint/2010/main" xmlns="" val="3633923498"/>
+        <p14:creationId xmlns="" xmlns:p14="http://schemas.microsoft.com/office/powerpoint/2010/main" val="3633923498"/>
       </p:ext>
     </p:extLst>
   </p:cSld>
@@ -1636,7 +1637,7 @@
     <a:masterClrMapping/>
   </p:clrMapOvr>
   <mc:AlternateContent xmlns:mc="http://schemas.openxmlformats.org/markup-compatibility/2006">
-    <mc:Choice xmlns:p14="http://schemas.microsoft.com/office/powerpoint/2010/main" xmlns="" Requires="p14">
+    <mc:Choice xmlns="" xmlns:p14="http://schemas.microsoft.com/office/powerpoint/2010/main" Requires="p14">
       <p:transition spd="slow" p14:dur="2000" advClick="0" advTm="5000"/>
     </mc:Choice>
     <mc:Fallback>
@@ -1668,7 +1669,7 @@
           <p:cNvPr id="4" name="Picture 3">
             <a:extLst>
               <a:ext uri="{FF2B5EF4-FFF2-40B4-BE49-F238E27FC236}">
-                <a16:creationId xmlns:a16="http://schemas.microsoft.com/office/drawing/2014/main" xmlns="" id="{7216A11E-EB76-6A4D-AE29-9332E8815DF5}"/>
+                <a16:creationId xmlns="" xmlns:a16="http://schemas.microsoft.com/office/drawing/2014/main" id="{7216A11E-EB76-6A4D-AE29-9332E8815DF5}"/>
               </a:ext>
             </a:extLst>
           </p:cNvPr>
@@ -1698,7 +1699,7 @@
           <p:cNvPr id="14" name="Picture 13">
             <a:extLst>
               <a:ext uri="{FF2B5EF4-FFF2-40B4-BE49-F238E27FC236}">
-                <a16:creationId xmlns:a16="http://schemas.microsoft.com/office/drawing/2014/main" xmlns="" id="{05601A25-21DD-1E4D-AFB7-71CAFF449160}"/>
+                <a16:creationId xmlns="" xmlns:a16="http://schemas.microsoft.com/office/drawing/2014/main" id="{05601A25-21DD-1E4D-AFB7-71CAFF449160}"/>
               </a:ext>
             </a:extLst>
           </p:cNvPr>
@@ -1728,7 +1729,7 @@
           <p:cNvPr id="5" name="Slide Number Placeholder 4">
             <a:extLst>
               <a:ext uri="{FF2B5EF4-FFF2-40B4-BE49-F238E27FC236}">
-                <a16:creationId xmlns:a16="http://schemas.microsoft.com/office/drawing/2014/main" xmlns="" id="{E766DCC1-03BD-8D48-975F-E848D408E17A}"/>
+                <a16:creationId xmlns="" xmlns:a16="http://schemas.microsoft.com/office/drawing/2014/main" id="{E766DCC1-03BD-8D48-975F-E848D408E17A}"/>
               </a:ext>
             </a:extLst>
           </p:cNvPr>
@@ -1771,7 +1772,7 @@
           <p:cNvPr id="13" name="Picture 12">
             <a:extLst>
               <a:ext uri="{FF2B5EF4-FFF2-40B4-BE49-F238E27FC236}">
-                <a16:creationId xmlns:a16="http://schemas.microsoft.com/office/drawing/2014/main" xmlns="" id="{0FC8616F-1480-6F40-B21A-CC2BA2C45BED}"/>
+                <a16:creationId xmlns="" xmlns:a16="http://schemas.microsoft.com/office/drawing/2014/main" id="{0FC8616F-1480-6F40-B21A-CC2BA2C45BED}"/>
               </a:ext>
             </a:extLst>
           </p:cNvPr>
@@ -1801,7 +1802,7 @@
           <p:cNvPr id="8" name="Text Placeholder 3">
             <a:extLst>
               <a:ext uri="{FF2B5EF4-FFF2-40B4-BE49-F238E27FC236}">
-                <a16:creationId xmlns:a16="http://schemas.microsoft.com/office/drawing/2014/main" xmlns="" id="{28EA1C4D-6527-1A41-B80D-82366B12758F}"/>
+                <a16:creationId xmlns="" xmlns:a16="http://schemas.microsoft.com/office/drawing/2014/main" id="{28EA1C4D-6527-1A41-B80D-82366B12758F}"/>
               </a:ext>
             </a:extLst>
           </p:cNvPr>
@@ -1894,7 +1895,7 @@
           <p:cNvPr id="9" name="Text Placeholder 3">
             <a:extLst>
               <a:ext uri="{FF2B5EF4-FFF2-40B4-BE49-F238E27FC236}">
-                <a16:creationId xmlns:a16="http://schemas.microsoft.com/office/drawing/2014/main" xmlns="" id="{C9953FA3-FF52-2645-8039-6B173888D710}"/>
+                <a16:creationId xmlns="" xmlns:a16="http://schemas.microsoft.com/office/drawing/2014/main" id="{C9953FA3-FF52-2645-8039-6B173888D710}"/>
               </a:ext>
             </a:extLst>
           </p:cNvPr>
@@ -1976,7 +1977,7 @@
           <p:cNvPr id="10" name="Title 1">
             <a:extLst>
               <a:ext uri="{FF2B5EF4-FFF2-40B4-BE49-F238E27FC236}">
-                <a16:creationId xmlns:a16="http://schemas.microsoft.com/office/drawing/2014/main" xmlns="" id="{4AE68015-0AAC-0C46-8F76-36477CC385DE}"/>
+                <a16:creationId xmlns="" xmlns:a16="http://schemas.microsoft.com/office/drawing/2014/main" id="{4AE68015-0AAC-0C46-8F76-36477CC385DE}"/>
               </a:ext>
             </a:extLst>
           </p:cNvPr>
@@ -2019,7 +2020,7 @@
           <p:cNvPr id="11" name="Text Placeholder 3">
             <a:extLst>
               <a:ext uri="{FF2B5EF4-FFF2-40B4-BE49-F238E27FC236}">
-                <a16:creationId xmlns:a16="http://schemas.microsoft.com/office/drawing/2014/main" xmlns="" id="{169BBA5D-EECF-4043-90D1-DD6BB50A5390}"/>
+                <a16:creationId xmlns="" xmlns:a16="http://schemas.microsoft.com/office/drawing/2014/main" id="{169BBA5D-EECF-4043-90D1-DD6BB50A5390}"/>
               </a:ext>
             </a:extLst>
           </p:cNvPr>
@@ -2096,7 +2097,7 @@
     </p:spTree>
     <p:extLst>
       <p:ext uri="{BB962C8B-B14F-4D97-AF65-F5344CB8AC3E}">
-        <p14:creationId xmlns:p14="http://schemas.microsoft.com/office/powerpoint/2010/main" xmlns="" val="3416040107"/>
+        <p14:creationId xmlns="" xmlns:p14="http://schemas.microsoft.com/office/powerpoint/2010/main" val="3416040107"/>
       </p:ext>
     </p:extLst>
   </p:cSld>
@@ -2104,7 +2105,7 @@
     <a:masterClrMapping/>
   </p:clrMapOvr>
   <mc:AlternateContent xmlns:mc="http://schemas.openxmlformats.org/markup-compatibility/2006">
-    <mc:Choice xmlns:p14="http://schemas.microsoft.com/office/powerpoint/2010/main" xmlns="" Requires="p14">
+    <mc:Choice xmlns="" xmlns:p14="http://schemas.microsoft.com/office/powerpoint/2010/main" Requires="p14">
       <p:transition spd="slow" p14:dur="2000" advClick="0" advTm="5000"/>
     </mc:Choice>
     <mc:Fallback>
@@ -2136,7 +2137,7 @@
           <p:cNvPr id="7" name="Picture 6">
             <a:extLst>
               <a:ext uri="{FF2B5EF4-FFF2-40B4-BE49-F238E27FC236}">
-                <a16:creationId xmlns:a16="http://schemas.microsoft.com/office/drawing/2014/main" xmlns="" id="{A4D44DAB-CF6D-0148-B76F-DB4FDFF7BE3C}"/>
+                <a16:creationId xmlns="" xmlns:a16="http://schemas.microsoft.com/office/drawing/2014/main" id="{A4D44DAB-CF6D-0148-B76F-DB4FDFF7BE3C}"/>
               </a:ext>
             </a:extLst>
           </p:cNvPr>
@@ -2166,7 +2167,7 @@
           <p:cNvPr id="14" name="Picture 13">
             <a:extLst>
               <a:ext uri="{FF2B5EF4-FFF2-40B4-BE49-F238E27FC236}">
-                <a16:creationId xmlns:a16="http://schemas.microsoft.com/office/drawing/2014/main" xmlns="" id="{05601A25-21DD-1E4D-AFB7-71CAFF449160}"/>
+                <a16:creationId xmlns="" xmlns:a16="http://schemas.microsoft.com/office/drawing/2014/main" id="{05601A25-21DD-1E4D-AFB7-71CAFF449160}"/>
               </a:ext>
             </a:extLst>
           </p:cNvPr>
@@ -2196,7 +2197,7 @@
           <p:cNvPr id="5" name="Slide Number Placeholder 4">
             <a:extLst>
               <a:ext uri="{FF2B5EF4-FFF2-40B4-BE49-F238E27FC236}">
-                <a16:creationId xmlns:a16="http://schemas.microsoft.com/office/drawing/2014/main" xmlns="" id="{E766DCC1-03BD-8D48-975F-E848D408E17A}"/>
+                <a16:creationId xmlns="" xmlns:a16="http://schemas.microsoft.com/office/drawing/2014/main" id="{E766DCC1-03BD-8D48-975F-E848D408E17A}"/>
               </a:ext>
             </a:extLst>
           </p:cNvPr>
@@ -2239,7 +2240,7 @@
           <p:cNvPr id="13" name="Picture 12">
             <a:extLst>
               <a:ext uri="{FF2B5EF4-FFF2-40B4-BE49-F238E27FC236}">
-                <a16:creationId xmlns:a16="http://schemas.microsoft.com/office/drawing/2014/main" xmlns="" id="{0FC8616F-1480-6F40-B21A-CC2BA2C45BED}"/>
+                <a16:creationId xmlns="" xmlns:a16="http://schemas.microsoft.com/office/drawing/2014/main" id="{0FC8616F-1480-6F40-B21A-CC2BA2C45BED}"/>
               </a:ext>
             </a:extLst>
           </p:cNvPr>
@@ -2269,7 +2270,7 @@
           <p:cNvPr id="8" name="Text Placeholder 3">
             <a:extLst>
               <a:ext uri="{FF2B5EF4-FFF2-40B4-BE49-F238E27FC236}">
-                <a16:creationId xmlns:a16="http://schemas.microsoft.com/office/drawing/2014/main" xmlns="" id="{28EA1C4D-6527-1A41-B80D-82366B12758F}"/>
+                <a16:creationId xmlns="" xmlns:a16="http://schemas.microsoft.com/office/drawing/2014/main" id="{28EA1C4D-6527-1A41-B80D-82366B12758F}"/>
               </a:ext>
             </a:extLst>
           </p:cNvPr>
@@ -2362,7 +2363,7 @@
           <p:cNvPr id="10" name="Title 1">
             <a:extLst>
               <a:ext uri="{FF2B5EF4-FFF2-40B4-BE49-F238E27FC236}">
-                <a16:creationId xmlns:a16="http://schemas.microsoft.com/office/drawing/2014/main" xmlns="" id="{4AE68015-0AAC-0C46-8F76-36477CC385DE}"/>
+                <a16:creationId xmlns="" xmlns:a16="http://schemas.microsoft.com/office/drawing/2014/main" id="{4AE68015-0AAC-0C46-8F76-36477CC385DE}"/>
               </a:ext>
             </a:extLst>
           </p:cNvPr>
@@ -2405,7 +2406,7 @@
           <p:cNvPr id="11" name="Text Placeholder 3">
             <a:extLst>
               <a:ext uri="{FF2B5EF4-FFF2-40B4-BE49-F238E27FC236}">
-                <a16:creationId xmlns:a16="http://schemas.microsoft.com/office/drawing/2014/main" xmlns="" id="{169BBA5D-EECF-4043-90D1-DD6BB50A5390}"/>
+                <a16:creationId xmlns="" xmlns:a16="http://schemas.microsoft.com/office/drawing/2014/main" id="{169BBA5D-EECF-4043-90D1-DD6BB50A5390}"/>
               </a:ext>
             </a:extLst>
           </p:cNvPr>
@@ -2482,7 +2483,7 @@
     </p:spTree>
     <p:extLst>
       <p:ext uri="{BB962C8B-B14F-4D97-AF65-F5344CB8AC3E}">
-        <p14:creationId xmlns:p14="http://schemas.microsoft.com/office/powerpoint/2010/main" xmlns="" val="42572479"/>
+        <p14:creationId xmlns="" xmlns:p14="http://schemas.microsoft.com/office/powerpoint/2010/main" val="42572479"/>
       </p:ext>
     </p:extLst>
   </p:cSld>
@@ -2490,7 +2491,7 @@
     <a:masterClrMapping/>
   </p:clrMapOvr>
   <mc:AlternateContent xmlns:mc="http://schemas.openxmlformats.org/markup-compatibility/2006">
-    <mc:Choice xmlns:p14="http://schemas.microsoft.com/office/powerpoint/2010/main" xmlns="" Requires="p14">
+    <mc:Choice xmlns="" xmlns:p14="http://schemas.microsoft.com/office/powerpoint/2010/main" Requires="p14">
       <p:transition spd="slow" p14:dur="2000" advClick="0" advTm="5000"/>
     </mc:Choice>
     <mc:Fallback>
@@ -2522,7 +2523,7 @@
           <p:cNvPr id="14" name="Picture 13">
             <a:extLst>
               <a:ext uri="{FF2B5EF4-FFF2-40B4-BE49-F238E27FC236}">
-                <a16:creationId xmlns:a16="http://schemas.microsoft.com/office/drawing/2014/main" xmlns="" id="{C7A97301-F55A-4C46-8CF8-5B32F4872318}"/>
+                <a16:creationId xmlns="" xmlns:a16="http://schemas.microsoft.com/office/drawing/2014/main" id="{C7A97301-F55A-4C46-8CF8-5B32F4872318}"/>
               </a:ext>
             </a:extLst>
           </p:cNvPr>
@@ -2552,7 +2553,7 @@
           <p:cNvPr id="5" name="Slide Number Placeholder 4">
             <a:extLst>
               <a:ext uri="{FF2B5EF4-FFF2-40B4-BE49-F238E27FC236}">
-                <a16:creationId xmlns:a16="http://schemas.microsoft.com/office/drawing/2014/main" xmlns="" id="{E766DCC1-03BD-8D48-975F-E848D408E17A}"/>
+                <a16:creationId xmlns="" xmlns:a16="http://schemas.microsoft.com/office/drawing/2014/main" id="{E766DCC1-03BD-8D48-975F-E848D408E17A}"/>
               </a:ext>
             </a:extLst>
           </p:cNvPr>
@@ -2595,7 +2596,7 @@
           <p:cNvPr id="13" name="Picture 12">
             <a:extLst>
               <a:ext uri="{FF2B5EF4-FFF2-40B4-BE49-F238E27FC236}">
-                <a16:creationId xmlns:a16="http://schemas.microsoft.com/office/drawing/2014/main" xmlns="" id="{0FC8616F-1480-6F40-B21A-CC2BA2C45BED}"/>
+                <a16:creationId xmlns="" xmlns:a16="http://schemas.microsoft.com/office/drawing/2014/main" id="{0FC8616F-1480-6F40-B21A-CC2BA2C45BED}"/>
               </a:ext>
             </a:extLst>
           </p:cNvPr>
@@ -2625,7 +2626,7 @@
           <p:cNvPr id="8" name="Text Placeholder 3">
             <a:extLst>
               <a:ext uri="{FF2B5EF4-FFF2-40B4-BE49-F238E27FC236}">
-                <a16:creationId xmlns:a16="http://schemas.microsoft.com/office/drawing/2014/main" xmlns="" id="{28EA1C4D-6527-1A41-B80D-82366B12758F}"/>
+                <a16:creationId xmlns="" xmlns:a16="http://schemas.microsoft.com/office/drawing/2014/main" id="{28EA1C4D-6527-1A41-B80D-82366B12758F}"/>
               </a:ext>
             </a:extLst>
           </p:cNvPr>
@@ -2718,7 +2719,7 @@
           <p:cNvPr id="9" name="Text Placeholder 3">
             <a:extLst>
               <a:ext uri="{FF2B5EF4-FFF2-40B4-BE49-F238E27FC236}">
-                <a16:creationId xmlns:a16="http://schemas.microsoft.com/office/drawing/2014/main" xmlns="" id="{C9953FA3-FF52-2645-8039-6B173888D710}"/>
+                <a16:creationId xmlns="" xmlns:a16="http://schemas.microsoft.com/office/drawing/2014/main" id="{C9953FA3-FF52-2645-8039-6B173888D710}"/>
               </a:ext>
             </a:extLst>
           </p:cNvPr>
@@ -2800,7 +2801,7 @@
           <p:cNvPr id="10" name="Title 1">
             <a:extLst>
               <a:ext uri="{FF2B5EF4-FFF2-40B4-BE49-F238E27FC236}">
-                <a16:creationId xmlns:a16="http://schemas.microsoft.com/office/drawing/2014/main" xmlns="" id="{4AE68015-0AAC-0C46-8F76-36477CC385DE}"/>
+                <a16:creationId xmlns="" xmlns:a16="http://schemas.microsoft.com/office/drawing/2014/main" id="{4AE68015-0AAC-0C46-8F76-36477CC385DE}"/>
               </a:ext>
             </a:extLst>
           </p:cNvPr>
@@ -2843,7 +2844,7 @@
           <p:cNvPr id="11" name="Text Placeholder 3">
             <a:extLst>
               <a:ext uri="{FF2B5EF4-FFF2-40B4-BE49-F238E27FC236}">
-                <a16:creationId xmlns:a16="http://schemas.microsoft.com/office/drawing/2014/main" xmlns="" id="{169BBA5D-EECF-4043-90D1-DD6BB50A5390}"/>
+                <a16:creationId xmlns="" xmlns:a16="http://schemas.microsoft.com/office/drawing/2014/main" id="{169BBA5D-EECF-4043-90D1-DD6BB50A5390}"/>
               </a:ext>
             </a:extLst>
           </p:cNvPr>
@@ -2920,7 +2921,7 @@
     </p:spTree>
     <p:extLst>
       <p:ext uri="{BB962C8B-B14F-4D97-AF65-F5344CB8AC3E}">
-        <p14:creationId xmlns:p14="http://schemas.microsoft.com/office/powerpoint/2010/main" xmlns="" val="2804536604"/>
+        <p14:creationId xmlns="" xmlns:p14="http://schemas.microsoft.com/office/powerpoint/2010/main" val="2804536604"/>
       </p:ext>
     </p:extLst>
   </p:cSld>
@@ -2928,7 +2929,7 @@
     <a:masterClrMapping/>
   </p:clrMapOvr>
   <mc:AlternateContent xmlns:mc="http://schemas.openxmlformats.org/markup-compatibility/2006">
-    <mc:Choice xmlns:p14="http://schemas.microsoft.com/office/powerpoint/2010/main" xmlns="" Requires="p14">
+    <mc:Choice xmlns="" xmlns:p14="http://schemas.microsoft.com/office/powerpoint/2010/main" Requires="p14">
       <p:transition spd="slow" p14:dur="2000" advClick="0" advTm="5000"/>
     </mc:Choice>
     <mc:Fallback>
@@ -2960,7 +2961,7 @@
           <p:cNvPr id="4" name="Picture 3">
             <a:extLst>
               <a:ext uri="{FF2B5EF4-FFF2-40B4-BE49-F238E27FC236}">
-                <a16:creationId xmlns:a16="http://schemas.microsoft.com/office/drawing/2014/main" xmlns="" id="{62DB0137-4B83-6740-9717-4074AFAED09F}"/>
+                <a16:creationId xmlns="" xmlns:a16="http://schemas.microsoft.com/office/drawing/2014/main" id="{62DB0137-4B83-6740-9717-4074AFAED09F}"/>
               </a:ext>
             </a:extLst>
           </p:cNvPr>
@@ -2990,7 +2991,7 @@
           <p:cNvPr id="12" name="Slide Number Placeholder 4">
             <a:extLst>
               <a:ext uri="{FF2B5EF4-FFF2-40B4-BE49-F238E27FC236}">
-                <a16:creationId xmlns:a16="http://schemas.microsoft.com/office/drawing/2014/main" xmlns="" id="{A2C3A02E-F82F-EB4D-AA11-F0AB465E4529}"/>
+                <a16:creationId xmlns="" xmlns:a16="http://schemas.microsoft.com/office/drawing/2014/main" id="{A2C3A02E-F82F-EB4D-AA11-F0AB465E4529}"/>
               </a:ext>
             </a:extLst>
           </p:cNvPr>
@@ -3033,7 +3034,7 @@
           <p:cNvPr id="9" name="Picture 8">
             <a:extLst>
               <a:ext uri="{FF2B5EF4-FFF2-40B4-BE49-F238E27FC236}">
-                <a16:creationId xmlns:a16="http://schemas.microsoft.com/office/drawing/2014/main" xmlns="" id="{59D77EAE-7535-D344-A09B-3EC1D6BA9399}"/>
+                <a16:creationId xmlns="" xmlns:a16="http://schemas.microsoft.com/office/drawing/2014/main" id="{59D77EAE-7535-D344-A09B-3EC1D6BA9399}"/>
               </a:ext>
             </a:extLst>
           </p:cNvPr>
@@ -3063,7 +3064,7 @@
           <p:cNvPr id="13" name="Title 1">
             <a:extLst>
               <a:ext uri="{FF2B5EF4-FFF2-40B4-BE49-F238E27FC236}">
-                <a16:creationId xmlns:a16="http://schemas.microsoft.com/office/drawing/2014/main" xmlns="" id="{2258039E-D7E6-874C-986C-F6066D55B1D5}"/>
+                <a16:creationId xmlns="" xmlns:a16="http://schemas.microsoft.com/office/drawing/2014/main" id="{2258039E-D7E6-874C-986C-F6066D55B1D5}"/>
               </a:ext>
             </a:extLst>
           </p:cNvPr>
@@ -3104,7 +3105,7 @@
     </p:spTree>
     <p:extLst>
       <p:ext uri="{BB962C8B-B14F-4D97-AF65-F5344CB8AC3E}">
-        <p14:creationId xmlns:p14="http://schemas.microsoft.com/office/powerpoint/2010/main" xmlns="" val="600747958"/>
+        <p14:creationId xmlns="" xmlns:p14="http://schemas.microsoft.com/office/powerpoint/2010/main" val="600747958"/>
       </p:ext>
     </p:extLst>
   </p:cSld>
@@ -3112,7 +3113,7 @@
     <a:masterClrMapping/>
   </p:clrMapOvr>
   <mc:AlternateContent xmlns:mc="http://schemas.openxmlformats.org/markup-compatibility/2006">
-    <mc:Choice xmlns:p14="http://schemas.microsoft.com/office/powerpoint/2010/main" xmlns="" Requires="p14">
+    <mc:Choice xmlns="" xmlns:p14="http://schemas.microsoft.com/office/powerpoint/2010/main" Requires="p14">
       <p:transition spd="slow" p14:dur="2000" advClick="0" advTm="5000"/>
     </mc:Choice>
     <mc:Fallback>
@@ -3144,7 +3145,7 @@
           <p:cNvPr id="4" name="Picture 3">
             <a:extLst>
               <a:ext uri="{FF2B5EF4-FFF2-40B4-BE49-F238E27FC236}">
-                <a16:creationId xmlns:a16="http://schemas.microsoft.com/office/drawing/2014/main" xmlns="" id="{62DB0137-4B83-6740-9717-4074AFAED09F}"/>
+                <a16:creationId xmlns="" xmlns:a16="http://schemas.microsoft.com/office/drawing/2014/main" id="{62DB0137-4B83-6740-9717-4074AFAED09F}"/>
               </a:ext>
             </a:extLst>
           </p:cNvPr>
@@ -3174,7 +3175,7 @@
           <p:cNvPr id="12" name="Slide Number Placeholder 4">
             <a:extLst>
               <a:ext uri="{FF2B5EF4-FFF2-40B4-BE49-F238E27FC236}">
-                <a16:creationId xmlns:a16="http://schemas.microsoft.com/office/drawing/2014/main" xmlns="" id="{A2C3A02E-F82F-EB4D-AA11-F0AB465E4529}"/>
+                <a16:creationId xmlns="" xmlns:a16="http://schemas.microsoft.com/office/drawing/2014/main" id="{A2C3A02E-F82F-EB4D-AA11-F0AB465E4529}"/>
               </a:ext>
             </a:extLst>
           </p:cNvPr>
@@ -3217,7 +3218,7 @@
           <p:cNvPr id="9" name="Picture 8">
             <a:extLst>
               <a:ext uri="{FF2B5EF4-FFF2-40B4-BE49-F238E27FC236}">
-                <a16:creationId xmlns:a16="http://schemas.microsoft.com/office/drawing/2014/main" xmlns="" id="{59D77EAE-7535-D344-A09B-3EC1D6BA9399}"/>
+                <a16:creationId xmlns="" xmlns:a16="http://schemas.microsoft.com/office/drawing/2014/main" id="{59D77EAE-7535-D344-A09B-3EC1D6BA9399}"/>
               </a:ext>
             </a:extLst>
           </p:cNvPr>
@@ -3247,7 +3248,7 @@
           <p:cNvPr id="13" name="Title 1">
             <a:extLst>
               <a:ext uri="{FF2B5EF4-FFF2-40B4-BE49-F238E27FC236}">
-                <a16:creationId xmlns:a16="http://schemas.microsoft.com/office/drawing/2014/main" xmlns="" id="{2258039E-D7E6-874C-986C-F6066D55B1D5}"/>
+                <a16:creationId xmlns="" xmlns:a16="http://schemas.microsoft.com/office/drawing/2014/main" id="{2258039E-D7E6-874C-986C-F6066D55B1D5}"/>
               </a:ext>
             </a:extLst>
           </p:cNvPr>
@@ -3290,7 +3291,7 @@
           <p:cNvPr id="3" name="Chart Placeholder 2">
             <a:extLst>
               <a:ext uri="{FF2B5EF4-FFF2-40B4-BE49-F238E27FC236}">
-                <a16:creationId xmlns:a16="http://schemas.microsoft.com/office/drawing/2014/main" xmlns="" id="{4F5843D8-3A8D-C34A-B877-27577E457994}"/>
+                <a16:creationId xmlns="" xmlns:a16="http://schemas.microsoft.com/office/drawing/2014/main" id="{4F5843D8-3A8D-C34A-B877-27577E457994}"/>
               </a:ext>
             </a:extLst>
           </p:cNvPr>
@@ -3321,7 +3322,7 @@
     </p:spTree>
     <p:extLst>
       <p:ext uri="{BB962C8B-B14F-4D97-AF65-F5344CB8AC3E}">
-        <p14:creationId xmlns:p14="http://schemas.microsoft.com/office/powerpoint/2010/main" xmlns="" val="3926419513"/>
+        <p14:creationId xmlns="" xmlns:p14="http://schemas.microsoft.com/office/powerpoint/2010/main" val="3926419513"/>
       </p:ext>
     </p:extLst>
   </p:cSld>
@@ -3329,7 +3330,7 @@
     <a:masterClrMapping/>
   </p:clrMapOvr>
   <mc:AlternateContent xmlns:mc="http://schemas.openxmlformats.org/markup-compatibility/2006">
-    <mc:Choice xmlns:p14="http://schemas.microsoft.com/office/powerpoint/2010/main" xmlns="" Requires="p14">
+    <mc:Choice xmlns="" xmlns:p14="http://schemas.microsoft.com/office/powerpoint/2010/main" Requires="p14">
       <p:transition spd="slow" p14:dur="2000" advClick="0" advTm="5000"/>
     </mc:Choice>
     <mc:Fallback>
@@ -3361,7 +3362,7 @@
           <p:cNvPr id="4" name="Picture 3">
             <a:extLst>
               <a:ext uri="{FF2B5EF4-FFF2-40B4-BE49-F238E27FC236}">
-                <a16:creationId xmlns:a16="http://schemas.microsoft.com/office/drawing/2014/main" xmlns="" id="{62DB0137-4B83-6740-9717-4074AFAED09F}"/>
+                <a16:creationId xmlns="" xmlns:a16="http://schemas.microsoft.com/office/drawing/2014/main" id="{62DB0137-4B83-6740-9717-4074AFAED09F}"/>
               </a:ext>
             </a:extLst>
           </p:cNvPr>
@@ -3391,7 +3392,7 @@
           <p:cNvPr id="12" name="Slide Number Placeholder 4">
             <a:extLst>
               <a:ext uri="{FF2B5EF4-FFF2-40B4-BE49-F238E27FC236}">
-                <a16:creationId xmlns:a16="http://schemas.microsoft.com/office/drawing/2014/main" xmlns="" id="{A2C3A02E-F82F-EB4D-AA11-F0AB465E4529}"/>
+                <a16:creationId xmlns="" xmlns:a16="http://schemas.microsoft.com/office/drawing/2014/main" id="{A2C3A02E-F82F-EB4D-AA11-F0AB465E4529}"/>
               </a:ext>
             </a:extLst>
           </p:cNvPr>
@@ -3434,7 +3435,7 @@
           <p:cNvPr id="9" name="Picture 8">
             <a:extLst>
               <a:ext uri="{FF2B5EF4-FFF2-40B4-BE49-F238E27FC236}">
-                <a16:creationId xmlns:a16="http://schemas.microsoft.com/office/drawing/2014/main" xmlns="" id="{59D77EAE-7535-D344-A09B-3EC1D6BA9399}"/>
+                <a16:creationId xmlns="" xmlns:a16="http://schemas.microsoft.com/office/drawing/2014/main" id="{59D77EAE-7535-D344-A09B-3EC1D6BA9399}"/>
               </a:ext>
             </a:extLst>
           </p:cNvPr>
@@ -3464,7 +3465,7 @@
           <p:cNvPr id="13" name="Title 1">
             <a:extLst>
               <a:ext uri="{FF2B5EF4-FFF2-40B4-BE49-F238E27FC236}">
-                <a16:creationId xmlns:a16="http://schemas.microsoft.com/office/drawing/2014/main" xmlns="" id="{2258039E-D7E6-874C-986C-F6066D55B1D5}"/>
+                <a16:creationId xmlns="" xmlns:a16="http://schemas.microsoft.com/office/drawing/2014/main" id="{2258039E-D7E6-874C-986C-F6066D55B1D5}"/>
               </a:ext>
             </a:extLst>
           </p:cNvPr>
@@ -3507,7 +3508,7 @@
           <p:cNvPr id="5" name="Table Placeholder 4">
             <a:extLst>
               <a:ext uri="{FF2B5EF4-FFF2-40B4-BE49-F238E27FC236}">
-                <a16:creationId xmlns:a16="http://schemas.microsoft.com/office/drawing/2014/main" xmlns="" id="{7CF49F7B-6D68-A545-98FE-22FBD56818DB}"/>
+                <a16:creationId xmlns="" xmlns:a16="http://schemas.microsoft.com/office/drawing/2014/main" id="{7CF49F7B-6D68-A545-98FE-22FBD56818DB}"/>
               </a:ext>
             </a:extLst>
           </p:cNvPr>
@@ -3538,7 +3539,7 @@
     </p:spTree>
     <p:extLst>
       <p:ext uri="{BB962C8B-B14F-4D97-AF65-F5344CB8AC3E}">
-        <p14:creationId xmlns:p14="http://schemas.microsoft.com/office/powerpoint/2010/main" xmlns="" val="233726489"/>
+        <p14:creationId xmlns="" xmlns:p14="http://schemas.microsoft.com/office/powerpoint/2010/main" val="233726489"/>
       </p:ext>
     </p:extLst>
   </p:cSld>
@@ -3546,7 +3547,7 @@
     <a:masterClrMapping/>
   </p:clrMapOvr>
   <mc:AlternateContent xmlns:mc="http://schemas.openxmlformats.org/markup-compatibility/2006">
-    <mc:Choice xmlns:p14="http://schemas.microsoft.com/office/powerpoint/2010/main" xmlns="" Requires="p14">
+    <mc:Choice xmlns="" xmlns:p14="http://schemas.microsoft.com/office/powerpoint/2010/main" Requires="p14">
       <p:transition spd="slow" p14:dur="2000" advClick="0" advTm="5000"/>
     </mc:Choice>
     <mc:Fallback>
@@ -3583,7 +3584,7 @@
           <p:cNvPr id="2" name="Title Placeholder 1">
             <a:extLst>
               <a:ext uri="{FF2B5EF4-FFF2-40B4-BE49-F238E27FC236}">
-                <a16:creationId xmlns:a16="http://schemas.microsoft.com/office/drawing/2014/main" xmlns="" id="{3A821DDA-2F75-B143-93FB-2C358175036C}"/>
+                <a16:creationId xmlns="" xmlns:a16="http://schemas.microsoft.com/office/drawing/2014/main" id="{3A821DDA-2F75-B143-93FB-2C358175036C}"/>
               </a:ext>
             </a:extLst>
           </p:cNvPr>
@@ -3621,7 +3622,7 @@
           <p:cNvPr id="3" name="Text Placeholder 2">
             <a:extLst>
               <a:ext uri="{FF2B5EF4-FFF2-40B4-BE49-F238E27FC236}">
-                <a16:creationId xmlns:a16="http://schemas.microsoft.com/office/drawing/2014/main" xmlns="" id="{E024324D-5F1C-BD43-893B-DCFD6AE03280}"/>
+                <a16:creationId xmlns="" xmlns:a16="http://schemas.microsoft.com/office/drawing/2014/main" id="{E024324D-5F1C-BD43-893B-DCFD6AE03280}"/>
               </a:ext>
             </a:extLst>
           </p:cNvPr>
@@ -3688,7 +3689,7 @@
           <p:cNvPr id="4" name="Date Placeholder 3">
             <a:extLst>
               <a:ext uri="{FF2B5EF4-FFF2-40B4-BE49-F238E27FC236}">
-                <a16:creationId xmlns:a16="http://schemas.microsoft.com/office/drawing/2014/main" xmlns="" id="{D53771CD-33AE-C044-A1CC-79B8BB845347}"/>
+                <a16:creationId xmlns="" xmlns:a16="http://schemas.microsoft.com/office/drawing/2014/main" id="{D53771CD-33AE-C044-A1CC-79B8BB845347}"/>
               </a:ext>
             </a:extLst>
           </p:cNvPr>
@@ -3725,7 +3726,7 @@
             <a:fld id="{FBF4D725-7178-D948-AA3E-6F5F17353337}" type="datetimeFigureOut">
               <a:rPr lang="en-US" smtClean="0"/>
               <a:pPr/>
-              <a:t>10/16/2024</a:t>
+              <a:t>10/29/2024</a:t>
             </a:fld>
             <a:endParaRPr lang="en-US"/>
           </a:p>
@@ -3736,7 +3737,7 @@
           <p:cNvPr id="5" name="Footer Placeholder 4">
             <a:extLst>
               <a:ext uri="{FF2B5EF4-FFF2-40B4-BE49-F238E27FC236}">
-                <a16:creationId xmlns:a16="http://schemas.microsoft.com/office/drawing/2014/main" xmlns="" id="{F8AD8ECD-8EE4-DE41-8FFF-8830B5D20348}"/>
+                <a16:creationId xmlns="" xmlns:a16="http://schemas.microsoft.com/office/drawing/2014/main" id="{F8AD8ECD-8EE4-DE41-8FFF-8830B5D20348}"/>
               </a:ext>
             </a:extLst>
           </p:cNvPr>
@@ -3779,7 +3780,7 @@
           <p:cNvPr id="6" name="Slide Number Placeholder 5">
             <a:extLst>
               <a:ext uri="{FF2B5EF4-FFF2-40B4-BE49-F238E27FC236}">
-                <a16:creationId xmlns:a16="http://schemas.microsoft.com/office/drawing/2014/main" xmlns="" id="{0DAC8B92-5CED-9747-9449-501492DBB804}"/>
+                <a16:creationId xmlns="" xmlns:a16="http://schemas.microsoft.com/office/drawing/2014/main" id="{0DAC8B92-5CED-9747-9449-501492DBB804}"/>
               </a:ext>
             </a:extLst>
           </p:cNvPr>
@@ -3825,7 +3826,7 @@
     </p:spTree>
     <p:extLst>
       <p:ext uri="{BB962C8B-B14F-4D97-AF65-F5344CB8AC3E}">
-        <p14:creationId xmlns:p14="http://schemas.microsoft.com/office/powerpoint/2010/main" xmlns="" val="3457181485"/>
+        <p14:creationId xmlns="" xmlns:p14="http://schemas.microsoft.com/office/powerpoint/2010/main" val="3457181485"/>
       </p:ext>
     </p:extLst>
   </p:cSld>
@@ -3842,7 +3843,7 @@
     <p:sldLayoutId id="2147483699" r:id="rId9"/>
   </p:sldLayoutIdLst>
   <mc:AlternateContent xmlns:mc="http://schemas.openxmlformats.org/markup-compatibility/2006">
-    <mc:Choice xmlns:p14="http://schemas.microsoft.com/office/powerpoint/2010/main" xmlns="" Requires="p14">
+    <mc:Choice xmlns="" xmlns:p14="http://schemas.microsoft.com/office/powerpoint/2010/main" Requires="p14">
       <p:transition spd="slow" p14:dur="2000" advClick="0" advTm="5000"/>
     </mc:Choice>
     <mc:Fallback>
@@ -4154,7 +4155,7 @@
           <p:cNvPr id="4" name="Title 3">
             <a:extLst>
               <a:ext uri="{FF2B5EF4-FFF2-40B4-BE49-F238E27FC236}">
-                <a16:creationId xmlns:a16="http://schemas.microsoft.com/office/drawing/2014/main" xmlns="" id="{C5E0BE0D-6E7F-CB36-BF6E-CB3FAB9AA219}"/>
+                <a16:creationId xmlns="" xmlns:a16="http://schemas.microsoft.com/office/drawing/2014/main" id="{C5E0BE0D-6E7F-CB36-BF6E-CB3FAB9AA219}"/>
               </a:ext>
             </a:extLst>
           </p:cNvPr>
@@ -4191,7 +4192,7 @@
           <p:cNvPr id="5" name="Text Placeholder 4">
             <a:extLst>
               <a:ext uri="{FF2B5EF4-FFF2-40B4-BE49-F238E27FC236}">
-                <a16:creationId xmlns:a16="http://schemas.microsoft.com/office/drawing/2014/main" xmlns="" id="{AEF7E49F-30CC-3ECE-B466-6B2A76D17BCA}"/>
+                <a16:creationId xmlns="" xmlns:a16="http://schemas.microsoft.com/office/drawing/2014/main" id="{AEF7E49F-30CC-3ECE-B466-6B2A76D17BCA}"/>
               </a:ext>
             </a:extLst>
           </p:cNvPr>
@@ -4218,7 +4219,7 @@
     </p:spTree>
     <p:extLst>
       <p:ext uri="{BB962C8B-B14F-4D97-AF65-F5344CB8AC3E}">
-        <p14:creationId xmlns:p14="http://schemas.microsoft.com/office/powerpoint/2010/main" xmlns="" val="3323279844"/>
+        <p14:creationId xmlns="" xmlns:p14="http://schemas.microsoft.com/office/powerpoint/2010/main" val="3323279844"/>
       </p:ext>
     </p:extLst>
   </p:cSld>
@@ -4226,7 +4227,7 @@
     <a:masterClrMapping/>
   </p:clrMapOvr>
   <mc:AlternateContent xmlns:mc="http://schemas.openxmlformats.org/markup-compatibility/2006">
-    <mc:Choice xmlns:p14="http://schemas.microsoft.com/office/powerpoint/2010/main" xmlns="" Requires="p14">
+    <mc:Choice xmlns="" xmlns:p14="http://schemas.microsoft.com/office/powerpoint/2010/main" Requires="p14">
       <p:transition spd="slow" p14:dur="2000" advClick="0" advTm="5000"/>
     </mc:Choice>
     <mc:Fallback>
@@ -4258,7 +4259,7 @@
           <p:cNvPr id="4" name="TextBox 3">
             <a:extLst>
               <a:ext uri="{FF2B5EF4-FFF2-40B4-BE49-F238E27FC236}">
-                <a16:creationId xmlns:a16="http://schemas.microsoft.com/office/drawing/2014/main" xmlns="" id="{221FA16E-AAC8-1A73-CCDA-27D1070D6804}"/>
+                <a16:creationId xmlns="" xmlns:a16="http://schemas.microsoft.com/office/drawing/2014/main" id="{221FA16E-AAC8-1A73-CCDA-27D1070D6804}"/>
               </a:ext>
             </a:extLst>
           </p:cNvPr>
@@ -5182,15 +5183,7 @@
           <a:p>
             <a:r>
               <a:rPr lang="en-US" sz="1200" b="1" dirty="0" smtClean="0"/>
-              <a:t>The most popular </a:t>
-            </a:r>
-            <a:r>
-              <a:rPr lang="en-US" sz="1200" b="1" dirty="0" smtClean="0"/>
-              <a:t>MQTT </a:t>
-            </a:r>
-            <a:r>
-              <a:rPr lang="en-US" sz="1200" b="1" dirty="0" smtClean="0"/>
-              <a:t>brokers and platforms are widely adopted due to their reliability, scalability, ease of use, and suitability for </a:t>
+              <a:t>The most popular MQTT brokers and platforms are widely adopted due to their reliability, scalability, ease of use, and suitability for </a:t>
             </a:r>
             <a:r>
               <a:rPr lang="en-US" sz="1200" b="1" dirty="0" err="1" smtClean="0"/>
@@ -5207,7 +5200,7 @@
     </p:spTree>
     <p:extLst>
       <p:ext uri="{BB962C8B-B14F-4D97-AF65-F5344CB8AC3E}">
-        <p14:creationId xmlns:p14="http://schemas.microsoft.com/office/powerpoint/2010/main" xmlns="" val="1960280140"/>
+        <p14:creationId xmlns="" xmlns:p14="http://schemas.microsoft.com/office/powerpoint/2010/main" val="1960280140"/>
       </p:ext>
     </p:extLst>
   </p:cSld>
@@ -5215,7 +5208,7 @@
     <a:masterClrMapping/>
   </p:clrMapOvr>
   <mc:AlternateContent xmlns:mc="http://schemas.openxmlformats.org/markup-compatibility/2006">
-    <mc:Choice xmlns:p14="http://schemas.microsoft.com/office/powerpoint/2010/main" xmlns="" Requires="p14">
+    <mc:Choice xmlns="" xmlns:p14="http://schemas.microsoft.com/office/powerpoint/2010/main" Requires="p14">
       <p:transition spd="slow" p14:dur="2000" advClick="0" advTm="5000"/>
     </mc:Choice>
     <mc:Fallback>
@@ -5244,10 +5237,445 @@
       </p:grpSpPr>
       <p:sp>
         <p:nvSpPr>
+          <p:cNvPr id="4" name="TextBox 3">
+            <a:extLst>
+              <a:ext uri="{FF2B5EF4-FFF2-40B4-BE49-F238E27FC236}">
+                <a16:creationId xmlns="" xmlns:a16="http://schemas.microsoft.com/office/drawing/2014/main" id="{221FA16E-AAC8-1A73-CCDA-27D1070D6804}"/>
+              </a:ext>
+            </a:extLst>
+          </p:cNvPr>
+          <p:cNvSpPr txBox="1"/>
+          <p:nvPr/>
+        </p:nvSpPr>
+        <p:spPr>
+          <a:xfrm>
+            <a:off x="9958274" y="6338973"/>
+            <a:ext cx="1881605" cy="369332"/>
+          </a:xfrm>
+          <a:prstGeom prst="rect">
+            <a:avLst/>
+          </a:prstGeom>
+          <a:noFill/>
+        </p:spPr>
+        <p:txBody>
+          <a:bodyPr wrap="none" rtlCol="0">
+            <a:spAutoFit/>
+          </a:bodyPr>
+          <a:lstStyle/>
+          <a:p>
+            <a:r>
+              <a:rPr lang="en-US" i="1" dirty="0">
+                <a:solidFill>
+                  <a:schemeClr val="tx1">
+                    <a:lumMod val="50000"/>
+                  </a:schemeClr>
+                </a:solidFill>
+              </a:rPr>
+              <a:t>Mesa Confidential</a:t>
+            </a:r>
+          </a:p>
+        </p:txBody>
+      </p:sp>
+      <p:sp>
+        <p:nvSpPr>
+          <p:cNvPr id="5" name="Title 4"/>
+          <p:cNvSpPr>
+            <a:spLocks noGrp="1"/>
+          </p:cNvSpPr>
+          <p:nvPr>
+            <p:ph type="title"/>
+          </p:nvPr>
+        </p:nvSpPr>
+        <p:spPr>
+          <a:xfrm>
+            <a:off x="487457" y="380608"/>
+            <a:ext cx="11459010" cy="675251"/>
+          </a:xfrm>
+        </p:spPr>
+        <p:txBody>
+          <a:bodyPr/>
+          <a:lstStyle/>
+          <a:p>
+            <a:r>
+              <a:rPr lang="en-US" dirty="0" smtClean="0"/>
+              <a:t>How can we benefit from Kafka or similar technology?</a:t>
+            </a:r>
+            <a:endParaRPr lang="en-US" dirty="0" smtClean="0"/>
+          </a:p>
+        </p:txBody>
+      </p:sp>
+      <p:sp>
+        <p:nvSpPr>
+          <p:cNvPr id="6" name="Rectangle 5"/>
+          <p:cNvSpPr/>
+          <p:nvPr/>
+        </p:nvSpPr>
+        <p:spPr>
+          <a:xfrm>
+            <a:off x="793631" y="1299713"/>
+            <a:ext cx="9982200" cy="705258"/>
+          </a:xfrm>
+          <a:prstGeom prst="rect">
+            <a:avLst/>
+          </a:prstGeom>
+        </p:spPr>
+        <p:txBody>
+          <a:bodyPr wrap="square">
+            <a:spAutoFit/>
+          </a:bodyPr>
+          <a:lstStyle/>
+          <a:p>
+            <a:pPr marL="800100" lvl="1" indent="-342900">
+              <a:lnSpc>
+                <a:spcPct val="150000"/>
+              </a:lnSpc>
+              <a:buFont typeface="+mj-lt"/>
+              <a:buAutoNum type="arabicPeriod"/>
+            </a:pPr>
+            <a:endParaRPr lang="en-US" sz="1400" dirty="0" smtClean="0"/>
+          </a:p>
+          <a:p>
+            <a:pPr marL="800100" lvl="1" indent="-342900">
+              <a:lnSpc>
+                <a:spcPct val="150000"/>
+              </a:lnSpc>
+              <a:buFont typeface="+mj-lt"/>
+              <a:buAutoNum type="arabicPeriod"/>
+            </a:pPr>
+            <a:endParaRPr lang="en-US" sz="1400" dirty="0"/>
+          </a:p>
+        </p:txBody>
+      </p:sp>
+      <p:graphicFrame>
+        <p:nvGraphicFramePr>
+          <p:cNvPr id="8" name="Table 7"/>
+          <p:cNvGraphicFramePr>
+            <a:graphicFrameLocks noGrp="1"/>
+          </p:cNvGraphicFramePr>
+          <p:nvPr/>
+        </p:nvGraphicFramePr>
+        <p:xfrm>
+          <a:off x="1151467" y="1159932"/>
+          <a:ext cx="9906000" cy="4573696"/>
+        </p:xfrm>
+        <a:graphic>
+          <a:graphicData uri="http://schemas.openxmlformats.org/drawingml/2006/table">
+            <a:tbl>
+              <a:tblPr firstRow="1" bandRow="1">
+                <a:tableStyleId>{5C22544A-7EE6-4342-B048-85BDC9FD1C3A}</a:tableStyleId>
+              </a:tblPr>
+              <a:tblGrid>
+                <a:gridCol w="9906000"/>
+              </a:tblGrid>
+              <a:tr h="440268">
+                <a:tc>
+                  <a:txBody>
+                    <a:bodyPr/>
+                    <a:lstStyle/>
+                    <a:p>
+                      <a:pPr algn="ctr"/>
+                      <a:r>
+                        <a:rPr lang="en-US" dirty="0" smtClean="0"/>
+                        <a:t>Kafka</a:t>
+                      </a:r>
+                      <a:r>
+                        <a:rPr lang="en-US" baseline="0" dirty="0" smtClean="0"/>
+                        <a:t> Benefits</a:t>
+                      </a:r>
+                      <a:endParaRPr lang="en-US" dirty="0"/>
+                    </a:p>
+                  </a:txBody>
+                  <a:tcPr/>
+                </a:tc>
+              </a:tr>
+              <a:tr h="740834">
+                <a:tc>
+                  <a:txBody>
+                    <a:bodyPr/>
+                    <a:lstStyle/>
+                    <a:p>
+                      <a:r>
+                        <a:rPr lang="en-US" sz="1200" dirty="0" smtClean="0">
+                          <a:solidFill>
+                            <a:schemeClr val="bg2">
+                              <a:lumMod val="10000"/>
+                            </a:schemeClr>
+                          </a:solidFill>
+                        </a:rPr>
+                        <a:t>Kafka and similar message brokers facilitate the decoupling of systems by allowing producers and consumers to operate independently. This creates a buffer between different </a:t>
+                      </a:r>
+                      <a:r>
+                        <a:rPr lang="en-US" sz="1200" dirty="0" err="1" smtClean="0">
+                          <a:solidFill>
+                            <a:schemeClr val="bg2">
+                              <a:lumMod val="10000"/>
+                            </a:schemeClr>
+                          </a:solidFill>
+                        </a:rPr>
+                        <a:t>microservices</a:t>
+                      </a:r>
+                      <a:r>
+                        <a:rPr lang="en-US" sz="1200" dirty="0" smtClean="0">
+                          <a:solidFill>
+                            <a:schemeClr val="bg2">
+                              <a:lumMod val="10000"/>
+                            </a:schemeClr>
+                          </a:solidFill>
+                        </a:rPr>
+                        <a:t> and enables asynchronous communication. As a result, we can easily re-architect a new cloud-based content management system (CMS) using a modular approach, where Kafka acts as the data exchange highway connecting all of our </a:t>
+                      </a:r>
+                      <a:r>
+                        <a:rPr lang="en-US" sz="1200" dirty="0" err="1" smtClean="0">
+                          <a:solidFill>
+                            <a:schemeClr val="bg2">
+                              <a:lumMod val="10000"/>
+                            </a:schemeClr>
+                          </a:solidFill>
+                        </a:rPr>
+                        <a:t>microservices</a:t>
+                      </a:r>
+                      <a:r>
+                        <a:rPr lang="en-US" sz="1200" dirty="0" smtClean="0">
+                          <a:solidFill>
+                            <a:schemeClr val="bg2">
+                              <a:lumMod val="10000"/>
+                            </a:schemeClr>
+                          </a:solidFill>
+                        </a:rPr>
+                        <a:t>.</a:t>
+                      </a:r>
+                      <a:endParaRPr lang="en-US" sz="1200" dirty="0">
+                        <a:solidFill>
+                          <a:schemeClr val="bg2">
+                            <a:lumMod val="10000"/>
+                          </a:schemeClr>
+                        </a:solidFill>
+                      </a:endParaRPr>
+                    </a:p>
+                  </a:txBody>
+                  <a:tcPr/>
+                </a:tc>
+              </a:tr>
+              <a:tr h="740834">
+                <a:tc>
+                  <a:txBody>
+                    <a:bodyPr/>
+                    <a:lstStyle/>
+                    <a:p>
+                      <a:r>
+                        <a:rPr lang="en-US" sz="1200" dirty="0" smtClean="0">
+                          <a:solidFill>
+                            <a:schemeClr val="bg2">
+                              <a:lumMod val="10000"/>
+                            </a:schemeClr>
+                          </a:solidFill>
+                        </a:rPr>
+                        <a:t>Our current setup involves sensors and the sensor AP communicating through an abstraction layer, specifically the Communication Manager. This layer is responsible for interpreting, processing, storing, encrypting, and pushing sensor data to the cloud system. By utilizing Kafka or a similar message broker, we can leverage its high throughput for handling large volumes of data, scalability for horizontal scaling to accommodate increased loads, durability through data replication across multiple brokers, and fault tolerance for enhanced reliability. This shift allows us to eliminate the Communication Manager abstraction layer, enabling direct communication between our sensors, sensor AP, and Kafka.</a:t>
+                      </a:r>
+                      <a:endParaRPr lang="en-US" sz="1200" dirty="0">
+                        <a:solidFill>
+                          <a:schemeClr val="bg2">
+                            <a:lumMod val="10000"/>
+                          </a:schemeClr>
+                        </a:solidFill>
+                      </a:endParaRPr>
+                    </a:p>
+                  </a:txBody>
+                  <a:tcPr/>
+                </a:tc>
+              </a:tr>
+              <a:tr h="740834">
+                <a:tc>
+                  <a:txBody>
+                    <a:bodyPr/>
+                    <a:lstStyle/>
+                    <a:p>
+                      <a:r>
+                        <a:rPr lang="en-US" sz="1200" dirty="0" smtClean="0">
+                          <a:solidFill>
+                            <a:schemeClr val="bg2">
+                              <a:lumMod val="10000"/>
+                            </a:schemeClr>
+                          </a:solidFill>
+                        </a:rPr>
+                        <a:t>Kafka can overcome the limitations of cloud-based systems by facilitating communication and control of local hardware devices, such as alert lamps within client facilities. Currently, we are implementing this capability to enable our VPC system to control local lamps using a message broker like Azure Service Bus. In the future, we can easily add a </a:t>
+                      </a:r>
+                      <a:r>
+                        <a:rPr lang="en-US" sz="1200" dirty="0" err="1" smtClean="0">
+                          <a:solidFill>
+                            <a:schemeClr val="bg2">
+                              <a:lumMod val="10000"/>
+                            </a:schemeClr>
+                          </a:solidFill>
+                        </a:rPr>
+                        <a:t>microservice</a:t>
+                      </a:r>
+                      <a:r>
+                        <a:rPr lang="en-US" sz="1200" dirty="0" smtClean="0">
+                          <a:solidFill>
+                            <a:schemeClr val="bg2">
+                              <a:lumMod val="10000"/>
+                            </a:schemeClr>
+                          </a:solidFill>
+                        </a:rPr>
+                        <a:t> application to our sensor AP, which is already running on a Linux kernel. This service will subscribe to Kafka or a similar message broker, allowing it to listen for commands to activate any local devices.</a:t>
+                      </a:r>
+                      <a:endParaRPr lang="en-US" sz="1200" dirty="0">
+                        <a:solidFill>
+                          <a:schemeClr val="bg2">
+                            <a:lumMod val="10000"/>
+                          </a:schemeClr>
+                        </a:solidFill>
+                      </a:endParaRPr>
+                    </a:p>
+                  </a:txBody>
+                  <a:tcPr/>
+                </a:tc>
+              </a:tr>
+              <a:tr h="740834">
+                <a:tc>
+                  <a:txBody>
+                    <a:bodyPr/>
+                    <a:lstStyle/>
+                    <a:p>
+                      <a:r>
+                        <a:rPr lang="en-US" sz="1200" dirty="0" smtClean="0">
+                          <a:solidFill>
+                            <a:schemeClr val="bg2">
+                              <a:lumMod val="10000"/>
+                            </a:schemeClr>
+                          </a:solidFill>
+                        </a:rPr>
+                        <a:t>The Kafka message broker can accelerate on-site calibration by immediately pushing scale and offset values from a cloud-based system, such as the VPC system, directly to the sensor. This eliminates the delay associated with the sensor's post interval, thereby reducing the technician's on-site time. Additionally, we can now back-channel other parameters to the sensors remotely without being locally installed. </a:t>
+                      </a:r>
+                      <a:endParaRPr lang="en-US" sz="1200" dirty="0">
+                        <a:solidFill>
+                          <a:schemeClr val="bg2">
+                            <a:lumMod val="10000"/>
+                          </a:schemeClr>
+                        </a:solidFill>
+                      </a:endParaRPr>
+                    </a:p>
+                  </a:txBody>
+                  <a:tcPr/>
+                </a:tc>
+              </a:tr>
+              <a:tr h="740834">
+                <a:tc>
+                  <a:txBody>
+                    <a:bodyPr/>
+                    <a:lstStyle/>
+                    <a:p>
+                      <a:r>
+                        <a:rPr lang="en-US" sz="1200" dirty="0" smtClean="0">
+                          <a:solidFill>
+                            <a:schemeClr val="bg2">
+                              <a:lumMod val="10000"/>
+                            </a:schemeClr>
+                          </a:solidFill>
+                        </a:rPr>
+                        <a:t>A message broker like Kafka will empower software engineers to develop monitoring tools that allow hardware engineers to remotely track the status of all sensors in the field. The </a:t>
+                      </a:r>
+                      <a:r>
+                        <a:rPr lang="en-US" sz="1200" dirty="0" err="1" smtClean="0">
+                          <a:solidFill>
+                            <a:schemeClr val="bg2">
+                              <a:lumMod val="10000"/>
+                            </a:schemeClr>
+                          </a:solidFill>
+                        </a:rPr>
+                        <a:t>WiFi</a:t>
+                      </a:r>
+                      <a:r>
+                        <a:rPr lang="en-US" sz="1200" dirty="0" smtClean="0">
+                          <a:solidFill>
+                            <a:schemeClr val="bg2">
+                              <a:lumMod val="10000"/>
+                            </a:schemeClr>
+                          </a:solidFill>
+                        </a:rPr>
+                        <a:t> sensor and the sensor AP can now publish their status information each time they wake up, delivering environmental reading data in real time.  This eliminates the need to send back faulty sensors for diagnostics and troubleshooting, the hardware engineer</a:t>
+                      </a:r>
+                      <a:r>
+                        <a:rPr lang="en-US" sz="1200" baseline="0" dirty="0" smtClean="0">
+                          <a:solidFill>
+                            <a:schemeClr val="bg2">
+                              <a:lumMod val="10000"/>
+                            </a:schemeClr>
+                          </a:solidFill>
+                        </a:rPr>
+                        <a:t> has all the information ahead of time and just before </a:t>
+                      </a:r>
+                      <a:r>
+                        <a:rPr lang="en-US" sz="1200" baseline="0" smtClean="0">
+                          <a:solidFill>
+                            <a:schemeClr val="bg2">
+                              <a:lumMod val="10000"/>
+                            </a:schemeClr>
+                          </a:solidFill>
+                        </a:rPr>
+                        <a:t>the sensor has issues.</a:t>
+                      </a:r>
+                      <a:endParaRPr lang="en-US" sz="1200" dirty="0">
+                        <a:solidFill>
+                          <a:schemeClr val="bg2">
+                            <a:lumMod val="10000"/>
+                          </a:schemeClr>
+                        </a:solidFill>
+                      </a:endParaRPr>
+                    </a:p>
+                  </a:txBody>
+                  <a:tcPr/>
+                </a:tc>
+              </a:tr>
+            </a:tbl>
+          </a:graphicData>
+        </a:graphic>
+      </p:graphicFrame>
+    </p:spTree>
+    <p:extLst>
+      <p:ext uri="{BB962C8B-B14F-4D97-AF65-F5344CB8AC3E}">
+        <p14:creationId xmlns="" xmlns:p14="http://schemas.microsoft.com/office/powerpoint/2010/main" val="1960280140"/>
+      </p:ext>
+    </p:extLst>
+  </p:cSld>
+  <p:clrMapOvr>
+    <a:masterClrMapping/>
+  </p:clrMapOvr>
+  <mc:AlternateContent xmlns:mc="http://schemas.openxmlformats.org/markup-compatibility/2006">
+    <mc:Choice xmlns="" xmlns:p14="http://schemas.microsoft.com/office/powerpoint/2010/main" Requires="p14">
+      <p:transition spd="slow" p14:dur="2000" advClick="0" advTm="5000"/>
+    </mc:Choice>
+    <mc:Fallback>
+      <p:transition spd="slow" advClick="0" advTm="5000"/>
+    </mc:Fallback>
+  </mc:AlternateContent>
+</p:sld>
+</file>
+
+<file path=ppt/slides/slide12.xml><?xml version="1.0" encoding="utf-8"?>
+<p:sld xmlns:a="http://schemas.openxmlformats.org/drawingml/2006/main" xmlns:r="http://schemas.openxmlformats.org/officeDocument/2006/relationships" xmlns:p="http://schemas.openxmlformats.org/presentationml/2006/main">
+  <p:cSld>
+    <p:spTree>
+      <p:nvGrpSpPr>
+        <p:cNvPr id="1" name=""/>
+        <p:cNvGrpSpPr/>
+        <p:nvPr/>
+      </p:nvGrpSpPr>
+      <p:grpSpPr>
+        <a:xfrm>
+          <a:off x="0" y="0"/>
+          <a:ext cx="0" cy="0"/>
+          <a:chOff x="0" y="0"/>
+          <a:chExt cx="0" cy="0"/>
+        </a:xfrm>
+      </p:grpSpPr>
+      <p:sp>
+        <p:nvSpPr>
           <p:cNvPr id="2" name="TextBox 1">
             <a:extLst>
               <a:ext uri="{FF2B5EF4-FFF2-40B4-BE49-F238E27FC236}">
-                <a16:creationId xmlns:a16="http://schemas.microsoft.com/office/drawing/2014/main" xmlns="" id="{5E8D481B-AA70-47B2-D724-B872B2D97377}"/>
+                <a16:creationId xmlns="" xmlns:a16="http://schemas.microsoft.com/office/drawing/2014/main" id="{5E8D481B-AA70-47B2-D724-B872B2D97377}"/>
               </a:ext>
             </a:extLst>
           </p:cNvPr>
@@ -5312,7 +5740,7 @@
     </p:spTree>
     <p:extLst>
       <p:ext uri="{BB962C8B-B14F-4D97-AF65-F5344CB8AC3E}">
-        <p14:creationId xmlns:p14="http://schemas.microsoft.com/office/powerpoint/2010/main" xmlns="" val="3511436495"/>
+        <p14:creationId xmlns="" xmlns:p14="http://schemas.microsoft.com/office/powerpoint/2010/main" val="3511436495"/>
       </p:ext>
     </p:extLst>
   </p:cSld>
@@ -5320,7 +5748,7 @@
     <a:masterClrMapping/>
   </p:clrMapOvr>
   <mc:AlternateContent xmlns:mc="http://schemas.openxmlformats.org/markup-compatibility/2006">
-    <mc:Choice xmlns:p14="http://schemas.microsoft.com/office/powerpoint/2010/main" xmlns="" Requires="p14">
+    <mc:Choice xmlns="" xmlns:p14="http://schemas.microsoft.com/office/powerpoint/2010/main" Requires="p14">
       <p:transition spd="slow" p14:dur="2000" advClick="0" advTm="5000"/>
     </mc:Choice>
     <mc:Fallback>
@@ -5352,7 +5780,7 @@
           <p:cNvPr id="4" name="Title 3">
             <a:extLst>
               <a:ext uri="{FF2B5EF4-FFF2-40B4-BE49-F238E27FC236}">
-                <a16:creationId xmlns:a16="http://schemas.microsoft.com/office/drawing/2014/main" xmlns="" id="{7DEAF21D-E8CE-AD8B-E648-301FB7DE61DF}"/>
+                <a16:creationId xmlns="" xmlns:a16="http://schemas.microsoft.com/office/drawing/2014/main" id="{7DEAF21D-E8CE-AD8B-E648-301FB7DE61DF}"/>
               </a:ext>
             </a:extLst>
           </p:cNvPr>
@@ -5380,7 +5808,7 @@
           <p:cNvPr id="5" name="Text Placeholder 4">
             <a:extLst>
               <a:ext uri="{FF2B5EF4-FFF2-40B4-BE49-F238E27FC236}">
-                <a16:creationId xmlns:a16="http://schemas.microsoft.com/office/drawing/2014/main" xmlns="" id="{218E70D0-E766-7711-25D8-1588E232CEC8}"/>
+                <a16:creationId xmlns="" xmlns:a16="http://schemas.microsoft.com/office/drawing/2014/main" id="{218E70D0-E766-7711-25D8-1588E232CEC8}"/>
               </a:ext>
             </a:extLst>
           </p:cNvPr>
@@ -5394,84 +5822,91 @@
         <p:spPr>
           <a:xfrm>
             <a:off x="1286934" y="2496631"/>
-            <a:ext cx="5137829" cy="2193902"/>
+            <a:ext cx="5137829" cy="2879702"/>
           </a:xfrm>
         </p:spPr>
         <p:txBody>
           <a:bodyPr>
-            <a:normAutofit fontScale="55000" lnSpcReduction="20000"/>
+            <a:noAutofit/>
           </a:bodyPr>
           <a:lstStyle/>
           <a:p>
             <a:r>
-              <a:rPr lang="en-US" dirty="0" smtClean="0"/>
+              <a:rPr lang="en-US" sz="1400" dirty="0" smtClean="0"/>
               <a:t>What is Apache Kafka?</a:t>
             </a:r>
-            <a:endParaRPr lang="en-US" dirty="0"/>
-          </a:p>
-          <a:p>
-            <a:r>
-              <a:rPr lang="en-US" dirty="0" smtClean="0"/>
+            <a:endParaRPr lang="en-US" sz="1400" dirty="0"/>
+          </a:p>
+          <a:p>
+            <a:r>
+              <a:rPr lang="en-US" sz="1400" dirty="0" smtClean="0"/>
               <a:t>Advantages of Kafka</a:t>
             </a:r>
-            <a:endParaRPr lang="en-US" dirty="0"/>
-          </a:p>
-          <a:p>
-            <a:r>
-              <a:rPr lang="en-US" dirty="0" smtClean="0"/>
+            <a:endParaRPr lang="en-US" sz="1400" dirty="0"/>
+          </a:p>
+          <a:p>
+            <a:r>
+              <a:rPr lang="en-US" sz="1400" dirty="0" smtClean="0"/>
               <a:t>Disadvantages of Kafka</a:t>
             </a:r>
           </a:p>
           <a:p>
             <a:r>
-              <a:rPr lang="en-US" dirty="0" smtClean="0"/>
+              <a:rPr lang="en-US" sz="1400" dirty="0" smtClean="0"/>
               <a:t>What is MQTT?</a:t>
             </a:r>
           </a:p>
           <a:p>
             <a:r>
-              <a:rPr lang="en-US" dirty="0" smtClean="0"/>
+              <a:rPr lang="en-US" sz="1400" dirty="0" smtClean="0"/>
               <a:t>Advantages of MQTT</a:t>
             </a:r>
           </a:p>
           <a:p>
             <a:r>
-              <a:rPr lang="en-US" dirty="0" smtClean="0"/>
+              <a:rPr lang="en-US" sz="1400" dirty="0" smtClean="0"/>
               <a:t>Disadvantages of MQTT</a:t>
             </a:r>
           </a:p>
           <a:p>
             <a:r>
-              <a:rPr lang="en-US" dirty="0" smtClean="0"/>
+              <a:rPr lang="en-US" sz="1400" dirty="0" smtClean="0"/>
               <a:t>Kafka </a:t>
             </a:r>
             <a:r>
-              <a:rPr lang="en-US" dirty="0" err="1" smtClean="0"/>
+              <a:rPr lang="en-US" sz="1400" dirty="0" err="1" smtClean="0"/>
               <a:t>vs</a:t>
             </a:r>
             <a:r>
-              <a:rPr lang="en-US" dirty="0" smtClean="0"/>
+              <a:rPr lang="en-US" sz="1400" dirty="0" smtClean="0"/>
               <a:t> MQTT </a:t>
             </a:r>
             <a:r>
-              <a:rPr lang="en-US" dirty="0" err="1" smtClean="0"/>
+              <a:rPr lang="en-US" sz="1400" dirty="0" err="1" smtClean="0"/>
               <a:t>comparision</a:t>
             </a:r>
-            <a:endParaRPr lang="en-US" dirty="0" smtClean="0"/>
-          </a:p>
-          <a:p>
-            <a:r>
-              <a:rPr lang="en-US" dirty="0" smtClean="0"/>
+            <a:endParaRPr lang="en-US" sz="1400" dirty="0" smtClean="0"/>
+          </a:p>
+          <a:p>
+            <a:r>
+              <a:rPr lang="en-US" sz="1400" dirty="0" smtClean="0"/>
+              <a:t>How can we benefit from Kafka or similar technology?</a:t>
+            </a:r>
+            <a:endParaRPr lang="en-US" sz="1400" dirty="0" smtClean="0"/>
+          </a:p>
+          <a:p>
+            <a:r>
+              <a:rPr lang="en-US" sz="1400" dirty="0" smtClean="0"/>
               <a:t>Discussion</a:t>
             </a:r>
-            <a:endParaRPr lang="en-US" dirty="0"/>
+            <a:endParaRPr lang="en-US" sz="1400" dirty="0"/>
           </a:p>
         </p:txBody>
       </p:sp>
     </p:spTree>
     <p:extLst>
       <p:ext uri="{BB962C8B-B14F-4D97-AF65-F5344CB8AC3E}">
-        <p14:creationId xmlns:p14="http://schemas.microsoft.com/office/powerpoint/2010/main" xmlns="" val="2639129120"/>
+        <p14:creationId xmlns="" xmlns:p14="http://schemas.microsoft.com/office/powerpoint/2010/main" val="2639129120"/>
       </p:ext>
     </p:extLst>
   </p:cSld>
@@ -5479,7 +5914,7 @@
     <a:masterClrMapping/>
   </p:clrMapOvr>
   <mc:AlternateContent xmlns:mc="http://schemas.openxmlformats.org/markup-compatibility/2006">
-    <mc:Choice xmlns:p14="http://schemas.microsoft.com/office/powerpoint/2010/main" xmlns="" Requires="p14">
+    <mc:Choice xmlns="" xmlns:p14="http://schemas.microsoft.com/office/powerpoint/2010/main" Requires="p14">
       <p:transition spd="slow" p14:dur="2000" advClick="0" advTm="5000"/>
     </mc:Choice>
     <mc:Fallback>
@@ -5511,7 +5946,7 @@
           <p:cNvPr id="8" name="Title 7">
             <a:extLst>
               <a:ext uri="{FF2B5EF4-FFF2-40B4-BE49-F238E27FC236}">
-                <a16:creationId xmlns:a16="http://schemas.microsoft.com/office/drawing/2014/main" xmlns="" id="{8BD644B9-9C1E-39C5-E757-82FE5465A6E9}"/>
+                <a16:creationId xmlns="" xmlns:a16="http://schemas.microsoft.com/office/drawing/2014/main" id="{8BD644B9-9C1E-39C5-E757-82FE5465A6E9}"/>
               </a:ext>
             </a:extLst>
           </p:cNvPr>
@@ -5559,7 +5994,7 @@
           <p:cNvPr id="9" name="Subtitle 2">
             <a:extLst>
               <a:ext uri="{FF2B5EF4-FFF2-40B4-BE49-F238E27FC236}">
-                <a16:creationId xmlns:a16="http://schemas.microsoft.com/office/drawing/2014/main" xmlns="" id="{8F968626-82D8-2F5F-6869-21D8AD224898}"/>
+                <a16:creationId xmlns="" xmlns:a16="http://schemas.microsoft.com/office/drawing/2014/main" id="{8F968626-82D8-2F5F-6869-21D8AD224898}"/>
               </a:ext>
             </a:extLst>
           </p:cNvPr>
@@ -5623,7 +6058,7 @@
           <p:cNvPr id="4" name="Text Placeholder 4">
             <a:extLst>
               <a:ext uri="{FF2B5EF4-FFF2-40B4-BE49-F238E27FC236}">
-                <a16:creationId xmlns:a16="http://schemas.microsoft.com/office/drawing/2014/main" xmlns="" id="{218E70D0-E766-7711-25D8-1588E232CEC8}"/>
+                <a16:creationId xmlns="" xmlns:a16="http://schemas.microsoft.com/office/drawing/2014/main" id="{218E70D0-E766-7711-25D8-1588E232CEC8}"/>
               </a:ext>
             </a:extLst>
           </p:cNvPr>
@@ -5682,7 +6117,7 @@
           <p:cNvPr id="5" name="Text Placeholder 4">
             <a:extLst>
               <a:ext uri="{FF2B5EF4-FFF2-40B4-BE49-F238E27FC236}">
-                <a16:creationId xmlns:a16="http://schemas.microsoft.com/office/drawing/2014/main" xmlns="" id="{218E70D0-E766-7711-25D8-1588E232CEC8}"/>
+                <a16:creationId xmlns="" xmlns:a16="http://schemas.microsoft.com/office/drawing/2014/main" id="{218E70D0-E766-7711-25D8-1588E232CEC8}"/>
               </a:ext>
             </a:extLst>
           </p:cNvPr>
@@ -5834,7 +6269,7 @@
     </p:spTree>
     <p:extLst>
       <p:ext uri="{BB962C8B-B14F-4D97-AF65-F5344CB8AC3E}">
-        <p14:creationId xmlns:p14="http://schemas.microsoft.com/office/powerpoint/2010/main" xmlns="" val="479653768"/>
+        <p14:creationId xmlns="" xmlns:p14="http://schemas.microsoft.com/office/powerpoint/2010/main" val="479653768"/>
       </p:ext>
     </p:extLst>
   </p:cSld>
@@ -5842,7 +6277,7 @@
     <a:masterClrMapping/>
   </p:clrMapOvr>
   <mc:AlternateContent xmlns:mc="http://schemas.openxmlformats.org/markup-compatibility/2006">
-    <mc:Choice xmlns:p14="http://schemas.microsoft.com/office/powerpoint/2010/main" xmlns="" Requires="p14">
+    <mc:Choice xmlns="" xmlns:p14="http://schemas.microsoft.com/office/powerpoint/2010/main" Requires="p14">
       <p:transition spd="slow" p14:dur="2000" advClick="0" advTm="5000"/>
     </mc:Choice>
     <mc:Fallback>
@@ -5874,7 +6309,7 @@
           <p:cNvPr id="2" name="Title 1">
             <a:extLst>
               <a:ext uri="{FF2B5EF4-FFF2-40B4-BE49-F238E27FC236}">
-                <a16:creationId xmlns:a16="http://schemas.microsoft.com/office/drawing/2014/main" xmlns="" id="{1B418EE9-5198-ADC8-D99E-D10E479044CE}"/>
+                <a16:creationId xmlns="" xmlns:a16="http://schemas.microsoft.com/office/drawing/2014/main" id="{1B418EE9-5198-ADC8-D99E-D10E479044CE}"/>
               </a:ext>
             </a:extLst>
           </p:cNvPr>
@@ -5908,7 +6343,7 @@
           <p:cNvPr id="4" name="TextBox 3">
             <a:extLst>
               <a:ext uri="{FF2B5EF4-FFF2-40B4-BE49-F238E27FC236}">
-                <a16:creationId xmlns:a16="http://schemas.microsoft.com/office/drawing/2014/main" xmlns="" id="{221FA16E-AAC8-1A73-CCDA-27D1070D6804}"/>
+                <a16:creationId xmlns="" xmlns:a16="http://schemas.microsoft.com/office/drawing/2014/main" id="{221FA16E-AAC8-1A73-CCDA-27D1070D6804}"/>
               </a:ext>
             </a:extLst>
           </p:cNvPr>
@@ -6095,7 +6530,7 @@
     </p:spTree>
     <p:extLst>
       <p:ext uri="{BB962C8B-B14F-4D97-AF65-F5344CB8AC3E}">
-        <p14:creationId xmlns:p14="http://schemas.microsoft.com/office/powerpoint/2010/main" xmlns="" val="1960280140"/>
+        <p14:creationId xmlns="" xmlns:p14="http://schemas.microsoft.com/office/powerpoint/2010/main" val="1960280140"/>
       </p:ext>
     </p:extLst>
   </p:cSld>
@@ -6103,7 +6538,7 @@
     <a:masterClrMapping/>
   </p:clrMapOvr>
   <mc:AlternateContent xmlns:mc="http://schemas.openxmlformats.org/markup-compatibility/2006">
-    <mc:Choice xmlns:p14="http://schemas.microsoft.com/office/powerpoint/2010/main" xmlns="" Requires="p14">
+    <mc:Choice xmlns="" xmlns:p14="http://schemas.microsoft.com/office/powerpoint/2010/main" Requires="p14">
       <p:transition spd="slow" p14:dur="2000" advClick="0" advTm="5000"/>
     </mc:Choice>
     <mc:Fallback>
@@ -6135,7 +6570,7 @@
           <p:cNvPr id="2" name="Title 1">
             <a:extLst>
               <a:ext uri="{FF2B5EF4-FFF2-40B4-BE49-F238E27FC236}">
-                <a16:creationId xmlns:a16="http://schemas.microsoft.com/office/drawing/2014/main" xmlns="" id="{1B418EE9-5198-ADC8-D99E-D10E479044CE}"/>
+                <a16:creationId xmlns="" xmlns:a16="http://schemas.microsoft.com/office/drawing/2014/main" id="{1B418EE9-5198-ADC8-D99E-D10E479044CE}"/>
               </a:ext>
             </a:extLst>
           </p:cNvPr>
@@ -6171,7 +6606,7 @@
           <p:cNvPr id="4" name="TextBox 3">
             <a:extLst>
               <a:ext uri="{FF2B5EF4-FFF2-40B4-BE49-F238E27FC236}">
-                <a16:creationId xmlns:a16="http://schemas.microsoft.com/office/drawing/2014/main" xmlns="" id="{221FA16E-AAC8-1A73-CCDA-27D1070D6804}"/>
+                <a16:creationId xmlns="" xmlns:a16="http://schemas.microsoft.com/office/drawing/2014/main" id="{221FA16E-AAC8-1A73-CCDA-27D1070D6804}"/>
               </a:ext>
             </a:extLst>
           </p:cNvPr>
@@ -6348,7 +6783,7 @@
     </p:spTree>
     <p:extLst>
       <p:ext uri="{BB962C8B-B14F-4D97-AF65-F5344CB8AC3E}">
-        <p14:creationId xmlns:p14="http://schemas.microsoft.com/office/powerpoint/2010/main" xmlns="" val="1960280140"/>
+        <p14:creationId xmlns="" xmlns:p14="http://schemas.microsoft.com/office/powerpoint/2010/main" val="1960280140"/>
       </p:ext>
     </p:extLst>
   </p:cSld>
@@ -6356,7 +6791,7 @@
     <a:masterClrMapping/>
   </p:clrMapOvr>
   <mc:AlternateContent xmlns:mc="http://schemas.openxmlformats.org/markup-compatibility/2006">
-    <mc:Choice xmlns:p14="http://schemas.microsoft.com/office/powerpoint/2010/main" xmlns="" Requires="p14">
+    <mc:Choice xmlns="" xmlns:p14="http://schemas.microsoft.com/office/powerpoint/2010/main" Requires="p14">
       <p:transition spd="slow" p14:dur="2000" advClick="0" advTm="5000"/>
     </mc:Choice>
     <mc:Fallback>
@@ -6481,7 +6916,7 @@
     </p:spTree>
     <p:extLst>
       <p:ext uri="{BB962C8B-B14F-4D97-AF65-F5344CB8AC3E}">
-        <p14:creationId xmlns:p14="http://schemas.microsoft.com/office/powerpoint/2010/main" xmlns="" val="1259160530"/>
+        <p14:creationId xmlns="" xmlns:p14="http://schemas.microsoft.com/office/powerpoint/2010/main" val="1259160530"/>
       </p:ext>
     </p:extLst>
   </p:cSld>
@@ -6489,7 +6924,7 @@
     <a:masterClrMapping/>
   </p:clrMapOvr>
   <mc:AlternateContent xmlns:mc="http://schemas.openxmlformats.org/markup-compatibility/2006">
-    <mc:Choice xmlns:p14="http://schemas.microsoft.com/office/powerpoint/2010/main" xmlns="" Requires="p14">
+    <mc:Choice xmlns="" xmlns:p14="http://schemas.microsoft.com/office/powerpoint/2010/main" Requires="p14">
       <p:transition spd="slow" p14:dur="2000" advClick="0" advTm="5000"/>
     </mc:Choice>
     <mc:Fallback>
@@ -6521,7 +6956,7 @@
           <p:cNvPr id="4" name="TextBox 3">
             <a:extLst>
               <a:ext uri="{FF2B5EF4-FFF2-40B4-BE49-F238E27FC236}">
-                <a16:creationId xmlns:a16="http://schemas.microsoft.com/office/drawing/2014/main" xmlns="" id="{221FA16E-AAC8-1A73-CCDA-27D1070D6804}"/>
+                <a16:creationId xmlns="" xmlns:a16="http://schemas.microsoft.com/office/drawing/2014/main" id="{221FA16E-AAC8-1A73-CCDA-27D1070D6804}"/>
               </a:ext>
             </a:extLst>
           </p:cNvPr>
@@ -6732,7 +7167,7 @@
     </p:spTree>
     <p:extLst>
       <p:ext uri="{BB962C8B-B14F-4D97-AF65-F5344CB8AC3E}">
-        <p14:creationId xmlns:p14="http://schemas.microsoft.com/office/powerpoint/2010/main" xmlns="" val="1960280140"/>
+        <p14:creationId xmlns="" xmlns:p14="http://schemas.microsoft.com/office/powerpoint/2010/main" val="1960280140"/>
       </p:ext>
     </p:extLst>
   </p:cSld>
@@ -6740,7 +7175,7 @@
     <a:masterClrMapping/>
   </p:clrMapOvr>
   <mc:AlternateContent xmlns:mc="http://schemas.openxmlformats.org/markup-compatibility/2006">
-    <mc:Choice xmlns:p14="http://schemas.microsoft.com/office/powerpoint/2010/main" xmlns="" Requires="p14">
+    <mc:Choice xmlns="" xmlns:p14="http://schemas.microsoft.com/office/powerpoint/2010/main" Requires="p14">
       <p:transition spd="slow" p14:dur="2000" advClick="0" advTm="5000"/>
     </mc:Choice>
     <mc:Fallback>
@@ -6772,7 +7207,7 @@
           <p:cNvPr id="4" name="TextBox 3">
             <a:extLst>
               <a:ext uri="{FF2B5EF4-FFF2-40B4-BE49-F238E27FC236}">
-                <a16:creationId xmlns:a16="http://schemas.microsoft.com/office/drawing/2014/main" xmlns="" id="{221FA16E-AAC8-1A73-CCDA-27D1070D6804}"/>
+                <a16:creationId xmlns="" xmlns:a16="http://schemas.microsoft.com/office/drawing/2014/main" id="{221FA16E-AAC8-1A73-CCDA-27D1070D6804}"/>
               </a:ext>
             </a:extLst>
           </p:cNvPr>
@@ -6969,7 +7404,7 @@
     </p:spTree>
     <p:extLst>
       <p:ext uri="{BB962C8B-B14F-4D97-AF65-F5344CB8AC3E}">
-        <p14:creationId xmlns:p14="http://schemas.microsoft.com/office/powerpoint/2010/main" xmlns="" val="1960280140"/>
+        <p14:creationId xmlns="" xmlns:p14="http://schemas.microsoft.com/office/powerpoint/2010/main" val="1960280140"/>
       </p:ext>
     </p:extLst>
   </p:cSld>
@@ -6977,7 +7412,7 @@
     <a:masterClrMapping/>
   </p:clrMapOvr>
   <mc:AlternateContent xmlns:mc="http://schemas.openxmlformats.org/markup-compatibility/2006">
-    <mc:Choice xmlns:p14="http://schemas.microsoft.com/office/powerpoint/2010/main" xmlns="" Requires="p14">
+    <mc:Choice xmlns="" xmlns:p14="http://schemas.microsoft.com/office/powerpoint/2010/main" Requires="p14">
       <p:transition spd="slow" p14:dur="2000" advClick="0" advTm="5000"/>
     </mc:Choice>
     <mc:Fallback>
@@ -7009,7 +7444,7 @@
           <p:cNvPr id="4" name="TextBox 3">
             <a:extLst>
               <a:ext uri="{FF2B5EF4-FFF2-40B4-BE49-F238E27FC236}">
-                <a16:creationId xmlns:a16="http://schemas.microsoft.com/office/drawing/2014/main" xmlns="" id="{221FA16E-AAC8-1A73-CCDA-27D1070D6804}"/>
+                <a16:creationId xmlns="" xmlns:a16="http://schemas.microsoft.com/office/drawing/2014/main" id="{221FA16E-AAC8-1A73-CCDA-27D1070D6804}"/>
               </a:ext>
             </a:extLst>
           </p:cNvPr>
@@ -7828,7 +8263,7 @@
     </p:spTree>
     <p:extLst>
       <p:ext uri="{BB962C8B-B14F-4D97-AF65-F5344CB8AC3E}">
-        <p14:creationId xmlns:p14="http://schemas.microsoft.com/office/powerpoint/2010/main" xmlns="" val="1960280140"/>
+        <p14:creationId xmlns="" xmlns:p14="http://schemas.microsoft.com/office/powerpoint/2010/main" val="1960280140"/>
       </p:ext>
     </p:extLst>
   </p:cSld>
@@ -7836,7 +8271,7 @@
     <a:masterClrMapping/>
   </p:clrMapOvr>
   <mc:AlternateContent xmlns:mc="http://schemas.openxmlformats.org/markup-compatibility/2006">
-    <mc:Choice xmlns:p14="http://schemas.microsoft.com/office/powerpoint/2010/main" xmlns="" Requires="p14">
+    <mc:Choice xmlns="" xmlns:p14="http://schemas.microsoft.com/office/powerpoint/2010/main" Requires="p14">
       <p:transition spd="slow" p14:dur="2000" advClick="0" advTm="5000"/>
     </mc:Choice>
     <mc:Fallback>
@@ -8135,7 +8570,7 @@
   <a:extraClrSchemeLst/>
   <a:extLst>
     <a:ext uri="{05A4C25C-085E-4340-85A3-A5531E510DB2}">
-      <thm15:themeFamily xmlns:thm15="http://schemas.microsoft.com/office/thememl/2012/main" xmlns="" name="18-Brand-Standards-Corporate-Template-R01  -  Repaired" id="{7628EEB4-EE5B-45F0-B1DA-E888BA5DCC7D}" vid="{48500A91-5F3F-4738-B9EF-D77D3C06827C}"/>
+      <thm15:themeFamily xmlns="" xmlns:thm15="http://schemas.microsoft.com/office/thememl/2012/main" name="18-Brand-Standards-Corporate-Template-R01  -  Repaired" id="{7628EEB4-EE5B-45F0-B1DA-E888BA5DCC7D}" vid="{48500A91-5F3F-4738-B9EF-D77D3C06827C}"/>
     </a:ext>
   </a:extLst>
 </a:theme>
@@ -8430,7 +8865,7 @@
   <a:extraClrSchemeLst/>
   <a:extLst>
     <a:ext uri="{05A4C25C-085E-4340-85A3-A5531E510DB2}">
-      <thm15:themeFamily xmlns:thm15="http://schemas.microsoft.com/office/thememl/2012/main" xmlns="" name="Office Theme" id="{62F939B6-93AF-4DB8-9C6B-D6C7DFDC589F}" vid="{4A3C46E8-61CC-4603-A589-7422A47A8E4A}"/>
+      <thm15:themeFamily xmlns="" xmlns:thm15="http://schemas.microsoft.com/office/thememl/2012/main" name="Office Theme" id="{62F939B6-93AF-4DB8-9C6B-D6C7DFDC589F}" vid="{4A3C46E8-61CC-4603-A589-7422A47A8E4A}"/>
     </a:ext>
   </a:extLst>
 </a:theme>
@@ -8725,33 +9160,13 @@
   <a:extraClrSchemeLst/>
   <a:extLst>
     <a:ext uri="{05A4C25C-085E-4340-85A3-A5531E510DB2}">
-      <thm15:themeFamily xmlns:thm15="http://schemas.microsoft.com/office/thememl/2012/main" xmlns="" name="Office Theme" id="{62F939B6-93AF-4DB8-9C6B-D6C7DFDC589F}" vid="{4A3C46E8-61CC-4603-A589-7422A47A8E4A}"/>
+      <thm15:themeFamily xmlns="" xmlns:thm15="http://schemas.microsoft.com/office/thememl/2012/main" name="Office Theme" id="{62F939B6-93AF-4DB8-9C6B-D6C7DFDC589F}" vid="{4A3C46E8-61CC-4603-A589-7422A47A8E4A}"/>
     </a:ext>
   </a:extLst>
 </a:theme>
 </file>
 
 <file path=customXml/item1.xml><?xml version="1.0" encoding="utf-8"?>
-<?mso-contentType ?>
-<FormTemplates xmlns="http://schemas.microsoft.com/sharepoint/v3/contenttype/forms">
-  <Display>DocumentLibraryForm</Display>
-  <Edit>DocumentLibraryForm</Edit>
-  <New>DocumentLibraryForm</New>
-</FormTemplates>
-</file>
-
-<file path=customXml/item2.xml><?xml version="1.0" encoding="utf-8"?>
-<p:properties xmlns:p="http://schemas.microsoft.com/office/2006/metadata/properties" xmlns:xsi="http://www.w3.org/2001/XMLSchema-instance" xmlns:pc="http://schemas.microsoft.com/office/infopath/2007/PartnerControls">
-  <documentManagement>
-    <lcf76f155ced4ddcb4097134ff3c332f xmlns="80cd682b-b40f-411e-9891-5e2a388e0f2a">
-      <Terms xmlns="http://schemas.microsoft.com/office/infopath/2007/PartnerControls"/>
-    </lcf76f155ced4ddcb4097134ff3c332f>
-    <TaxCatchAll xmlns="0a5436c3-62bb-42e4-abd1-a0a4955fdeca" xsi:nil="true"/>
-  </documentManagement>
-</p:properties>
-</file>
-
-<file path=customXml/item3.xml><?xml version="1.0" encoding="utf-8"?>
 <ct:contentTypeSchema xmlns:ct="http://schemas.microsoft.com/office/2006/metadata/contentType" xmlns:ma="http://schemas.microsoft.com/office/2006/metadata/properties/metaAttributes" ct:_="" ma:_="" ma:contentTypeName="Document" ma:contentTypeID="0x010100E88E7F3DB7B651438BE2EE6496C5288F" ma:contentTypeVersion="15" ma:contentTypeDescription="Create a new document." ma:contentTypeScope="" ma:versionID="f84292184f4f7fbb88c788eaae096a70">
   <xsd:schema xmlns:xsd="http://www.w3.org/2001/XMLSchema" xmlns:xs="http://www.w3.org/2001/XMLSchema" xmlns:p="http://schemas.microsoft.com/office/2006/metadata/properties" xmlns:ns2="80cd682b-b40f-411e-9891-5e2a388e0f2a" xmlns:ns3="0a5436c3-62bb-42e4-abd1-a0a4955fdeca" targetNamespace="http://schemas.microsoft.com/office/2006/metadata/properties" ma:root="true" ma:fieldsID="a80ffcda42bd2f74d943b42b148c0425" ns2:_="" ns3:_="">
     <xsd:import namespace="80cd682b-b40f-411e-9891-5e2a388e0f2a"/>
@@ -8982,10 +9397,41 @@
 </ct:contentTypeSchema>
 </file>
 
+<file path=customXml/item2.xml><?xml version="1.0" encoding="utf-8"?>
+<p:properties xmlns:p="http://schemas.microsoft.com/office/2006/metadata/properties" xmlns:xsi="http://www.w3.org/2001/XMLSchema-instance" xmlns:pc="http://schemas.microsoft.com/office/infopath/2007/PartnerControls">
+  <documentManagement>
+    <lcf76f155ced4ddcb4097134ff3c332f xmlns="80cd682b-b40f-411e-9891-5e2a388e0f2a">
+      <Terms xmlns="http://schemas.microsoft.com/office/infopath/2007/PartnerControls"/>
+    </lcf76f155ced4ddcb4097134ff3c332f>
+    <TaxCatchAll xmlns="0a5436c3-62bb-42e4-abd1-a0a4955fdeca" xsi:nil="true"/>
+  </documentManagement>
+</p:properties>
+</file>
+
+<file path=customXml/item3.xml><?xml version="1.0" encoding="utf-8"?>
+<?mso-contentType ?>
+<FormTemplates xmlns="http://schemas.microsoft.com/sharepoint/v3/contenttype/forms">
+  <Display>DocumentLibraryForm</Display>
+  <Edit>DocumentLibraryForm</Edit>
+  <New>DocumentLibraryForm</New>
+</FormTemplates>
+</file>
+
 <file path=customXml/itemProps1.xml><?xml version="1.0" encoding="utf-8"?>
-<ds:datastoreItem xmlns:ds="http://schemas.openxmlformats.org/officeDocument/2006/customXml" ds:itemID="{C1BF3681-C3E5-4AF6-8050-4743C0D56164}">
+<ds:datastoreItem xmlns:ds="http://schemas.openxmlformats.org/officeDocument/2006/customXml" ds:itemID="{149D4D71-E531-43EE-8F1C-8460734920B2}">
   <ds:schemaRefs>
-    <ds:schemaRef ds:uri="http://schemas.microsoft.com/sharepoint/v3/contenttype/forms"/>
+    <ds:schemaRef ds:uri="0a5436c3-62bb-42e4-abd1-a0a4955fdeca"/>
+    <ds:schemaRef ds:uri="80cd682b-b40f-411e-9891-5e2a388e0f2a"/>
+    <ds:schemaRef ds:uri="http://purl.org/dc/elements/1.1/"/>
+    <ds:schemaRef ds:uri="http://purl.org/dc/terms/"/>
+    <ds:schemaRef ds:uri="http://schemas.microsoft.com/internal/obd"/>
+    <ds:schemaRef ds:uri="http://schemas.microsoft.com/office/2006/documentManagement/types"/>
+    <ds:schemaRef ds:uri="http://schemas.microsoft.com/office/2006/metadata/contentType"/>
+    <ds:schemaRef ds:uri="http://schemas.microsoft.com/office/2006/metadata/properties"/>
+    <ds:schemaRef ds:uri="http://schemas.microsoft.com/office/2006/metadata/properties/metaAttributes"/>
+    <ds:schemaRef ds:uri="http://schemas.microsoft.com/office/infopath/2007/PartnerControls"/>
+    <ds:schemaRef ds:uri="http://schemas.openxmlformats.org/package/2006/metadata/core-properties"/>
+    <ds:schemaRef ds:uri="http://www.w3.org/2001/XMLSchema"/>
   </ds:schemaRefs>
 </ds:datastoreItem>
 </file>
@@ -9008,20 +9454,9 @@
 </file>
 
 <file path=customXml/itemProps3.xml><?xml version="1.0" encoding="utf-8"?>
-<ds:datastoreItem xmlns:ds="http://schemas.openxmlformats.org/officeDocument/2006/customXml" ds:itemID="{149D4D71-E531-43EE-8F1C-8460734920B2}">
+<ds:datastoreItem xmlns:ds="http://schemas.openxmlformats.org/officeDocument/2006/customXml" ds:itemID="{C1BF3681-C3E5-4AF6-8050-4743C0D56164}">
   <ds:schemaRefs>
-    <ds:schemaRef ds:uri="0a5436c3-62bb-42e4-abd1-a0a4955fdeca"/>
-    <ds:schemaRef ds:uri="80cd682b-b40f-411e-9891-5e2a388e0f2a"/>
-    <ds:schemaRef ds:uri="http://purl.org/dc/elements/1.1/"/>
-    <ds:schemaRef ds:uri="http://purl.org/dc/terms/"/>
-    <ds:schemaRef ds:uri="http://schemas.microsoft.com/internal/obd"/>
-    <ds:schemaRef ds:uri="http://schemas.microsoft.com/office/2006/documentManagement/types"/>
-    <ds:schemaRef ds:uri="http://schemas.microsoft.com/office/2006/metadata/contentType"/>
-    <ds:schemaRef ds:uri="http://schemas.microsoft.com/office/2006/metadata/properties"/>
-    <ds:schemaRef ds:uri="http://schemas.microsoft.com/office/2006/metadata/properties/metaAttributes"/>
-    <ds:schemaRef ds:uri="http://schemas.microsoft.com/office/infopath/2007/PartnerControls"/>
-    <ds:schemaRef ds:uri="http://schemas.openxmlformats.org/package/2006/metadata/core-properties"/>
-    <ds:schemaRef ds:uri="http://www.w3.org/2001/XMLSchema"/>
+    <ds:schemaRef ds:uri="http://schemas.microsoft.com/sharepoint/v3/contenttype/forms"/>
   </ds:schemaRefs>
 </ds:datastoreItem>
 </file>
--- a/Power Point Slides/Kafka vs MQTT.pptx
+++ b/Power Point Slides/Kafka vs MQTT.pptx
@@ -123,7 +123,7 @@
   </p:defaultTextStyle>
   <p:extLst>
     <p:ext uri="{EFAFB233-063F-42B5-8137-9DF3F51BA10A}">
-      <p15:sldGuideLst xmlns="" xmlns:p15="http://schemas.microsoft.com/office/powerpoint/2012/main">
+      <p15:sldGuideLst xmlns:p15="http://schemas.microsoft.com/office/powerpoint/2012/main" xmlns="">
         <p15:guide id="1" orient="horz" pos="2160">
           <p15:clr>
             <a:srgbClr val="A4A3A4"/>
@@ -137,7 +137,7 @@
       </p15:sldGuideLst>
     </p:ext>
     <p:ext uri="{2D200454-40CA-4A62-9FC3-DE9A4176ACB9}">
-      <p15:notesGuideLst xmlns="" xmlns:p15="http://schemas.microsoft.com/office/powerpoint/2012/main"/>
+      <p15:notesGuideLst xmlns:p15="http://schemas.microsoft.com/office/powerpoint/2012/main" xmlns=""/>
     </p:ext>
   </p:extLst>
 </p:presentation>
@@ -179,7 +179,7 @@
           <p:cNvPr id="2" name="Header Placeholder 1">
             <a:extLst>
               <a:ext uri="{FF2B5EF4-FFF2-40B4-BE49-F238E27FC236}">
-                <a16:creationId xmlns="" xmlns:a16="http://schemas.microsoft.com/office/drawing/2014/main" id="{273365B8-2511-D040-9EAC-EAD5E1AB0259}"/>
+                <a16:creationId xmlns:a16="http://schemas.microsoft.com/office/drawing/2014/main" xmlns="" id="{273365B8-2511-D040-9EAC-EAD5E1AB0259}"/>
               </a:ext>
             </a:extLst>
           </p:cNvPr>
@@ -216,7 +216,7 @@
           <p:cNvPr id="3" name="Date Placeholder 2">
             <a:extLst>
               <a:ext uri="{FF2B5EF4-FFF2-40B4-BE49-F238E27FC236}">
-                <a16:creationId xmlns="" xmlns:a16="http://schemas.microsoft.com/office/drawing/2014/main" id="{FA53D240-1E32-F546-97BB-3F81E4C94127}"/>
+                <a16:creationId xmlns:a16="http://schemas.microsoft.com/office/drawing/2014/main" xmlns="" id="{FA53D240-1E32-F546-97BB-3F81E4C94127}"/>
               </a:ext>
             </a:extLst>
           </p:cNvPr>
@@ -247,7 +247,7 @@
             <a:fld id="{5E46B522-554D-304C-B062-B3D14C953F88}" type="datetimeFigureOut">
               <a:rPr lang="en-US" smtClean="0"/>
               <a:pPr/>
-              <a:t>10/29/2024</a:t>
+              <a:t>10/31/2024</a:t>
             </a:fld>
             <a:endParaRPr lang="en-US"/>
           </a:p>
@@ -258,7 +258,7 @@
           <p:cNvPr id="4" name="Footer Placeholder 3">
             <a:extLst>
               <a:ext uri="{FF2B5EF4-FFF2-40B4-BE49-F238E27FC236}">
-                <a16:creationId xmlns="" xmlns:a16="http://schemas.microsoft.com/office/drawing/2014/main" id="{0FB1C412-F491-B74E-A609-73034009A4FE}"/>
+                <a16:creationId xmlns:a16="http://schemas.microsoft.com/office/drawing/2014/main" xmlns="" id="{0FB1C412-F491-B74E-A609-73034009A4FE}"/>
               </a:ext>
             </a:extLst>
           </p:cNvPr>
@@ -295,7 +295,7 @@
           <p:cNvPr id="5" name="Slide Number Placeholder 4">
             <a:extLst>
               <a:ext uri="{FF2B5EF4-FFF2-40B4-BE49-F238E27FC236}">
-                <a16:creationId xmlns="" xmlns:a16="http://schemas.microsoft.com/office/drawing/2014/main" id="{0B72CE36-DEB7-BF4C-A096-B6E5D881FA61}"/>
+                <a16:creationId xmlns:a16="http://schemas.microsoft.com/office/drawing/2014/main" xmlns="" id="{0B72CE36-DEB7-BF4C-A096-B6E5D881FA61}"/>
               </a:ext>
             </a:extLst>
           </p:cNvPr>
@@ -335,7 +335,7 @@
     </p:spTree>
     <p:extLst>
       <p:ext uri="{BB962C8B-B14F-4D97-AF65-F5344CB8AC3E}">
-        <p14:creationId xmlns="" xmlns:p14="http://schemas.microsoft.com/office/powerpoint/2010/main" val="2867797386"/>
+        <p14:creationId xmlns:p14="http://schemas.microsoft.com/office/powerpoint/2010/main" xmlns="" val="2867797386"/>
       </p:ext>
     </p:extLst>
   </p:cSld>
@@ -426,7 +426,7 @@
             <a:fld id="{5BA413F0-8702-4C58-A1DC-FE228FE832D3}" type="datetimeFigureOut">
               <a:rPr lang="en-US" smtClean="0"/>
               <a:pPr/>
-              <a:t>10/29/2024</a:t>
+              <a:t>10/31/2024</a:t>
             </a:fld>
             <a:endParaRPr lang="en-US"/>
           </a:p>
@@ -594,7 +594,7 @@
     </p:spTree>
     <p:extLst>
       <p:ext uri="{BB962C8B-B14F-4D97-AF65-F5344CB8AC3E}">
-        <p14:creationId xmlns="" xmlns:p14="http://schemas.microsoft.com/office/powerpoint/2010/main" val="2039652292"/>
+        <p14:creationId xmlns:p14="http://schemas.microsoft.com/office/powerpoint/2010/main" xmlns="" val="2039652292"/>
       </p:ext>
     </p:extLst>
   </p:cSld>
@@ -716,7 +716,7 @@
           <p:cNvPr id="8" name="Picture 7">
             <a:extLst>
               <a:ext uri="{FF2B5EF4-FFF2-40B4-BE49-F238E27FC236}">
-                <a16:creationId xmlns="" xmlns:a16="http://schemas.microsoft.com/office/drawing/2014/main" id="{DCB70024-7CB7-C54A-B281-8ABD3CB28A78}"/>
+                <a16:creationId xmlns:a16="http://schemas.microsoft.com/office/drawing/2014/main" xmlns="" id="{DCB70024-7CB7-C54A-B281-8ABD3CB28A78}"/>
               </a:ext>
             </a:extLst>
           </p:cNvPr>
@@ -746,7 +746,7 @@
           <p:cNvPr id="2" name="Title 1">
             <a:extLst>
               <a:ext uri="{FF2B5EF4-FFF2-40B4-BE49-F238E27FC236}">
-                <a16:creationId xmlns="" xmlns:a16="http://schemas.microsoft.com/office/drawing/2014/main" id="{31D28376-80FC-AA47-983D-5AA4ADF9D4A4}"/>
+                <a16:creationId xmlns:a16="http://schemas.microsoft.com/office/drawing/2014/main" xmlns="" id="{31D28376-80FC-AA47-983D-5AA4ADF9D4A4}"/>
               </a:ext>
             </a:extLst>
           </p:cNvPr>
@@ -789,7 +789,7 @@
           <p:cNvPr id="13" name="Text Placeholder 3">
             <a:extLst>
               <a:ext uri="{FF2B5EF4-FFF2-40B4-BE49-F238E27FC236}">
-                <a16:creationId xmlns="" xmlns:a16="http://schemas.microsoft.com/office/drawing/2014/main" id="{19FEBE34-6786-634C-97C1-F56667D4943E}"/>
+                <a16:creationId xmlns:a16="http://schemas.microsoft.com/office/drawing/2014/main" xmlns="" id="{19FEBE34-6786-634C-97C1-F56667D4943E}"/>
               </a:ext>
             </a:extLst>
           </p:cNvPr>
@@ -867,7 +867,7 @@
           <p:cNvPr id="14" name="Picture 13">
             <a:extLst>
               <a:ext uri="{FF2B5EF4-FFF2-40B4-BE49-F238E27FC236}">
-                <a16:creationId xmlns="" xmlns:a16="http://schemas.microsoft.com/office/drawing/2014/main" id="{FA18BCDF-85A9-7E46-B854-763E07701F49}"/>
+                <a16:creationId xmlns:a16="http://schemas.microsoft.com/office/drawing/2014/main" xmlns="" id="{FA18BCDF-85A9-7E46-B854-763E07701F49}"/>
               </a:ext>
             </a:extLst>
           </p:cNvPr>
@@ -895,7 +895,7 @@
     </p:spTree>
     <p:extLst>
       <p:ext uri="{BB962C8B-B14F-4D97-AF65-F5344CB8AC3E}">
-        <p14:creationId xmlns="" xmlns:p14="http://schemas.microsoft.com/office/powerpoint/2010/main" val="3242109002"/>
+        <p14:creationId xmlns:p14="http://schemas.microsoft.com/office/powerpoint/2010/main" xmlns="" val="3242109002"/>
       </p:ext>
     </p:extLst>
   </p:cSld>
@@ -903,7 +903,7 @@
     <a:masterClrMapping/>
   </p:clrMapOvr>
   <mc:AlternateContent xmlns:mc="http://schemas.openxmlformats.org/markup-compatibility/2006">
-    <mc:Choice xmlns="" xmlns:p14="http://schemas.microsoft.com/office/powerpoint/2010/main" Requires="p14">
+    <mc:Choice xmlns:p14="http://schemas.microsoft.com/office/powerpoint/2010/main" xmlns="" Requires="p14">
       <p:transition spd="slow" p14:dur="2000" advClick="0" advTm="5000"/>
     </mc:Choice>
     <mc:Fallback>
@@ -935,7 +935,7 @@
           <p:cNvPr id="3" name="Rectangle 2">
             <a:extLst>
               <a:ext uri="{FF2B5EF4-FFF2-40B4-BE49-F238E27FC236}">
-                <a16:creationId xmlns="" xmlns:a16="http://schemas.microsoft.com/office/drawing/2014/main" id="{312D6159-2173-3548-874C-452958A85DF6}"/>
+                <a16:creationId xmlns:a16="http://schemas.microsoft.com/office/drawing/2014/main" xmlns="" id="{312D6159-2173-3548-874C-452958A85DF6}"/>
               </a:ext>
             </a:extLst>
           </p:cNvPr>
@@ -995,7 +995,7 @@
           <p:cNvPr id="9" name="Picture 8">
             <a:extLst>
               <a:ext uri="{FF2B5EF4-FFF2-40B4-BE49-F238E27FC236}">
-                <a16:creationId xmlns="" xmlns:a16="http://schemas.microsoft.com/office/drawing/2014/main" id="{7D240A3C-FB87-A849-BF43-94582DC1113D}"/>
+                <a16:creationId xmlns:a16="http://schemas.microsoft.com/office/drawing/2014/main" xmlns="" id="{7D240A3C-FB87-A849-BF43-94582DC1113D}"/>
               </a:ext>
             </a:extLst>
           </p:cNvPr>
@@ -1025,7 +1025,7 @@
           <p:cNvPr id="5" name="Parallelogram 4">
             <a:extLst>
               <a:ext uri="{FF2B5EF4-FFF2-40B4-BE49-F238E27FC236}">
-                <a16:creationId xmlns="" xmlns:a16="http://schemas.microsoft.com/office/drawing/2014/main" id="{044CF2C6-1EB8-C545-A5EB-AF5DD2B28349}"/>
+                <a16:creationId xmlns:a16="http://schemas.microsoft.com/office/drawing/2014/main" xmlns="" id="{044CF2C6-1EB8-C545-A5EB-AF5DD2B28349}"/>
               </a:ext>
             </a:extLst>
           </p:cNvPr>
@@ -1081,7 +1081,7 @@
           <p:cNvPr id="11" name="Parallelogram 10">
             <a:extLst>
               <a:ext uri="{FF2B5EF4-FFF2-40B4-BE49-F238E27FC236}">
-                <a16:creationId xmlns="" xmlns:a16="http://schemas.microsoft.com/office/drawing/2014/main" id="{82DF6964-073F-A741-8B17-E0E690F4DF59}"/>
+                <a16:creationId xmlns:a16="http://schemas.microsoft.com/office/drawing/2014/main" xmlns="" id="{82DF6964-073F-A741-8B17-E0E690F4DF59}"/>
               </a:ext>
             </a:extLst>
           </p:cNvPr>
@@ -1137,7 +1137,7 @@
           <p:cNvPr id="12" name="Picture 11">
             <a:extLst>
               <a:ext uri="{FF2B5EF4-FFF2-40B4-BE49-F238E27FC236}">
-                <a16:creationId xmlns="" xmlns:a16="http://schemas.microsoft.com/office/drawing/2014/main" id="{5468F2ED-84BD-5740-B8E1-A6C010A50528}"/>
+                <a16:creationId xmlns:a16="http://schemas.microsoft.com/office/drawing/2014/main" xmlns="" id="{5468F2ED-84BD-5740-B8E1-A6C010A50528}"/>
               </a:ext>
             </a:extLst>
           </p:cNvPr>
@@ -1167,7 +1167,7 @@
           <p:cNvPr id="2" name="Title 1">
             <a:extLst>
               <a:ext uri="{FF2B5EF4-FFF2-40B4-BE49-F238E27FC236}">
-                <a16:creationId xmlns="" xmlns:a16="http://schemas.microsoft.com/office/drawing/2014/main" id="{31D28376-80FC-AA47-983D-5AA4ADF9D4A4}"/>
+                <a16:creationId xmlns:a16="http://schemas.microsoft.com/office/drawing/2014/main" xmlns="" id="{31D28376-80FC-AA47-983D-5AA4ADF9D4A4}"/>
               </a:ext>
             </a:extLst>
           </p:cNvPr>
@@ -1210,7 +1210,7 @@
           <p:cNvPr id="14" name="Picture 13">
             <a:extLst>
               <a:ext uri="{FF2B5EF4-FFF2-40B4-BE49-F238E27FC236}">
-                <a16:creationId xmlns="" xmlns:a16="http://schemas.microsoft.com/office/drawing/2014/main" id="{49AFA3BC-2111-0D40-8CDB-D02BC1839772}"/>
+                <a16:creationId xmlns:a16="http://schemas.microsoft.com/office/drawing/2014/main" xmlns="" id="{49AFA3BC-2111-0D40-8CDB-D02BC1839772}"/>
               </a:ext>
             </a:extLst>
           </p:cNvPr>
@@ -1240,7 +1240,7 @@
           <p:cNvPr id="10" name="Picture 9">
             <a:extLst>
               <a:ext uri="{FF2B5EF4-FFF2-40B4-BE49-F238E27FC236}">
-                <a16:creationId xmlns="" xmlns:a16="http://schemas.microsoft.com/office/drawing/2014/main" id="{3E633816-E054-8940-AF72-870913AF2214}"/>
+                <a16:creationId xmlns:a16="http://schemas.microsoft.com/office/drawing/2014/main" xmlns="" id="{3E633816-E054-8940-AF72-870913AF2214}"/>
               </a:ext>
             </a:extLst>
           </p:cNvPr>
@@ -1270,7 +1270,7 @@
           <p:cNvPr id="6" name="Parallelogram 5">
             <a:extLst>
               <a:ext uri="{FF2B5EF4-FFF2-40B4-BE49-F238E27FC236}">
-                <a16:creationId xmlns="" xmlns:a16="http://schemas.microsoft.com/office/drawing/2014/main" id="{8A924114-BABB-6746-9878-D1B4CE11052D}"/>
+                <a16:creationId xmlns:a16="http://schemas.microsoft.com/office/drawing/2014/main" xmlns="" id="{8A924114-BABB-6746-9878-D1B4CE11052D}"/>
               </a:ext>
             </a:extLst>
           </p:cNvPr>
@@ -1334,7 +1334,7 @@
           <p:cNvPr id="13" name="Text Placeholder 3">
             <a:extLst>
               <a:ext uri="{FF2B5EF4-FFF2-40B4-BE49-F238E27FC236}">
-                <a16:creationId xmlns="" xmlns:a16="http://schemas.microsoft.com/office/drawing/2014/main" id="{19FEBE34-6786-634C-97C1-F56667D4943E}"/>
+                <a16:creationId xmlns:a16="http://schemas.microsoft.com/office/drawing/2014/main" xmlns="" id="{19FEBE34-6786-634C-97C1-F56667D4943E}"/>
               </a:ext>
             </a:extLst>
           </p:cNvPr>
@@ -1410,7 +1410,7 @@
     </p:spTree>
     <p:extLst>
       <p:ext uri="{BB962C8B-B14F-4D97-AF65-F5344CB8AC3E}">
-        <p14:creationId xmlns="" xmlns:p14="http://schemas.microsoft.com/office/powerpoint/2010/main" val="1934555395"/>
+        <p14:creationId xmlns:p14="http://schemas.microsoft.com/office/powerpoint/2010/main" xmlns="" val="1934555395"/>
       </p:ext>
     </p:extLst>
   </p:cSld>
@@ -1418,7 +1418,7 @@
     <a:masterClrMapping/>
   </p:clrMapOvr>
   <mc:AlternateContent xmlns:mc="http://schemas.openxmlformats.org/markup-compatibility/2006">
-    <mc:Choice xmlns="" xmlns:p14="http://schemas.microsoft.com/office/powerpoint/2010/main" Requires="p14">
+    <mc:Choice xmlns:p14="http://schemas.microsoft.com/office/powerpoint/2010/main" xmlns="" Requires="p14">
       <p:transition spd="slow" p14:dur="2000" advClick="0" advTm="5000"/>
     </mc:Choice>
     <mc:Fallback>
@@ -1450,7 +1450,7 @@
           <p:cNvPr id="7" name="Picture 6">
             <a:extLst>
               <a:ext uri="{FF2B5EF4-FFF2-40B4-BE49-F238E27FC236}">
-                <a16:creationId xmlns="" xmlns:a16="http://schemas.microsoft.com/office/drawing/2014/main" id="{BCA450C1-58BE-6E4E-9CBF-0FB691FD755E}"/>
+                <a16:creationId xmlns:a16="http://schemas.microsoft.com/office/drawing/2014/main" xmlns="" id="{BCA450C1-58BE-6E4E-9CBF-0FB691FD755E}"/>
               </a:ext>
             </a:extLst>
           </p:cNvPr>
@@ -1480,7 +1480,7 @@
           <p:cNvPr id="14" name="Picture 13">
             <a:extLst>
               <a:ext uri="{FF2B5EF4-FFF2-40B4-BE49-F238E27FC236}">
-                <a16:creationId xmlns="" xmlns:a16="http://schemas.microsoft.com/office/drawing/2014/main" id="{0CFBEA58-BD22-D24F-B512-8BA514AB9008}"/>
+                <a16:creationId xmlns:a16="http://schemas.microsoft.com/office/drawing/2014/main" xmlns="" id="{0CFBEA58-BD22-D24F-B512-8BA514AB9008}"/>
               </a:ext>
             </a:extLst>
           </p:cNvPr>
@@ -1510,7 +1510,7 @@
           <p:cNvPr id="2" name="Title 1">
             <a:extLst>
               <a:ext uri="{FF2B5EF4-FFF2-40B4-BE49-F238E27FC236}">
-                <a16:creationId xmlns="" xmlns:a16="http://schemas.microsoft.com/office/drawing/2014/main" id="{31D28376-80FC-AA47-983D-5AA4ADF9D4A4}"/>
+                <a16:creationId xmlns:a16="http://schemas.microsoft.com/office/drawing/2014/main" xmlns="" id="{31D28376-80FC-AA47-983D-5AA4ADF9D4A4}"/>
               </a:ext>
             </a:extLst>
           </p:cNvPr>
@@ -1551,7 +1551,7 @@
           <p:cNvPr id="13" name="Text Placeholder 3">
             <a:extLst>
               <a:ext uri="{FF2B5EF4-FFF2-40B4-BE49-F238E27FC236}">
-                <a16:creationId xmlns="" xmlns:a16="http://schemas.microsoft.com/office/drawing/2014/main" id="{19FEBE34-6786-634C-97C1-F56667D4943E}"/>
+                <a16:creationId xmlns:a16="http://schemas.microsoft.com/office/drawing/2014/main" xmlns="" id="{19FEBE34-6786-634C-97C1-F56667D4943E}"/>
               </a:ext>
             </a:extLst>
           </p:cNvPr>
@@ -1629,7 +1629,7 @@
     </p:spTree>
     <p:extLst>
       <p:ext uri="{BB962C8B-B14F-4D97-AF65-F5344CB8AC3E}">
-        <p14:creationId xmlns="" xmlns:p14="http://schemas.microsoft.com/office/powerpoint/2010/main" val="3633923498"/>
+        <p14:creationId xmlns:p14="http://schemas.microsoft.com/office/powerpoint/2010/main" xmlns="" val="3633923498"/>
       </p:ext>
     </p:extLst>
   </p:cSld>
@@ -1637,7 +1637,7 @@
     <a:masterClrMapping/>
   </p:clrMapOvr>
   <mc:AlternateContent xmlns:mc="http://schemas.openxmlformats.org/markup-compatibility/2006">
-    <mc:Choice xmlns="" xmlns:p14="http://schemas.microsoft.com/office/powerpoint/2010/main" Requires="p14">
+    <mc:Choice xmlns:p14="http://schemas.microsoft.com/office/powerpoint/2010/main" xmlns="" Requires="p14">
       <p:transition spd="slow" p14:dur="2000" advClick="0" advTm="5000"/>
     </mc:Choice>
     <mc:Fallback>
@@ -1669,7 +1669,7 @@
           <p:cNvPr id="4" name="Picture 3">
             <a:extLst>
               <a:ext uri="{FF2B5EF4-FFF2-40B4-BE49-F238E27FC236}">
-                <a16:creationId xmlns="" xmlns:a16="http://schemas.microsoft.com/office/drawing/2014/main" id="{7216A11E-EB76-6A4D-AE29-9332E8815DF5}"/>
+                <a16:creationId xmlns:a16="http://schemas.microsoft.com/office/drawing/2014/main" xmlns="" id="{7216A11E-EB76-6A4D-AE29-9332E8815DF5}"/>
               </a:ext>
             </a:extLst>
           </p:cNvPr>
@@ -1699,7 +1699,7 @@
           <p:cNvPr id="14" name="Picture 13">
             <a:extLst>
               <a:ext uri="{FF2B5EF4-FFF2-40B4-BE49-F238E27FC236}">
-                <a16:creationId xmlns="" xmlns:a16="http://schemas.microsoft.com/office/drawing/2014/main" id="{05601A25-21DD-1E4D-AFB7-71CAFF449160}"/>
+                <a16:creationId xmlns:a16="http://schemas.microsoft.com/office/drawing/2014/main" xmlns="" id="{05601A25-21DD-1E4D-AFB7-71CAFF449160}"/>
               </a:ext>
             </a:extLst>
           </p:cNvPr>
@@ -1729,7 +1729,7 @@
           <p:cNvPr id="5" name="Slide Number Placeholder 4">
             <a:extLst>
               <a:ext uri="{FF2B5EF4-FFF2-40B4-BE49-F238E27FC236}">
-                <a16:creationId xmlns="" xmlns:a16="http://schemas.microsoft.com/office/drawing/2014/main" id="{E766DCC1-03BD-8D48-975F-E848D408E17A}"/>
+                <a16:creationId xmlns:a16="http://schemas.microsoft.com/office/drawing/2014/main" xmlns="" id="{E766DCC1-03BD-8D48-975F-E848D408E17A}"/>
               </a:ext>
             </a:extLst>
           </p:cNvPr>
@@ -1772,7 +1772,7 @@
           <p:cNvPr id="13" name="Picture 12">
             <a:extLst>
               <a:ext uri="{FF2B5EF4-FFF2-40B4-BE49-F238E27FC236}">
-                <a16:creationId xmlns="" xmlns:a16="http://schemas.microsoft.com/office/drawing/2014/main" id="{0FC8616F-1480-6F40-B21A-CC2BA2C45BED}"/>
+                <a16:creationId xmlns:a16="http://schemas.microsoft.com/office/drawing/2014/main" xmlns="" id="{0FC8616F-1480-6F40-B21A-CC2BA2C45BED}"/>
               </a:ext>
             </a:extLst>
           </p:cNvPr>
@@ -1802,7 +1802,7 @@
           <p:cNvPr id="8" name="Text Placeholder 3">
             <a:extLst>
               <a:ext uri="{FF2B5EF4-FFF2-40B4-BE49-F238E27FC236}">
-                <a16:creationId xmlns="" xmlns:a16="http://schemas.microsoft.com/office/drawing/2014/main" id="{28EA1C4D-6527-1A41-B80D-82366B12758F}"/>
+                <a16:creationId xmlns:a16="http://schemas.microsoft.com/office/drawing/2014/main" xmlns="" id="{28EA1C4D-6527-1A41-B80D-82366B12758F}"/>
               </a:ext>
             </a:extLst>
           </p:cNvPr>
@@ -1895,7 +1895,7 @@
           <p:cNvPr id="9" name="Text Placeholder 3">
             <a:extLst>
               <a:ext uri="{FF2B5EF4-FFF2-40B4-BE49-F238E27FC236}">
-                <a16:creationId xmlns="" xmlns:a16="http://schemas.microsoft.com/office/drawing/2014/main" id="{C9953FA3-FF52-2645-8039-6B173888D710}"/>
+                <a16:creationId xmlns:a16="http://schemas.microsoft.com/office/drawing/2014/main" xmlns="" id="{C9953FA3-FF52-2645-8039-6B173888D710}"/>
               </a:ext>
             </a:extLst>
           </p:cNvPr>
@@ -1977,7 +1977,7 @@
           <p:cNvPr id="10" name="Title 1">
             <a:extLst>
               <a:ext uri="{FF2B5EF4-FFF2-40B4-BE49-F238E27FC236}">
-                <a16:creationId xmlns="" xmlns:a16="http://schemas.microsoft.com/office/drawing/2014/main" id="{4AE68015-0AAC-0C46-8F76-36477CC385DE}"/>
+                <a16:creationId xmlns:a16="http://schemas.microsoft.com/office/drawing/2014/main" xmlns="" id="{4AE68015-0AAC-0C46-8F76-36477CC385DE}"/>
               </a:ext>
             </a:extLst>
           </p:cNvPr>
@@ -2020,7 +2020,7 @@
           <p:cNvPr id="11" name="Text Placeholder 3">
             <a:extLst>
               <a:ext uri="{FF2B5EF4-FFF2-40B4-BE49-F238E27FC236}">
-                <a16:creationId xmlns="" xmlns:a16="http://schemas.microsoft.com/office/drawing/2014/main" id="{169BBA5D-EECF-4043-90D1-DD6BB50A5390}"/>
+                <a16:creationId xmlns:a16="http://schemas.microsoft.com/office/drawing/2014/main" xmlns="" id="{169BBA5D-EECF-4043-90D1-DD6BB50A5390}"/>
               </a:ext>
             </a:extLst>
           </p:cNvPr>
@@ -2097,7 +2097,7 @@
     </p:spTree>
     <p:extLst>
       <p:ext uri="{BB962C8B-B14F-4D97-AF65-F5344CB8AC3E}">
-        <p14:creationId xmlns="" xmlns:p14="http://schemas.microsoft.com/office/powerpoint/2010/main" val="3416040107"/>
+        <p14:creationId xmlns:p14="http://schemas.microsoft.com/office/powerpoint/2010/main" xmlns="" val="3416040107"/>
       </p:ext>
     </p:extLst>
   </p:cSld>
@@ -2105,7 +2105,7 @@
     <a:masterClrMapping/>
   </p:clrMapOvr>
   <mc:AlternateContent xmlns:mc="http://schemas.openxmlformats.org/markup-compatibility/2006">
-    <mc:Choice xmlns="" xmlns:p14="http://schemas.microsoft.com/office/powerpoint/2010/main" Requires="p14">
+    <mc:Choice xmlns:p14="http://schemas.microsoft.com/office/powerpoint/2010/main" xmlns="" Requires="p14">
       <p:transition spd="slow" p14:dur="2000" advClick="0" advTm="5000"/>
     </mc:Choice>
     <mc:Fallback>
@@ -2137,7 +2137,7 @@
           <p:cNvPr id="7" name="Picture 6">
             <a:extLst>
               <a:ext uri="{FF2B5EF4-FFF2-40B4-BE49-F238E27FC236}">
-                <a16:creationId xmlns="" xmlns:a16="http://schemas.microsoft.com/office/drawing/2014/main" id="{A4D44DAB-CF6D-0148-B76F-DB4FDFF7BE3C}"/>
+                <a16:creationId xmlns:a16="http://schemas.microsoft.com/office/drawing/2014/main" xmlns="" id="{A4D44DAB-CF6D-0148-B76F-DB4FDFF7BE3C}"/>
               </a:ext>
             </a:extLst>
           </p:cNvPr>
@@ -2167,7 +2167,7 @@
           <p:cNvPr id="14" name="Picture 13">
             <a:extLst>
               <a:ext uri="{FF2B5EF4-FFF2-40B4-BE49-F238E27FC236}">
-                <a16:creationId xmlns="" xmlns:a16="http://schemas.microsoft.com/office/drawing/2014/main" id="{05601A25-21DD-1E4D-AFB7-71CAFF449160}"/>
+                <a16:creationId xmlns:a16="http://schemas.microsoft.com/office/drawing/2014/main" xmlns="" id="{05601A25-21DD-1E4D-AFB7-71CAFF449160}"/>
               </a:ext>
             </a:extLst>
           </p:cNvPr>
@@ -2197,7 +2197,7 @@
           <p:cNvPr id="5" name="Slide Number Placeholder 4">
             <a:extLst>
               <a:ext uri="{FF2B5EF4-FFF2-40B4-BE49-F238E27FC236}">
-                <a16:creationId xmlns="" xmlns:a16="http://schemas.microsoft.com/office/drawing/2014/main" id="{E766DCC1-03BD-8D48-975F-E848D408E17A}"/>
+                <a16:creationId xmlns:a16="http://schemas.microsoft.com/office/drawing/2014/main" xmlns="" id="{E766DCC1-03BD-8D48-975F-E848D408E17A}"/>
               </a:ext>
             </a:extLst>
           </p:cNvPr>
@@ -2240,7 +2240,7 @@
           <p:cNvPr id="13" name="Picture 12">
             <a:extLst>
               <a:ext uri="{FF2B5EF4-FFF2-40B4-BE49-F238E27FC236}">
-                <a16:creationId xmlns="" xmlns:a16="http://schemas.microsoft.com/office/drawing/2014/main" id="{0FC8616F-1480-6F40-B21A-CC2BA2C45BED}"/>
+                <a16:creationId xmlns:a16="http://schemas.microsoft.com/office/drawing/2014/main" xmlns="" id="{0FC8616F-1480-6F40-B21A-CC2BA2C45BED}"/>
               </a:ext>
             </a:extLst>
           </p:cNvPr>
@@ -2270,7 +2270,7 @@
           <p:cNvPr id="8" name="Text Placeholder 3">
             <a:extLst>
               <a:ext uri="{FF2B5EF4-FFF2-40B4-BE49-F238E27FC236}">
-                <a16:creationId xmlns="" xmlns:a16="http://schemas.microsoft.com/office/drawing/2014/main" id="{28EA1C4D-6527-1A41-B80D-82366B12758F}"/>
+                <a16:creationId xmlns:a16="http://schemas.microsoft.com/office/drawing/2014/main" xmlns="" id="{28EA1C4D-6527-1A41-B80D-82366B12758F}"/>
               </a:ext>
             </a:extLst>
           </p:cNvPr>
@@ -2363,7 +2363,7 @@
           <p:cNvPr id="10" name="Title 1">
             <a:extLst>
               <a:ext uri="{FF2B5EF4-FFF2-40B4-BE49-F238E27FC236}">
-                <a16:creationId xmlns="" xmlns:a16="http://schemas.microsoft.com/office/drawing/2014/main" id="{4AE68015-0AAC-0C46-8F76-36477CC385DE}"/>
+                <a16:creationId xmlns:a16="http://schemas.microsoft.com/office/drawing/2014/main" xmlns="" id="{4AE68015-0AAC-0C46-8F76-36477CC385DE}"/>
               </a:ext>
             </a:extLst>
           </p:cNvPr>
@@ -2406,7 +2406,7 @@
           <p:cNvPr id="11" name="Text Placeholder 3">
             <a:extLst>
               <a:ext uri="{FF2B5EF4-FFF2-40B4-BE49-F238E27FC236}">
-                <a16:creationId xmlns="" xmlns:a16="http://schemas.microsoft.com/office/drawing/2014/main" id="{169BBA5D-EECF-4043-90D1-DD6BB50A5390}"/>
+                <a16:creationId xmlns:a16="http://schemas.microsoft.com/office/drawing/2014/main" xmlns="" id="{169BBA5D-EECF-4043-90D1-DD6BB50A5390}"/>
               </a:ext>
             </a:extLst>
           </p:cNvPr>
@@ -2483,7 +2483,7 @@
     </p:spTree>
     <p:extLst>
       <p:ext uri="{BB962C8B-B14F-4D97-AF65-F5344CB8AC3E}">
-        <p14:creationId xmlns="" xmlns:p14="http://schemas.microsoft.com/office/powerpoint/2010/main" val="42572479"/>
+        <p14:creationId xmlns:p14="http://schemas.microsoft.com/office/powerpoint/2010/main" xmlns="" val="42572479"/>
       </p:ext>
     </p:extLst>
   </p:cSld>
@@ -2491,7 +2491,7 @@
     <a:masterClrMapping/>
   </p:clrMapOvr>
   <mc:AlternateContent xmlns:mc="http://schemas.openxmlformats.org/markup-compatibility/2006">
-    <mc:Choice xmlns="" xmlns:p14="http://schemas.microsoft.com/office/powerpoint/2010/main" Requires="p14">
+    <mc:Choice xmlns:p14="http://schemas.microsoft.com/office/powerpoint/2010/main" xmlns="" Requires="p14">
       <p:transition spd="slow" p14:dur="2000" advClick="0" advTm="5000"/>
     </mc:Choice>
     <mc:Fallback>
@@ -2523,7 +2523,7 @@
           <p:cNvPr id="14" name="Picture 13">
             <a:extLst>
               <a:ext uri="{FF2B5EF4-FFF2-40B4-BE49-F238E27FC236}">
-                <a16:creationId xmlns="" xmlns:a16="http://schemas.microsoft.com/office/drawing/2014/main" id="{C7A97301-F55A-4C46-8CF8-5B32F4872318}"/>
+                <a16:creationId xmlns:a16="http://schemas.microsoft.com/office/drawing/2014/main" xmlns="" id="{C7A97301-F55A-4C46-8CF8-5B32F4872318}"/>
               </a:ext>
             </a:extLst>
           </p:cNvPr>
@@ -2553,7 +2553,7 @@
           <p:cNvPr id="5" name="Slide Number Placeholder 4">
             <a:extLst>
               <a:ext uri="{FF2B5EF4-FFF2-40B4-BE49-F238E27FC236}">
-                <a16:creationId xmlns="" xmlns:a16="http://schemas.microsoft.com/office/drawing/2014/main" id="{E766DCC1-03BD-8D48-975F-E848D408E17A}"/>
+                <a16:creationId xmlns:a16="http://schemas.microsoft.com/office/drawing/2014/main" xmlns="" id="{E766DCC1-03BD-8D48-975F-E848D408E17A}"/>
               </a:ext>
             </a:extLst>
           </p:cNvPr>
@@ -2596,7 +2596,7 @@
           <p:cNvPr id="13" name="Picture 12">
             <a:extLst>
               <a:ext uri="{FF2B5EF4-FFF2-40B4-BE49-F238E27FC236}">
-                <a16:creationId xmlns="" xmlns:a16="http://schemas.microsoft.com/office/drawing/2014/main" id="{0FC8616F-1480-6F40-B21A-CC2BA2C45BED}"/>
+                <a16:creationId xmlns:a16="http://schemas.microsoft.com/office/drawing/2014/main" xmlns="" id="{0FC8616F-1480-6F40-B21A-CC2BA2C45BED}"/>
               </a:ext>
             </a:extLst>
           </p:cNvPr>
@@ -2626,7 +2626,7 @@
           <p:cNvPr id="8" name="Text Placeholder 3">
             <a:extLst>
               <a:ext uri="{FF2B5EF4-FFF2-40B4-BE49-F238E27FC236}">
-                <a16:creationId xmlns="" xmlns:a16="http://schemas.microsoft.com/office/drawing/2014/main" id="{28EA1C4D-6527-1A41-B80D-82366B12758F}"/>
+                <a16:creationId xmlns:a16="http://schemas.microsoft.com/office/drawing/2014/main" xmlns="" id="{28EA1C4D-6527-1A41-B80D-82366B12758F}"/>
               </a:ext>
             </a:extLst>
           </p:cNvPr>
@@ -2719,7 +2719,7 @@
           <p:cNvPr id="9" name="Text Placeholder 3">
             <a:extLst>
               <a:ext uri="{FF2B5EF4-FFF2-40B4-BE49-F238E27FC236}">
-                <a16:creationId xmlns="" xmlns:a16="http://schemas.microsoft.com/office/drawing/2014/main" id="{C9953FA3-FF52-2645-8039-6B173888D710}"/>
+                <a16:creationId xmlns:a16="http://schemas.microsoft.com/office/drawing/2014/main" xmlns="" id="{C9953FA3-FF52-2645-8039-6B173888D710}"/>
               </a:ext>
             </a:extLst>
           </p:cNvPr>
@@ -2801,7 +2801,7 @@
           <p:cNvPr id="10" name="Title 1">
             <a:extLst>
               <a:ext uri="{FF2B5EF4-FFF2-40B4-BE49-F238E27FC236}">
-                <a16:creationId xmlns="" xmlns:a16="http://schemas.microsoft.com/office/drawing/2014/main" id="{4AE68015-0AAC-0C46-8F76-36477CC385DE}"/>
+                <a16:creationId xmlns:a16="http://schemas.microsoft.com/office/drawing/2014/main" xmlns="" id="{4AE68015-0AAC-0C46-8F76-36477CC385DE}"/>
               </a:ext>
             </a:extLst>
           </p:cNvPr>
@@ -2844,7 +2844,7 @@
           <p:cNvPr id="11" name="Text Placeholder 3">
             <a:extLst>
               <a:ext uri="{FF2B5EF4-FFF2-40B4-BE49-F238E27FC236}">
-                <a16:creationId xmlns="" xmlns:a16="http://schemas.microsoft.com/office/drawing/2014/main" id="{169BBA5D-EECF-4043-90D1-DD6BB50A5390}"/>
+                <a16:creationId xmlns:a16="http://schemas.microsoft.com/office/drawing/2014/main" xmlns="" id="{169BBA5D-EECF-4043-90D1-DD6BB50A5390}"/>
               </a:ext>
             </a:extLst>
           </p:cNvPr>
@@ -2921,7 +2921,7 @@
     </p:spTree>
     <p:extLst>
       <p:ext uri="{BB962C8B-B14F-4D97-AF65-F5344CB8AC3E}">
-        <p14:creationId xmlns="" xmlns:p14="http://schemas.microsoft.com/office/powerpoint/2010/main" val="2804536604"/>
+        <p14:creationId xmlns:p14="http://schemas.microsoft.com/office/powerpoint/2010/main" xmlns="" val="2804536604"/>
       </p:ext>
     </p:extLst>
   </p:cSld>
@@ -2929,7 +2929,7 @@
     <a:masterClrMapping/>
   </p:clrMapOvr>
   <mc:AlternateContent xmlns:mc="http://schemas.openxmlformats.org/markup-compatibility/2006">
-    <mc:Choice xmlns="" xmlns:p14="http://schemas.microsoft.com/office/powerpoint/2010/main" Requires="p14">
+    <mc:Choice xmlns:p14="http://schemas.microsoft.com/office/powerpoint/2010/main" xmlns="" Requires="p14">
       <p:transition spd="slow" p14:dur="2000" advClick="0" advTm="5000"/>
     </mc:Choice>
     <mc:Fallback>
@@ -2961,7 +2961,7 @@
           <p:cNvPr id="4" name="Picture 3">
             <a:extLst>
               <a:ext uri="{FF2B5EF4-FFF2-40B4-BE49-F238E27FC236}">
-                <a16:creationId xmlns="" xmlns:a16="http://schemas.microsoft.com/office/drawing/2014/main" id="{62DB0137-4B83-6740-9717-4074AFAED09F}"/>
+                <a16:creationId xmlns:a16="http://schemas.microsoft.com/office/drawing/2014/main" xmlns="" id="{62DB0137-4B83-6740-9717-4074AFAED09F}"/>
               </a:ext>
             </a:extLst>
           </p:cNvPr>
@@ -2991,7 +2991,7 @@
           <p:cNvPr id="12" name="Slide Number Placeholder 4">
             <a:extLst>
               <a:ext uri="{FF2B5EF4-FFF2-40B4-BE49-F238E27FC236}">
-                <a16:creationId xmlns="" xmlns:a16="http://schemas.microsoft.com/office/drawing/2014/main" id="{A2C3A02E-F82F-EB4D-AA11-F0AB465E4529}"/>
+                <a16:creationId xmlns:a16="http://schemas.microsoft.com/office/drawing/2014/main" xmlns="" id="{A2C3A02E-F82F-EB4D-AA11-F0AB465E4529}"/>
               </a:ext>
             </a:extLst>
           </p:cNvPr>
@@ -3034,7 +3034,7 @@
           <p:cNvPr id="9" name="Picture 8">
             <a:extLst>
               <a:ext uri="{FF2B5EF4-FFF2-40B4-BE49-F238E27FC236}">
-                <a16:creationId xmlns="" xmlns:a16="http://schemas.microsoft.com/office/drawing/2014/main" id="{59D77EAE-7535-D344-A09B-3EC1D6BA9399}"/>
+                <a16:creationId xmlns:a16="http://schemas.microsoft.com/office/drawing/2014/main" xmlns="" id="{59D77EAE-7535-D344-A09B-3EC1D6BA9399}"/>
               </a:ext>
             </a:extLst>
           </p:cNvPr>
@@ -3064,7 +3064,7 @@
           <p:cNvPr id="13" name="Title 1">
             <a:extLst>
               <a:ext uri="{FF2B5EF4-FFF2-40B4-BE49-F238E27FC236}">
-                <a16:creationId xmlns="" xmlns:a16="http://schemas.microsoft.com/office/drawing/2014/main" id="{2258039E-D7E6-874C-986C-F6066D55B1D5}"/>
+                <a16:creationId xmlns:a16="http://schemas.microsoft.com/office/drawing/2014/main" xmlns="" id="{2258039E-D7E6-874C-986C-F6066D55B1D5}"/>
               </a:ext>
             </a:extLst>
           </p:cNvPr>
@@ -3105,7 +3105,7 @@
     </p:spTree>
     <p:extLst>
       <p:ext uri="{BB962C8B-B14F-4D97-AF65-F5344CB8AC3E}">
-        <p14:creationId xmlns="" xmlns:p14="http://schemas.microsoft.com/office/powerpoint/2010/main" val="600747958"/>
+        <p14:creationId xmlns:p14="http://schemas.microsoft.com/office/powerpoint/2010/main" xmlns="" val="600747958"/>
       </p:ext>
     </p:extLst>
   </p:cSld>
@@ -3113,7 +3113,7 @@
     <a:masterClrMapping/>
   </p:clrMapOvr>
   <mc:AlternateContent xmlns:mc="http://schemas.openxmlformats.org/markup-compatibility/2006">
-    <mc:Choice xmlns="" xmlns:p14="http://schemas.microsoft.com/office/powerpoint/2010/main" Requires="p14">
+    <mc:Choice xmlns:p14="http://schemas.microsoft.com/office/powerpoint/2010/main" xmlns="" Requires="p14">
       <p:transition spd="slow" p14:dur="2000" advClick="0" advTm="5000"/>
     </mc:Choice>
     <mc:Fallback>
@@ -3145,7 +3145,7 @@
           <p:cNvPr id="4" name="Picture 3">
             <a:extLst>
               <a:ext uri="{FF2B5EF4-FFF2-40B4-BE49-F238E27FC236}">
-                <a16:creationId xmlns="" xmlns:a16="http://schemas.microsoft.com/office/drawing/2014/main" id="{62DB0137-4B83-6740-9717-4074AFAED09F}"/>
+                <a16:creationId xmlns:a16="http://schemas.microsoft.com/office/drawing/2014/main" xmlns="" id="{62DB0137-4B83-6740-9717-4074AFAED09F}"/>
               </a:ext>
             </a:extLst>
           </p:cNvPr>
@@ -3175,7 +3175,7 @@
           <p:cNvPr id="12" name="Slide Number Placeholder 4">
             <a:extLst>
               <a:ext uri="{FF2B5EF4-FFF2-40B4-BE49-F238E27FC236}">
-                <a16:creationId xmlns="" xmlns:a16="http://schemas.microsoft.com/office/drawing/2014/main" id="{A2C3A02E-F82F-EB4D-AA11-F0AB465E4529}"/>
+                <a16:creationId xmlns:a16="http://schemas.microsoft.com/office/drawing/2014/main" xmlns="" id="{A2C3A02E-F82F-EB4D-AA11-F0AB465E4529}"/>
               </a:ext>
             </a:extLst>
           </p:cNvPr>
@@ -3218,7 +3218,7 @@
           <p:cNvPr id="9" name="Picture 8">
             <a:extLst>
               <a:ext uri="{FF2B5EF4-FFF2-40B4-BE49-F238E27FC236}">
-                <a16:creationId xmlns="" xmlns:a16="http://schemas.microsoft.com/office/drawing/2014/main" id="{59D77EAE-7535-D344-A09B-3EC1D6BA9399}"/>
+                <a16:creationId xmlns:a16="http://schemas.microsoft.com/office/drawing/2014/main" xmlns="" id="{59D77EAE-7535-D344-A09B-3EC1D6BA9399}"/>
               </a:ext>
             </a:extLst>
           </p:cNvPr>
@@ -3248,7 +3248,7 @@
           <p:cNvPr id="13" name="Title 1">
             <a:extLst>
               <a:ext uri="{FF2B5EF4-FFF2-40B4-BE49-F238E27FC236}">
-                <a16:creationId xmlns="" xmlns:a16="http://schemas.microsoft.com/office/drawing/2014/main" id="{2258039E-D7E6-874C-986C-F6066D55B1D5}"/>
+                <a16:creationId xmlns:a16="http://schemas.microsoft.com/office/drawing/2014/main" xmlns="" id="{2258039E-D7E6-874C-986C-F6066D55B1D5}"/>
               </a:ext>
             </a:extLst>
           </p:cNvPr>
@@ -3291,7 +3291,7 @@
           <p:cNvPr id="3" name="Chart Placeholder 2">
             <a:extLst>
               <a:ext uri="{FF2B5EF4-FFF2-40B4-BE49-F238E27FC236}">
-                <a16:creationId xmlns="" xmlns:a16="http://schemas.microsoft.com/office/drawing/2014/main" id="{4F5843D8-3A8D-C34A-B877-27577E457994}"/>
+                <a16:creationId xmlns:a16="http://schemas.microsoft.com/office/drawing/2014/main" xmlns="" id="{4F5843D8-3A8D-C34A-B877-27577E457994}"/>
               </a:ext>
             </a:extLst>
           </p:cNvPr>
@@ -3322,7 +3322,7 @@
     </p:spTree>
     <p:extLst>
       <p:ext uri="{BB962C8B-B14F-4D97-AF65-F5344CB8AC3E}">
-        <p14:creationId xmlns="" xmlns:p14="http://schemas.microsoft.com/office/powerpoint/2010/main" val="3926419513"/>
+        <p14:creationId xmlns:p14="http://schemas.microsoft.com/office/powerpoint/2010/main" xmlns="" val="3926419513"/>
       </p:ext>
     </p:extLst>
   </p:cSld>
@@ -3330,7 +3330,7 @@
     <a:masterClrMapping/>
   </p:clrMapOvr>
   <mc:AlternateContent xmlns:mc="http://schemas.openxmlformats.org/markup-compatibility/2006">
-    <mc:Choice xmlns="" xmlns:p14="http://schemas.microsoft.com/office/powerpoint/2010/main" Requires="p14">
+    <mc:Choice xmlns:p14="http://schemas.microsoft.com/office/powerpoint/2010/main" xmlns="" Requires="p14">
       <p:transition spd="slow" p14:dur="2000" advClick="0" advTm="5000"/>
     </mc:Choice>
     <mc:Fallback>
@@ -3362,7 +3362,7 @@
           <p:cNvPr id="4" name="Picture 3">
             <a:extLst>
               <a:ext uri="{FF2B5EF4-FFF2-40B4-BE49-F238E27FC236}">
-                <a16:creationId xmlns="" xmlns:a16="http://schemas.microsoft.com/office/drawing/2014/main" id="{62DB0137-4B83-6740-9717-4074AFAED09F}"/>
+                <a16:creationId xmlns:a16="http://schemas.microsoft.com/office/drawing/2014/main" xmlns="" id="{62DB0137-4B83-6740-9717-4074AFAED09F}"/>
               </a:ext>
             </a:extLst>
           </p:cNvPr>
@@ -3392,7 +3392,7 @@
           <p:cNvPr id="12" name="Slide Number Placeholder 4">
             <a:extLst>
               <a:ext uri="{FF2B5EF4-FFF2-40B4-BE49-F238E27FC236}">
-                <a16:creationId xmlns="" xmlns:a16="http://schemas.microsoft.com/office/drawing/2014/main" id="{A2C3A02E-F82F-EB4D-AA11-F0AB465E4529}"/>
+                <a16:creationId xmlns:a16="http://schemas.microsoft.com/office/drawing/2014/main" xmlns="" id="{A2C3A02E-F82F-EB4D-AA11-F0AB465E4529}"/>
               </a:ext>
             </a:extLst>
           </p:cNvPr>
@@ -3435,7 +3435,7 @@
           <p:cNvPr id="9" name="Picture 8">
             <a:extLst>
               <a:ext uri="{FF2B5EF4-FFF2-40B4-BE49-F238E27FC236}">
-                <a16:creationId xmlns="" xmlns:a16="http://schemas.microsoft.com/office/drawing/2014/main" id="{59D77EAE-7535-D344-A09B-3EC1D6BA9399}"/>
+                <a16:creationId xmlns:a16="http://schemas.microsoft.com/office/drawing/2014/main" xmlns="" id="{59D77EAE-7535-D344-A09B-3EC1D6BA9399}"/>
               </a:ext>
             </a:extLst>
           </p:cNvPr>
@@ -3465,7 +3465,7 @@
           <p:cNvPr id="13" name="Title 1">
             <a:extLst>
               <a:ext uri="{FF2B5EF4-FFF2-40B4-BE49-F238E27FC236}">
-                <a16:creationId xmlns="" xmlns:a16="http://schemas.microsoft.com/office/drawing/2014/main" id="{2258039E-D7E6-874C-986C-F6066D55B1D5}"/>
+                <a16:creationId xmlns:a16="http://schemas.microsoft.com/office/drawing/2014/main" xmlns="" id="{2258039E-D7E6-874C-986C-F6066D55B1D5}"/>
               </a:ext>
             </a:extLst>
           </p:cNvPr>
@@ -3508,7 +3508,7 @@
           <p:cNvPr id="5" name="Table Placeholder 4">
             <a:extLst>
               <a:ext uri="{FF2B5EF4-FFF2-40B4-BE49-F238E27FC236}">
-                <a16:creationId xmlns="" xmlns:a16="http://schemas.microsoft.com/office/drawing/2014/main" id="{7CF49F7B-6D68-A545-98FE-22FBD56818DB}"/>
+                <a16:creationId xmlns:a16="http://schemas.microsoft.com/office/drawing/2014/main" xmlns="" id="{7CF49F7B-6D68-A545-98FE-22FBD56818DB}"/>
               </a:ext>
             </a:extLst>
           </p:cNvPr>
@@ -3539,7 +3539,7 @@
     </p:spTree>
     <p:extLst>
       <p:ext uri="{BB962C8B-B14F-4D97-AF65-F5344CB8AC3E}">
-        <p14:creationId xmlns="" xmlns:p14="http://schemas.microsoft.com/office/powerpoint/2010/main" val="233726489"/>
+        <p14:creationId xmlns:p14="http://schemas.microsoft.com/office/powerpoint/2010/main" xmlns="" val="233726489"/>
       </p:ext>
     </p:extLst>
   </p:cSld>
@@ -3547,7 +3547,7 @@
     <a:masterClrMapping/>
   </p:clrMapOvr>
   <mc:AlternateContent xmlns:mc="http://schemas.openxmlformats.org/markup-compatibility/2006">
-    <mc:Choice xmlns="" xmlns:p14="http://schemas.microsoft.com/office/powerpoint/2010/main" Requires="p14">
+    <mc:Choice xmlns:p14="http://schemas.microsoft.com/office/powerpoint/2010/main" xmlns="" Requires="p14">
       <p:transition spd="slow" p14:dur="2000" advClick="0" advTm="5000"/>
     </mc:Choice>
     <mc:Fallback>
@@ -3584,7 +3584,7 @@
           <p:cNvPr id="2" name="Title Placeholder 1">
             <a:extLst>
               <a:ext uri="{FF2B5EF4-FFF2-40B4-BE49-F238E27FC236}">
-                <a16:creationId xmlns="" xmlns:a16="http://schemas.microsoft.com/office/drawing/2014/main" id="{3A821DDA-2F75-B143-93FB-2C358175036C}"/>
+                <a16:creationId xmlns:a16="http://schemas.microsoft.com/office/drawing/2014/main" xmlns="" id="{3A821DDA-2F75-B143-93FB-2C358175036C}"/>
               </a:ext>
             </a:extLst>
           </p:cNvPr>
@@ -3622,7 +3622,7 @@
           <p:cNvPr id="3" name="Text Placeholder 2">
             <a:extLst>
               <a:ext uri="{FF2B5EF4-FFF2-40B4-BE49-F238E27FC236}">
-                <a16:creationId xmlns="" xmlns:a16="http://schemas.microsoft.com/office/drawing/2014/main" id="{E024324D-5F1C-BD43-893B-DCFD6AE03280}"/>
+                <a16:creationId xmlns:a16="http://schemas.microsoft.com/office/drawing/2014/main" xmlns="" id="{E024324D-5F1C-BD43-893B-DCFD6AE03280}"/>
               </a:ext>
             </a:extLst>
           </p:cNvPr>
@@ -3689,7 +3689,7 @@
           <p:cNvPr id="4" name="Date Placeholder 3">
             <a:extLst>
               <a:ext uri="{FF2B5EF4-FFF2-40B4-BE49-F238E27FC236}">
-                <a16:creationId xmlns="" xmlns:a16="http://schemas.microsoft.com/office/drawing/2014/main" id="{D53771CD-33AE-C044-A1CC-79B8BB845347}"/>
+                <a16:creationId xmlns:a16="http://schemas.microsoft.com/office/drawing/2014/main" xmlns="" id="{D53771CD-33AE-C044-A1CC-79B8BB845347}"/>
               </a:ext>
             </a:extLst>
           </p:cNvPr>
@@ -3726,7 +3726,7 @@
             <a:fld id="{FBF4D725-7178-D948-AA3E-6F5F17353337}" type="datetimeFigureOut">
               <a:rPr lang="en-US" smtClean="0"/>
               <a:pPr/>
-              <a:t>10/29/2024</a:t>
+              <a:t>10/31/2024</a:t>
             </a:fld>
             <a:endParaRPr lang="en-US"/>
           </a:p>
@@ -3737,7 +3737,7 @@
           <p:cNvPr id="5" name="Footer Placeholder 4">
             <a:extLst>
               <a:ext uri="{FF2B5EF4-FFF2-40B4-BE49-F238E27FC236}">
-                <a16:creationId xmlns="" xmlns:a16="http://schemas.microsoft.com/office/drawing/2014/main" id="{F8AD8ECD-8EE4-DE41-8FFF-8830B5D20348}"/>
+                <a16:creationId xmlns:a16="http://schemas.microsoft.com/office/drawing/2014/main" xmlns="" id="{F8AD8ECD-8EE4-DE41-8FFF-8830B5D20348}"/>
               </a:ext>
             </a:extLst>
           </p:cNvPr>
@@ -3780,7 +3780,7 @@
           <p:cNvPr id="6" name="Slide Number Placeholder 5">
             <a:extLst>
               <a:ext uri="{FF2B5EF4-FFF2-40B4-BE49-F238E27FC236}">
-                <a16:creationId xmlns="" xmlns:a16="http://schemas.microsoft.com/office/drawing/2014/main" id="{0DAC8B92-5CED-9747-9449-501492DBB804}"/>
+                <a16:creationId xmlns:a16="http://schemas.microsoft.com/office/drawing/2014/main" xmlns="" id="{0DAC8B92-5CED-9747-9449-501492DBB804}"/>
               </a:ext>
             </a:extLst>
           </p:cNvPr>
@@ -3826,7 +3826,7 @@
     </p:spTree>
     <p:extLst>
       <p:ext uri="{BB962C8B-B14F-4D97-AF65-F5344CB8AC3E}">
-        <p14:creationId xmlns="" xmlns:p14="http://schemas.microsoft.com/office/powerpoint/2010/main" val="3457181485"/>
+        <p14:creationId xmlns:p14="http://schemas.microsoft.com/office/powerpoint/2010/main" xmlns="" val="3457181485"/>
       </p:ext>
     </p:extLst>
   </p:cSld>
@@ -3843,7 +3843,7 @@
     <p:sldLayoutId id="2147483699" r:id="rId9"/>
   </p:sldLayoutIdLst>
   <mc:AlternateContent xmlns:mc="http://schemas.openxmlformats.org/markup-compatibility/2006">
-    <mc:Choice xmlns="" xmlns:p14="http://schemas.microsoft.com/office/powerpoint/2010/main" Requires="p14">
+    <mc:Choice xmlns:p14="http://schemas.microsoft.com/office/powerpoint/2010/main" xmlns="" Requires="p14">
       <p:transition spd="slow" p14:dur="2000" advClick="0" advTm="5000"/>
     </mc:Choice>
     <mc:Fallback>
@@ -4155,7 +4155,7 @@
           <p:cNvPr id="4" name="Title 3">
             <a:extLst>
               <a:ext uri="{FF2B5EF4-FFF2-40B4-BE49-F238E27FC236}">
-                <a16:creationId xmlns="" xmlns:a16="http://schemas.microsoft.com/office/drawing/2014/main" id="{C5E0BE0D-6E7F-CB36-BF6E-CB3FAB9AA219}"/>
+                <a16:creationId xmlns:a16="http://schemas.microsoft.com/office/drawing/2014/main" xmlns="" id="{C5E0BE0D-6E7F-CB36-BF6E-CB3FAB9AA219}"/>
               </a:ext>
             </a:extLst>
           </p:cNvPr>
@@ -4192,7 +4192,7 @@
           <p:cNvPr id="5" name="Text Placeholder 4">
             <a:extLst>
               <a:ext uri="{FF2B5EF4-FFF2-40B4-BE49-F238E27FC236}">
-                <a16:creationId xmlns="" xmlns:a16="http://schemas.microsoft.com/office/drawing/2014/main" id="{AEF7E49F-30CC-3ECE-B466-6B2A76D17BCA}"/>
+                <a16:creationId xmlns:a16="http://schemas.microsoft.com/office/drawing/2014/main" xmlns="" id="{AEF7E49F-30CC-3ECE-B466-6B2A76D17BCA}"/>
               </a:ext>
             </a:extLst>
           </p:cNvPr>
@@ -4219,7 +4219,7 @@
     </p:spTree>
     <p:extLst>
       <p:ext uri="{BB962C8B-B14F-4D97-AF65-F5344CB8AC3E}">
-        <p14:creationId xmlns="" xmlns:p14="http://schemas.microsoft.com/office/powerpoint/2010/main" val="3323279844"/>
+        <p14:creationId xmlns:p14="http://schemas.microsoft.com/office/powerpoint/2010/main" xmlns="" val="3323279844"/>
       </p:ext>
     </p:extLst>
   </p:cSld>
@@ -4227,7 +4227,7 @@
     <a:masterClrMapping/>
   </p:clrMapOvr>
   <mc:AlternateContent xmlns:mc="http://schemas.openxmlformats.org/markup-compatibility/2006">
-    <mc:Choice xmlns="" xmlns:p14="http://schemas.microsoft.com/office/powerpoint/2010/main" Requires="p14">
+    <mc:Choice xmlns:p14="http://schemas.microsoft.com/office/powerpoint/2010/main" xmlns="" Requires="p14">
       <p:transition spd="slow" p14:dur="2000" advClick="0" advTm="5000"/>
     </mc:Choice>
     <mc:Fallback>
@@ -4259,7 +4259,7 @@
           <p:cNvPr id="4" name="TextBox 3">
             <a:extLst>
               <a:ext uri="{FF2B5EF4-FFF2-40B4-BE49-F238E27FC236}">
-                <a16:creationId xmlns="" xmlns:a16="http://schemas.microsoft.com/office/drawing/2014/main" id="{221FA16E-AAC8-1A73-CCDA-27D1070D6804}"/>
+                <a16:creationId xmlns:a16="http://schemas.microsoft.com/office/drawing/2014/main" xmlns="" id="{221FA16E-AAC8-1A73-CCDA-27D1070D6804}"/>
               </a:ext>
             </a:extLst>
           </p:cNvPr>
@@ -5200,7 +5200,7 @@
     </p:spTree>
     <p:extLst>
       <p:ext uri="{BB962C8B-B14F-4D97-AF65-F5344CB8AC3E}">
-        <p14:creationId xmlns="" xmlns:p14="http://schemas.microsoft.com/office/powerpoint/2010/main" val="1960280140"/>
+        <p14:creationId xmlns:p14="http://schemas.microsoft.com/office/powerpoint/2010/main" xmlns="" val="1960280140"/>
       </p:ext>
     </p:extLst>
   </p:cSld>
@@ -5208,7 +5208,7 @@
     <a:masterClrMapping/>
   </p:clrMapOvr>
   <mc:AlternateContent xmlns:mc="http://schemas.openxmlformats.org/markup-compatibility/2006">
-    <mc:Choice xmlns="" xmlns:p14="http://schemas.microsoft.com/office/powerpoint/2010/main" Requires="p14">
+    <mc:Choice xmlns:p14="http://schemas.microsoft.com/office/powerpoint/2010/main" xmlns="" Requires="p14">
       <p:transition spd="slow" p14:dur="2000" advClick="0" advTm="5000"/>
     </mc:Choice>
     <mc:Fallback>
@@ -5240,7 +5240,7 @@
           <p:cNvPr id="4" name="TextBox 3">
             <a:extLst>
               <a:ext uri="{FF2B5EF4-FFF2-40B4-BE49-F238E27FC236}">
-                <a16:creationId xmlns="" xmlns:a16="http://schemas.microsoft.com/office/drawing/2014/main" id="{221FA16E-AAC8-1A73-CCDA-27D1070D6804}"/>
+                <a16:creationId xmlns:a16="http://schemas.microsoft.com/office/drawing/2014/main" xmlns="" id="{221FA16E-AAC8-1A73-CCDA-27D1070D6804}"/>
               </a:ext>
             </a:extLst>
           </p:cNvPr>
@@ -5300,7 +5300,6 @@
               <a:rPr lang="en-US" dirty="0" smtClean="0"/>
               <a:t>How can we benefit from Kafka or similar technology?</a:t>
             </a:r>
-            <a:endParaRPr lang="en-US" dirty="0" smtClean="0"/>
           </a:p>
         </p:txBody>
       </p:sp>
@@ -5362,7 +5361,7 @@
           <a:graphicData uri="http://schemas.openxmlformats.org/drawingml/2006/table">
             <a:tbl>
               <a:tblPr firstRow="1" bandRow="1">
-                <a:tableStyleId>{5C22544A-7EE6-4342-B048-85BDC9FD1C3A}</a:tableStyleId>
+                <a:tableStyleId>{21E4AEA4-8DFA-4A89-87EB-49C32662AFE0}</a:tableStyleId>
               </a:tblPr>
               <a:tblGrid>
                 <a:gridCol w="9906000"/>
@@ -5395,53 +5394,23 @@
                     <a:lstStyle/>
                     <a:p>
                       <a:r>
-                        <a:rPr lang="en-US" sz="1200" dirty="0" smtClean="0">
-                          <a:solidFill>
-                            <a:schemeClr val="bg2">
-                              <a:lumMod val="10000"/>
-                            </a:schemeClr>
-                          </a:solidFill>
-                        </a:rPr>
+                        <a:rPr lang="en-US" sz="1200" dirty="0" smtClean="0"/>
                         <a:t>Kafka and similar message brokers facilitate the decoupling of systems by allowing producers and consumers to operate independently. This creates a buffer between different </a:t>
                       </a:r>
                       <a:r>
-                        <a:rPr lang="en-US" sz="1200" dirty="0" err="1" smtClean="0">
-                          <a:solidFill>
-                            <a:schemeClr val="bg2">
-                              <a:lumMod val="10000"/>
-                            </a:schemeClr>
-                          </a:solidFill>
-                        </a:rPr>
+                        <a:rPr lang="en-US" sz="1200" dirty="0" err="1" smtClean="0"/>
                         <a:t>microservices</a:t>
                       </a:r>
                       <a:r>
-                        <a:rPr lang="en-US" sz="1200" dirty="0" smtClean="0">
-                          <a:solidFill>
-                            <a:schemeClr val="bg2">
-                              <a:lumMod val="10000"/>
-                            </a:schemeClr>
-                          </a:solidFill>
-                        </a:rPr>
+                        <a:rPr lang="en-US" sz="1200" dirty="0" smtClean="0"/>
                         <a:t> and enables asynchronous communication. As a result, we can easily re-architect a new cloud-based content management system (CMS) using a modular approach, where Kafka acts as the data exchange highway connecting all of our </a:t>
                       </a:r>
                       <a:r>
-                        <a:rPr lang="en-US" sz="1200" dirty="0" err="1" smtClean="0">
-                          <a:solidFill>
-                            <a:schemeClr val="bg2">
-                              <a:lumMod val="10000"/>
-                            </a:schemeClr>
-                          </a:solidFill>
-                        </a:rPr>
+                        <a:rPr lang="en-US" sz="1200" dirty="0" err="1" smtClean="0"/>
                         <a:t>microservices</a:t>
                       </a:r>
                       <a:r>
-                        <a:rPr lang="en-US" sz="1200" dirty="0" smtClean="0">
-                          <a:solidFill>
-                            <a:schemeClr val="bg2">
-                              <a:lumMod val="10000"/>
-                            </a:schemeClr>
-                          </a:solidFill>
-                        </a:rPr>
+                        <a:rPr lang="en-US" sz="1200" dirty="0" smtClean="0"/>
                         <a:t>.</a:t>
                       </a:r>
                       <a:endParaRPr lang="en-US" sz="1200" dirty="0">
@@ -5463,13 +5432,7 @@
                     <a:lstStyle/>
                     <a:p>
                       <a:r>
-                        <a:rPr lang="en-US" sz="1200" dirty="0" smtClean="0">
-                          <a:solidFill>
-                            <a:schemeClr val="bg2">
-                              <a:lumMod val="10000"/>
-                            </a:schemeClr>
-                          </a:solidFill>
-                        </a:rPr>
+                        <a:rPr lang="en-US" sz="1200" dirty="0" smtClean="0"/>
                         <a:t>Our current setup involves sensors and the sensor AP communicating through an abstraction layer, specifically the Communication Manager. This layer is responsible for interpreting, processing, storing, encrypting, and pushing sensor data to the cloud system. By utilizing Kafka or a similar message broker, we can leverage its high throughput for handling large volumes of data, scalability for horizontal scaling to accommodate increased loads, durability through data replication across multiple brokers, and fault tolerance for enhanced reliability. This shift allows us to eliminate the Communication Manager abstraction layer, enabling direct communication between our sensors, sensor AP, and Kafka.</a:t>
                       </a:r>
                       <a:endParaRPr lang="en-US" sz="1200" dirty="0">
@@ -5491,33 +5454,15 @@
                     <a:lstStyle/>
                     <a:p>
                       <a:r>
-                        <a:rPr lang="en-US" sz="1200" dirty="0" smtClean="0">
-                          <a:solidFill>
-                            <a:schemeClr val="bg2">
-                              <a:lumMod val="10000"/>
-                            </a:schemeClr>
-                          </a:solidFill>
-                        </a:rPr>
+                        <a:rPr lang="en-US" sz="1200" dirty="0" smtClean="0"/>
                         <a:t>Kafka can overcome the limitations of cloud-based systems by facilitating communication and control of local hardware devices, such as alert lamps within client facilities. Currently, we are implementing this capability to enable our VPC system to control local lamps using a message broker like Azure Service Bus. In the future, we can easily add a </a:t>
                       </a:r>
                       <a:r>
-                        <a:rPr lang="en-US" sz="1200" dirty="0" err="1" smtClean="0">
-                          <a:solidFill>
-                            <a:schemeClr val="bg2">
-                              <a:lumMod val="10000"/>
-                            </a:schemeClr>
-                          </a:solidFill>
-                        </a:rPr>
+                        <a:rPr lang="en-US" sz="1200" dirty="0" err="1" smtClean="0"/>
                         <a:t>microservice</a:t>
                       </a:r>
                       <a:r>
-                        <a:rPr lang="en-US" sz="1200" dirty="0" smtClean="0">
-                          <a:solidFill>
-                            <a:schemeClr val="bg2">
-                              <a:lumMod val="10000"/>
-                            </a:schemeClr>
-                          </a:solidFill>
-                        </a:rPr>
+                        <a:rPr lang="en-US" sz="1200" dirty="0" smtClean="0"/>
                         <a:t> application to our sensor AP, which is already running on a Linux kernel. This service will subscribe to Kafka or a similar message broker, allowing it to listen for commands to activate any local devices.</a:t>
                       </a:r>
                       <a:endParaRPr lang="en-US" sz="1200" dirty="0">
@@ -5539,13 +5484,7 @@
                     <a:lstStyle/>
                     <a:p>
                       <a:r>
-                        <a:rPr lang="en-US" sz="1200" dirty="0" smtClean="0">
-                          <a:solidFill>
-                            <a:schemeClr val="bg2">
-                              <a:lumMod val="10000"/>
-                            </a:schemeClr>
-                          </a:solidFill>
-                        </a:rPr>
+                        <a:rPr lang="en-US" sz="1200" dirty="0" smtClean="0"/>
                         <a:t>The Kafka message broker can accelerate on-site calibration by immediately pushing scale and offset values from a cloud-based system, such as the VPC system, directly to the sensor. This eliminates the delay associated with the sensor's post interval, thereby reducing the technician's on-site time. Additionally, we can now back-channel other parameters to the sensors remotely without being locally installed. </a:t>
                       </a:r>
                       <a:endParaRPr lang="en-US" sz="1200" dirty="0">
@@ -5567,54 +5506,20 @@
                     <a:lstStyle/>
                     <a:p>
                       <a:r>
-                        <a:rPr lang="en-US" sz="1200" dirty="0" smtClean="0">
-                          <a:solidFill>
-                            <a:schemeClr val="bg2">
-                              <a:lumMod val="10000"/>
-                            </a:schemeClr>
-                          </a:solidFill>
-                        </a:rPr>
+                        <a:rPr lang="en-US" sz="1200" dirty="0" smtClean="0"/>
                         <a:t>A message broker like Kafka will empower software engineers to develop monitoring tools that allow hardware engineers to remotely track the status of all sensors in the field. The </a:t>
                       </a:r>
                       <a:r>
-                        <a:rPr lang="en-US" sz="1200" dirty="0" err="1" smtClean="0">
-                          <a:solidFill>
-                            <a:schemeClr val="bg2">
-                              <a:lumMod val="10000"/>
-                            </a:schemeClr>
-                          </a:solidFill>
-                        </a:rPr>
+                        <a:rPr lang="en-US" sz="1200" dirty="0" err="1" smtClean="0"/>
                         <a:t>WiFi</a:t>
                       </a:r>
                       <a:r>
-                        <a:rPr lang="en-US" sz="1200" dirty="0" smtClean="0">
-                          <a:solidFill>
-                            <a:schemeClr val="bg2">
-                              <a:lumMod val="10000"/>
-                            </a:schemeClr>
-                          </a:solidFill>
-                        </a:rPr>
+                        <a:rPr lang="en-US" sz="1200" dirty="0" smtClean="0"/>
                         <a:t> sensor and the sensor AP can now publish their status information each time they wake up, delivering environmental reading data in real time.  This eliminates the need to send back faulty sensors for diagnostics and troubleshooting, the hardware engineer</a:t>
                       </a:r>
                       <a:r>
-                        <a:rPr lang="en-US" sz="1200" baseline="0" dirty="0" smtClean="0">
-                          <a:solidFill>
-                            <a:schemeClr val="bg2">
-                              <a:lumMod val="10000"/>
-                            </a:schemeClr>
-                          </a:solidFill>
-                        </a:rPr>
-                        <a:t> has all the information ahead of time and just before </a:t>
-                      </a:r>
-                      <a:r>
-                        <a:rPr lang="en-US" sz="1200" baseline="0" smtClean="0">
-                          <a:solidFill>
-                            <a:schemeClr val="bg2">
-                              <a:lumMod val="10000"/>
-                            </a:schemeClr>
-                          </a:solidFill>
-                        </a:rPr>
-                        <a:t>the sensor has issues.</a:t>
+                        <a:rPr lang="en-US" sz="1200" baseline="0" dirty="0" smtClean="0"/>
+                        <a:t> has all the information ahead of time and just before the sensor has issues.</a:t>
                       </a:r>
                       <a:endParaRPr lang="en-US" sz="1200" dirty="0">
                         <a:solidFill>
@@ -5635,7 +5540,7 @@
     </p:spTree>
     <p:extLst>
       <p:ext uri="{BB962C8B-B14F-4D97-AF65-F5344CB8AC3E}">
-        <p14:creationId xmlns="" xmlns:p14="http://schemas.microsoft.com/office/powerpoint/2010/main" val="1960280140"/>
+        <p14:creationId xmlns:p14="http://schemas.microsoft.com/office/powerpoint/2010/main" xmlns="" val="1960280140"/>
       </p:ext>
     </p:extLst>
   </p:cSld>
@@ -5643,7 +5548,7 @@
     <a:masterClrMapping/>
   </p:clrMapOvr>
   <mc:AlternateContent xmlns:mc="http://schemas.openxmlformats.org/markup-compatibility/2006">
-    <mc:Choice xmlns="" xmlns:p14="http://schemas.microsoft.com/office/powerpoint/2010/main" Requires="p14">
+    <mc:Choice xmlns:p14="http://schemas.microsoft.com/office/powerpoint/2010/main" xmlns="" Requires="p14">
       <p:transition spd="slow" p14:dur="2000" advClick="0" advTm="5000"/>
     </mc:Choice>
     <mc:Fallback>
@@ -5675,7 +5580,7 @@
           <p:cNvPr id="2" name="TextBox 1">
             <a:extLst>
               <a:ext uri="{FF2B5EF4-FFF2-40B4-BE49-F238E27FC236}">
-                <a16:creationId xmlns="" xmlns:a16="http://schemas.microsoft.com/office/drawing/2014/main" id="{5E8D481B-AA70-47B2-D724-B872B2D97377}"/>
+                <a16:creationId xmlns:a16="http://schemas.microsoft.com/office/drawing/2014/main" xmlns="" id="{5E8D481B-AA70-47B2-D724-B872B2D97377}"/>
               </a:ext>
             </a:extLst>
           </p:cNvPr>
@@ -5740,7 +5645,7 @@
     </p:spTree>
     <p:extLst>
       <p:ext uri="{BB962C8B-B14F-4D97-AF65-F5344CB8AC3E}">
-        <p14:creationId xmlns="" xmlns:p14="http://schemas.microsoft.com/office/powerpoint/2010/main" val="3511436495"/>
+        <p14:creationId xmlns:p14="http://schemas.microsoft.com/office/powerpoint/2010/main" xmlns="" val="3511436495"/>
       </p:ext>
     </p:extLst>
   </p:cSld>
@@ -5748,7 +5653,7 @@
     <a:masterClrMapping/>
   </p:clrMapOvr>
   <mc:AlternateContent xmlns:mc="http://schemas.openxmlformats.org/markup-compatibility/2006">
-    <mc:Choice xmlns="" xmlns:p14="http://schemas.microsoft.com/office/powerpoint/2010/main" Requires="p14">
+    <mc:Choice xmlns:p14="http://schemas.microsoft.com/office/powerpoint/2010/main" xmlns="" Requires="p14">
       <p:transition spd="slow" p14:dur="2000" advClick="0" advTm="5000"/>
     </mc:Choice>
     <mc:Fallback>
@@ -5780,7 +5685,7 @@
           <p:cNvPr id="4" name="Title 3">
             <a:extLst>
               <a:ext uri="{FF2B5EF4-FFF2-40B4-BE49-F238E27FC236}">
-                <a16:creationId xmlns="" xmlns:a16="http://schemas.microsoft.com/office/drawing/2014/main" id="{7DEAF21D-E8CE-AD8B-E648-301FB7DE61DF}"/>
+                <a16:creationId xmlns:a16="http://schemas.microsoft.com/office/drawing/2014/main" xmlns="" id="{7DEAF21D-E8CE-AD8B-E648-301FB7DE61DF}"/>
               </a:ext>
             </a:extLst>
           </p:cNvPr>
@@ -5808,7 +5713,7 @@
           <p:cNvPr id="5" name="Text Placeholder 4">
             <a:extLst>
               <a:ext uri="{FF2B5EF4-FFF2-40B4-BE49-F238E27FC236}">
-                <a16:creationId xmlns="" xmlns:a16="http://schemas.microsoft.com/office/drawing/2014/main" id="{218E70D0-E766-7711-25D8-1588E232CEC8}"/>
+                <a16:creationId xmlns:a16="http://schemas.microsoft.com/office/drawing/2014/main" xmlns="" id="{218E70D0-E766-7711-25D8-1588E232CEC8}"/>
               </a:ext>
             </a:extLst>
           </p:cNvPr>
@@ -5892,7 +5797,6 @@
               <a:rPr lang="en-US" sz="1400" dirty="0" smtClean="0"/>
               <a:t>How can we benefit from Kafka or similar technology?</a:t>
             </a:r>
-            <a:endParaRPr lang="en-US" sz="1400" dirty="0" smtClean="0"/>
           </a:p>
           <a:p>
             <a:r>
@@ -5906,7 +5810,7 @@
     </p:spTree>
     <p:extLst>
       <p:ext uri="{BB962C8B-B14F-4D97-AF65-F5344CB8AC3E}">
-        <p14:creationId xmlns="" xmlns:p14="http://schemas.microsoft.com/office/powerpoint/2010/main" val="2639129120"/>
+        <p14:creationId xmlns:p14="http://schemas.microsoft.com/office/powerpoint/2010/main" xmlns="" val="2639129120"/>
       </p:ext>
     </p:extLst>
   </p:cSld>
@@ -5914,7 +5818,7 @@
     <a:masterClrMapping/>
   </p:clrMapOvr>
   <mc:AlternateContent xmlns:mc="http://schemas.openxmlformats.org/markup-compatibility/2006">
-    <mc:Choice xmlns="" xmlns:p14="http://schemas.microsoft.com/office/powerpoint/2010/main" Requires="p14">
+    <mc:Choice xmlns:p14="http://schemas.microsoft.com/office/powerpoint/2010/main" xmlns="" Requires="p14">
       <p:transition spd="slow" p14:dur="2000" advClick="0" advTm="5000"/>
     </mc:Choice>
     <mc:Fallback>
@@ -5946,7 +5850,7 @@
           <p:cNvPr id="8" name="Title 7">
             <a:extLst>
               <a:ext uri="{FF2B5EF4-FFF2-40B4-BE49-F238E27FC236}">
-                <a16:creationId xmlns="" xmlns:a16="http://schemas.microsoft.com/office/drawing/2014/main" id="{8BD644B9-9C1E-39C5-E757-82FE5465A6E9}"/>
+                <a16:creationId xmlns:a16="http://schemas.microsoft.com/office/drawing/2014/main" xmlns="" id="{8BD644B9-9C1E-39C5-E757-82FE5465A6E9}"/>
               </a:ext>
             </a:extLst>
           </p:cNvPr>
@@ -5994,7 +5898,7 @@
           <p:cNvPr id="9" name="Subtitle 2">
             <a:extLst>
               <a:ext uri="{FF2B5EF4-FFF2-40B4-BE49-F238E27FC236}">
-                <a16:creationId xmlns="" xmlns:a16="http://schemas.microsoft.com/office/drawing/2014/main" id="{8F968626-82D8-2F5F-6869-21D8AD224898}"/>
+                <a16:creationId xmlns:a16="http://schemas.microsoft.com/office/drawing/2014/main" xmlns="" id="{8F968626-82D8-2F5F-6869-21D8AD224898}"/>
               </a:ext>
             </a:extLst>
           </p:cNvPr>
@@ -6058,7 +5962,7 @@
           <p:cNvPr id="4" name="Text Placeholder 4">
             <a:extLst>
               <a:ext uri="{FF2B5EF4-FFF2-40B4-BE49-F238E27FC236}">
-                <a16:creationId xmlns="" xmlns:a16="http://schemas.microsoft.com/office/drawing/2014/main" id="{218E70D0-E766-7711-25D8-1588E232CEC8}"/>
+                <a16:creationId xmlns:a16="http://schemas.microsoft.com/office/drawing/2014/main" xmlns="" id="{218E70D0-E766-7711-25D8-1588E232CEC8}"/>
               </a:ext>
             </a:extLst>
           </p:cNvPr>
@@ -6117,7 +6021,7 @@
           <p:cNvPr id="5" name="Text Placeholder 4">
             <a:extLst>
               <a:ext uri="{FF2B5EF4-FFF2-40B4-BE49-F238E27FC236}">
-                <a16:creationId xmlns="" xmlns:a16="http://schemas.microsoft.com/office/drawing/2014/main" id="{218E70D0-E766-7711-25D8-1588E232CEC8}"/>
+                <a16:creationId xmlns:a16="http://schemas.microsoft.com/office/drawing/2014/main" xmlns="" id="{218E70D0-E766-7711-25D8-1588E232CEC8}"/>
               </a:ext>
             </a:extLst>
           </p:cNvPr>
@@ -6269,7 +6173,7 @@
     </p:spTree>
     <p:extLst>
       <p:ext uri="{BB962C8B-B14F-4D97-AF65-F5344CB8AC3E}">
-        <p14:creationId xmlns="" xmlns:p14="http://schemas.microsoft.com/office/powerpoint/2010/main" val="479653768"/>
+        <p14:creationId xmlns:p14="http://schemas.microsoft.com/office/powerpoint/2010/main" xmlns="" val="479653768"/>
       </p:ext>
     </p:extLst>
   </p:cSld>
@@ -6277,7 +6181,7 @@
     <a:masterClrMapping/>
   </p:clrMapOvr>
   <mc:AlternateContent xmlns:mc="http://schemas.openxmlformats.org/markup-compatibility/2006">
-    <mc:Choice xmlns="" xmlns:p14="http://schemas.microsoft.com/office/powerpoint/2010/main" Requires="p14">
+    <mc:Choice xmlns:p14="http://schemas.microsoft.com/office/powerpoint/2010/main" xmlns="" Requires="p14">
       <p:transition spd="slow" p14:dur="2000" advClick="0" advTm="5000"/>
     </mc:Choice>
     <mc:Fallback>
@@ -6309,7 +6213,7 @@
           <p:cNvPr id="2" name="Title 1">
             <a:extLst>
               <a:ext uri="{FF2B5EF4-FFF2-40B4-BE49-F238E27FC236}">
-                <a16:creationId xmlns="" xmlns:a16="http://schemas.microsoft.com/office/drawing/2014/main" id="{1B418EE9-5198-ADC8-D99E-D10E479044CE}"/>
+                <a16:creationId xmlns:a16="http://schemas.microsoft.com/office/drawing/2014/main" xmlns="" id="{1B418EE9-5198-ADC8-D99E-D10E479044CE}"/>
               </a:ext>
             </a:extLst>
           </p:cNvPr>
@@ -6343,7 +6247,7 @@
           <p:cNvPr id="4" name="TextBox 3">
             <a:extLst>
               <a:ext uri="{FF2B5EF4-FFF2-40B4-BE49-F238E27FC236}">
-                <a16:creationId xmlns="" xmlns:a16="http://schemas.microsoft.com/office/drawing/2014/main" id="{221FA16E-AAC8-1A73-CCDA-27D1070D6804}"/>
+                <a16:creationId xmlns:a16="http://schemas.microsoft.com/office/drawing/2014/main" xmlns="" id="{221FA16E-AAC8-1A73-CCDA-27D1070D6804}"/>
               </a:ext>
             </a:extLst>
           </p:cNvPr>
@@ -6530,7 +6434,7 @@
     </p:spTree>
     <p:extLst>
       <p:ext uri="{BB962C8B-B14F-4D97-AF65-F5344CB8AC3E}">
-        <p14:creationId xmlns="" xmlns:p14="http://schemas.microsoft.com/office/powerpoint/2010/main" val="1960280140"/>
+        <p14:creationId xmlns:p14="http://schemas.microsoft.com/office/powerpoint/2010/main" xmlns="" val="1960280140"/>
       </p:ext>
     </p:extLst>
   </p:cSld>
@@ -6538,7 +6442,7 @@
     <a:masterClrMapping/>
   </p:clrMapOvr>
   <mc:AlternateContent xmlns:mc="http://schemas.openxmlformats.org/markup-compatibility/2006">
-    <mc:Choice xmlns="" xmlns:p14="http://schemas.microsoft.com/office/powerpoint/2010/main" Requires="p14">
+    <mc:Choice xmlns:p14="http://schemas.microsoft.com/office/powerpoint/2010/main" xmlns="" Requires="p14">
       <p:transition spd="slow" p14:dur="2000" advClick="0" advTm="5000"/>
     </mc:Choice>
     <mc:Fallback>
@@ -6570,7 +6474,7 @@
           <p:cNvPr id="2" name="Title 1">
             <a:extLst>
               <a:ext uri="{FF2B5EF4-FFF2-40B4-BE49-F238E27FC236}">
-                <a16:creationId xmlns="" xmlns:a16="http://schemas.microsoft.com/office/drawing/2014/main" id="{1B418EE9-5198-ADC8-D99E-D10E479044CE}"/>
+                <a16:creationId xmlns:a16="http://schemas.microsoft.com/office/drawing/2014/main" xmlns="" id="{1B418EE9-5198-ADC8-D99E-D10E479044CE}"/>
               </a:ext>
             </a:extLst>
           </p:cNvPr>
@@ -6606,7 +6510,7 @@
           <p:cNvPr id="4" name="TextBox 3">
             <a:extLst>
               <a:ext uri="{FF2B5EF4-FFF2-40B4-BE49-F238E27FC236}">
-                <a16:creationId xmlns="" xmlns:a16="http://schemas.microsoft.com/office/drawing/2014/main" id="{221FA16E-AAC8-1A73-CCDA-27D1070D6804}"/>
+                <a16:creationId xmlns:a16="http://schemas.microsoft.com/office/drawing/2014/main" xmlns="" id="{221FA16E-AAC8-1A73-CCDA-27D1070D6804}"/>
               </a:ext>
             </a:extLst>
           </p:cNvPr>
@@ -6783,7 +6687,7 @@
     </p:spTree>
     <p:extLst>
       <p:ext uri="{BB962C8B-B14F-4D97-AF65-F5344CB8AC3E}">
-        <p14:creationId xmlns="" xmlns:p14="http://schemas.microsoft.com/office/powerpoint/2010/main" val="1960280140"/>
+        <p14:creationId xmlns:p14="http://schemas.microsoft.com/office/powerpoint/2010/main" xmlns="" val="1960280140"/>
       </p:ext>
     </p:extLst>
   </p:cSld>
@@ -6791,7 +6695,7 @@
     <a:masterClrMapping/>
   </p:clrMapOvr>
   <mc:AlternateContent xmlns:mc="http://schemas.openxmlformats.org/markup-compatibility/2006">
-    <mc:Choice xmlns="" xmlns:p14="http://schemas.microsoft.com/office/powerpoint/2010/main" Requires="p14">
+    <mc:Choice xmlns:p14="http://schemas.microsoft.com/office/powerpoint/2010/main" xmlns="" Requires="p14">
       <p:transition spd="slow" p14:dur="2000" advClick="0" advTm="5000"/>
     </mc:Choice>
     <mc:Fallback>
@@ -6916,7 +6820,7 @@
     </p:spTree>
     <p:extLst>
       <p:ext uri="{BB962C8B-B14F-4D97-AF65-F5344CB8AC3E}">
-        <p14:creationId xmlns="" xmlns:p14="http://schemas.microsoft.com/office/powerpoint/2010/main" val="1259160530"/>
+        <p14:creationId xmlns:p14="http://schemas.microsoft.com/office/powerpoint/2010/main" xmlns="" val="1259160530"/>
       </p:ext>
     </p:extLst>
   </p:cSld>
@@ -6924,7 +6828,7 @@
     <a:masterClrMapping/>
   </p:clrMapOvr>
   <mc:AlternateContent xmlns:mc="http://schemas.openxmlformats.org/markup-compatibility/2006">
-    <mc:Choice xmlns="" xmlns:p14="http://schemas.microsoft.com/office/powerpoint/2010/main" Requires="p14">
+    <mc:Choice xmlns:p14="http://schemas.microsoft.com/office/powerpoint/2010/main" xmlns="" Requires="p14">
       <p:transition spd="slow" p14:dur="2000" advClick="0" advTm="5000"/>
     </mc:Choice>
     <mc:Fallback>
@@ -6956,7 +6860,7 @@
           <p:cNvPr id="4" name="TextBox 3">
             <a:extLst>
               <a:ext uri="{FF2B5EF4-FFF2-40B4-BE49-F238E27FC236}">
-                <a16:creationId xmlns="" xmlns:a16="http://schemas.microsoft.com/office/drawing/2014/main" id="{221FA16E-AAC8-1A73-CCDA-27D1070D6804}"/>
+                <a16:creationId xmlns:a16="http://schemas.microsoft.com/office/drawing/2014/main" xmlns="" id="{221FA16E-AAC8-1A73-CCDA-27D1070D6804}"/>
               </a:ext>
             </a:extLst>
           </p:cNvPr>
@@ -7167,7 +7071,7 @@
     </p:spTree>
     <p:extLst>
       <p:ext uri="{BB962C8B-B14F-4D97-AF65-F5344CB8AC3E}">
-        <p14:creationId xmlns="" xmlns:p14="http://schemas.microsoft.com/office/powerpoint/2010/main" val="1960280140"/>
+        <p14:creationId xmlns:p14="http://schemas.microsoft.com/office/powerpoint/2010/main" xmlns="" val="1960280140"/>
       </p:ext>
     </p:extLst>
   </p:cSld>
@@ -7175,7 +7079,7 @@
     <a:masterClrMapping/>
   </p:clrMapOvr>
   <mc:AlternateContent xmlns:mc="http://schemas.openxmlformats.org/markup-compatibility/2006">
-    <mc:Choice xmlns="" xmlns:p14="http://schemas.microsoft.com/office/powerpoint/2010/main" Requires="p14">
+    <mc:Choice xmlns:p14="http://schemas.microsoft.com/office/powerpoint/2010/main" xmlns="" Requires="p14">
       <p:transition spd="slow" p14:dur="2000" advClick="0" advTm="5000"/>
     </mc:Choice>
     <mc:Fallback>
@@ -7207,7 +7111,7 @@
           <p:cNvPr id="4" name="TextBox 3">
             <a:extLst>
               <a:ext uri="{FF2B5EF4-FFF2-40B4-BE49-F238E27FC236}">
-                <a16:creationId xmlns="" xmlns:a16="http://schemas.microsoft.com/office/drawing/2014/main" id="{221FA16E-AAC8-1A73-CCDA-27D1070D6804}"/>
+                <a16:creationId xmlns:a16="http://schemas.microsoft.com/office/drawing/2014/main" xmlns="" id="{221FA16E-AAC8-1A73-CCDA-27D1070D6804}"/>
               </a:ext>
             </a:extLst>
           </p:cNvPr>
@@ -7404,7 +7308,7 @@
     </p:spTree>
     <p:extLst>
       <p:ext uri="{BB962C8B-B14F-4D97-AF65-F5344CB8AC3E}">
-        <p14:creationId xmlns="" xmlns:p14="http://schemas.microsoft.com/office/powerpoint/2010/main" val="1960280140"/>
+        <p14:creationId xmlns:p14="http://schemas.microsoft.com/office/powerpoint/2010/main" xmlns="" val="1960280140"/>
       </p:ext>
     </p:extLst>
   </p:cSld>
@@ -7412,7 +7316,7 @@
     <a:masterClrMapping/>
   </p:clrMapOvr>
   <mc:AlternateContent xmlns:mc="http://schemas.openxmlformats.org/markup-compatibility/2006">
-    <mc:Choice xmlns="" xmlns:p14="http://schemas.microsoft.com/office/powerpoint/2010/main" Requires="p14">
+    <mc:Choice xmlns:p14="http://schemas.microsoft.com/office/powerpoint/2010/main" xmlns="" Requires="p14">
       <p:transition spd="slow" p14:dur="2000" advClick="0" advTm="5000"/>
     </mc:Choice>
     <mc:Fallback>
@@ -7444,7 +7348,7 @@
           <p:cNvPr id="4" name="TextBox 3">
             <a:extLst>
               <a:ext uri="{FF2B5EF4-FFF2-40B4-BE49-F238E27FC236}">
-                <a16:creationId xmlns="" xmlns:a16="http://schemas.microsoft.com/office/drawing/2014/main" id="{221FA16E-AAC8-1A73-CCDA-27D1070D6804}"/>
+                <a16:creationId xmlns:a16="http://schemas.microsoft.com/office/drawing/2014/main" xmlns="" id="{221FA16E-AAC8-1A73-CCDA-27D1070D6804}"/>
               </a:ext>
             </a:extLst>
           </p:cNvPr>
@@ -8263,7 +8167,7 @@
     </p:spTree>
     <p:extLst>
       <p:ext uri="{BB962C8B-B14F-4D97-AF65-F5344CB8AC3E}">
-        <p14:creationId xmlns="" xmlns:p14="http://schemas.microsoft.com/office/powerpoint/2010/main" val="1960280140"/>
+        <p14:creationId xmlns:p14="http://schemas.microsoft.com/office/powerpoint/2010/main" xmlns="" val="1960280140"/>
       </p:ext>
     </p:extLst>
   </p:cSld>
@@ -8271,7 +8175,7 @@
     <a:masterClrMapping/>
   </p:clrMapOvr>
   <mc:AlternateContent xmlns:mc="http://schemas.openxmlformats.org/markup-compatibility/2006">
-    <mc:Choice xmlns="" xmlns:p14="http://schemas.microsoft.com/office/powerpoint/2010/main" Requires="p14">
+    <mc:Choice xmlns:p14="http://schemas.microsoft.com/office/powerpoint/2010/main" xmlns="" Requires="p14">
       <p:transition spd="slow" p14:dur="2000" advClick="0" advTm="5000"/>
     </mc:Choice>
     <mc:Fallback>
@@ -8570,7 +8474,7 @@
   <a:extraClrSchemeLst/>
   <a:extLst>
     <a:ext uri="{05A4C25C-085E-4340-85A3-A5531E510DB2}">
-      <thm15:themeFamily xmlns="" xmlns:thm15="http://schemas.microsoft.com/office/thememl/2012/main" name="18-Brand-Standards-Corporate-Template-R01  -  Repaired" id="{7628EEB4-EE5B-45F0-B1DA-E888BA5DCC7D}" vid="{48500A91-5F3F-4738-B9EF-D77D3C06827C}"/>
+      <thm15:themeFamily xmlns:thm15="http://schemas.microsoft.com/office/thememl/2012/main" xmlns="" name="18-Brand-Standards-Corporate-Template-R01  -  Repaired" id="{7628EEB4-EE5B-45F0-B1DA-E888BA5DCC7D}" vid="{48500A91-5F3F-4738-B9EF-D77D3C06827C}"/>
     </a:ext>
   </a:extLst>
 </a:theme>
@@ -8865,7 +8769,7 @@
   <a:extraClrSchemeLst/>
   <a:extLst>
     <a:ext uri="{05A4C25C-085E-4340-85A3-A5531E510DB2}">
-      <thm15:themeFamily xmlns="" xmlns:thm15="http://schemas.microsoft.com/office/thememl/2012/main" name="Office Theme" id="{62F939B6-93AF-4DB8-9C6B-D6C7DFDC589F}" vid="{4A3C46E8-61CC-4603-A589-7422A47A8E4A}"/>
+      <thm15:themeFamily xmlns:thm15="http://schemas.microsoft.com/office/thememl/2012/main" xmlns="" name="Office Theme" id="{62F939B6-93AF-4DB8-9C6B-D6C7DFDC589F}" vid="{4A3C46E8-61CC-4603-A589-7422A47A8E4A}"/>
     </a:ext>
   </a:extLst>
 </a:theme>
@@ -9160,13 +9064,33 @@
   <a:extraClrSchemeLst/>
   <a:extLst>
     <a:ext uri="{05A4C25C-085E-4340-85A3-A5531E510DB2}">
-      <thm15:themeFamily xmlns="" xmlns:thm15="http://schemas.microsoft.com/office/thememl/2012/main" name="Office Theme" id="{62F939B6-93AF-4DB8-9C6B-D6C7DFDC589F}" vid="{4A3C46E8-61CC-4603-A589-7422A47A8E4A}"/>
+      <thm15:themeFamily xmlns:thm15="http://schemas.microsoft.com/office/thememl/2012/main" xmlns="" name="Office Theme" id="{62F939B6-93AF-4DB8-9C6B-D6C7DFDC589F}" vid="{4A3C46E8-61CC-4603-A589-7422A47A8E4A}"/>
     </a:ext>
   </a:extLst>
 </a:theme>
 </file>
 
 <file path=customXml/item1.xml><?xml version="1.0" encoding="utf-8"?>
+<?mso-contentType ?>
+<FormTemplates xmlns="http://schemas.microsoft.com/sharepoint/v3/contenttype/forms">
+  <Display>DocumentLibraryForm</Display>
+  <Edit>DocumentLibraryForm</Edit>
+  <New>DocumentLibraryForm</New>
+</FormTemplates>
+</file>
+
+<file path=customXml/item2.xml><?xml version="1.0" encoding="utf-8"?>
+<p:properties xmlns:p="http://schemas.microsoft.com/office/2006/metadata/properties" xmlns:xsi="http://www.w3.org/2001/XMLSchema-instance" xmlns:pc="http://schemas.microsoft.com/office/infopath/2007/PartnerControls">
+  <documentManagement>
+    <lcf76f155ced4ddcb4097134ff3c332f xmlns="80cd682b-b40f-411e-9891-5e2a388e0f2a">
+      <Terms xmlns="http://schemas.microsoft.com/office/infopath/2007/PartnerControls"/>
+    </lcf76f155ced4ddcb4097134ff3c332f>
+    <TaxCatchAll xmlns="0a5436c3-62bb-42e4-abd1-a0a4955fdeca" xsi:nil="true"/>
+  </documentManagement>
+</p:properties>
+</file>
+
+<file path=customXml/item3.xml><?xml version="1.0" encoding="utf-8"?>
 <ct:contentTypeSchema xmlns:ct="http://schemas.microsoft.com/office/2006/metadata/contentType" xmlns:ma="http://schemas.microsoft.com/office/2006/metadata/properties/metaAttributes" ct:_="" ma:_="" ma:contentTypeName="Document" ma:contentTypeID="0x010100E88E7F3DB7B651438BE2EE6496C5288F" ma:contentTypeVersion="15" ma:contentTypeDescription="Create a new document." ma:contentTypeScope="" ma:versionID="f84292184f4f7fbb88c788eaae096a70">
   <xsd:schema xmlns:xsd="http://www.w3.org/2001/XMLSchema" xmlns:xs="http://www.w3.org/2001/XMLSchema" xmlns:p="http://schemas.microsoft.com/office/2006/metadata/properties" xmlns:ns2="80cd682b-b40f-411e-9891-5e2a388e0f2a" xmlns:ns3="0a5436c3-62bb-42e4-abd1-a0a4955fdeca" targetNamespace="http://schemas.microsoft.com/office/2006/metadata/properties" ma:root="true" ma:fieldsID="a80ffcda42bd2f74d943b42b148c0425" ns2:_="" ns3:_="">
     <xsd:import namespace="80cd682b-b40f-411e-9891-5e2a388e0f2a"/>
@@ -9397,41 +9321,10 @@
 </ct:contentTypeSchema>
 </file>
 
-<file path=customXml/item2.xml><?xml version="1.0" encoding="utf-8"?>
-<p:properties xmlns:p="http://schemas.microsoft.com/office/2006/metadata/properties" xmlns:xsi="http://www.w3.org/2001/XMLSchema-instance" xmlns:pc="http://schemas.microsoft.com/office/infopath/2007/PartnerControls">
-  <documentManagement>
-    <lcf76f155ced4ddcb4097134ff3c332f xmlns="80cd682b-b40f-411e-9891-5e2a388e0f2a">
-      <Terms xmlns="http://schemas.microsoft.com/office/infopath/2007/PartnerControls"/>
-    </lcf76f155ced4ddcb4097134ff3c332f>
-    <TaxCatchAll xmlns="0a5436c3-62bb-42e4-abd1-a0a4955fdeca" xsi:nil="true"/>
-  </documentManagement>
-</p:properties>
-</file>
-
-<file path=customXml/item3.xml><?xml version="1.0" encoding="utf-8"?>
-<?mso-contentType ?>
-<FormTemplates xmlns="http://schemas.microsoft.com/sharepoint/v3/contenttype/forms">
-  <Display>DocumentLibraryForm</Display>
-  <Edit>DocumentLibraryForm</Edit>
-  <New>DocumentLibraryForm</New>
-</FormTemplates>
-</file>
-
 <file path=customXml/itemProps1.xml><?xml version="1.0" encoding="utf-8"?>
-<ds:datastoreItem xmlns:ds="http://schemas.openxmlformats.org/officeDocument/2006/customXml" ds:itemID="{149D4D71-E531-43EE-8F1C-8460734920B2}">
+<ds:datastoreItem xmlns:ds="http://schemas.openxmlformats.org/officeDocument/2006/customXml" ds:itemID="{C1BF3681-C3E5-4AF6-8050-4743C0D56164}">
   <ds:schemaRefs>
-    <ds:schemaRef ds:uri="0a5436c3-62bb-42e4-abd1-a0a4955fdeca"/>
-    <ds:schemaRef ds:uri="80cd682b-b40f-411e-9891-5e2a388e0f2a"/>
-    <ds:schemaRef ds:uri="http://purl.org/dc/elements/1.1/"/>
-    <ds:schemaRef ds:uri="http://purl.org/dc/terms/"/>
-    <ds:schemaRef ds:uri="http://schemas.microsoft.com/internal/obd"/>
-    <ds:schemaRef ds:uri="http://schemas.microsoft.com/office/2006/documentManagement/types"/>
-    <ds:schemaRef ds:uri="http://schemas.microsoft.com/office/2006/metadata/contentType"/>
-    <ds:schemaRef ds:uri="http://schemas.microsoft.com/office/2006/metadata/properties"/>
-    <ds:schemaRef ds:uri="http://schemas.microsoft.com/office/2006/metadata/properties/metaAttributes"/>
-    <ds:schemaRef ds:uri="http://schemas.microsoft.com/office/infopath/2007/PartnerControls"/>
-    <ds:schemaRef ds:uri="http://schemas.openxmlformats.org/package/2006/metadata/core-properties"/>
-    <ds:schemaRef ds:uri="http://www.w3.org/2001/XMLSchema"/>
+    <ds:schemaRef ds:uri="http://schemas.microsoft.com/sharepoint/v3/contenttype/forms"/>
   </ds:schemaRefs>
 </ds:datastoreItem>
 </file>
@@ -9454,9 +9347,20 @@
 </file>
 
 <file path=customXml/itemProps3.xml><?xml version="1.0" encoding="utf-8"?>
-<ds:datastoreItem xmlns:ds="http://schemas.openxmlformats.org/officeDocument/2006/customXml" ds:itemID="{C1BF3681-C3E5-4AF6-8050-4743C0D56164}">
+<ds:datastoreItem xmlns:ds="http://schemas.openxmlformats.org/officeDocument/2006/customXml" ds:itemID="{149D4D71-E531-43EE-8F1C-8460734920B2}">
   <ds:schemaRefs>
-    <ds:schemaRef ds:uri="http://schemas.microsoft.com/sharepoint/v3/contenttype/forms"/>
+    <ds:schemaRef ds:uri="0a5436c3-62bb-42e4-abd1-a0a4955fdeca"/>
+    <ds:schemaRef ds:uri="80cd682b-b40f-411e-9891-5e2a388e0f2a"/>
+    <ds:schemaRef ds:uri="http://purl.org/dc/elements/1.1/"/>
+    <ds:schemaRef ds:uri="http://purl.org/dc/terms/"/>
+    <ds:schemaRef ds:uri="http://schemas.microsoft.com/internal/obd"/>
+    <ds:schemaRef ds:uri="http://schemas.microsoft.com/office/2006/documentManagement/types"/>
+    <ds:schemaRef ds:uri="http://schemas.microsoft.com/office/2006/metadata/contentType"/>
+    <ds:schemaRef ds:uri="http://schemas.microsoft.com/office/2006/metadata/properties"/>
+    <ds:schemaRef ds:uri="http://schemas.microsoft.com/office/2006/metadata/properties/metaAttributes"/>
+    <ds:schemaRef ds:uri="http://schemas.microsoft.com/office/infopath/2007/PartnerControls"/>
+    <ds:schemaRef ds:uri="http://schemas.openxmlformats.org/package/2006/metadata/core-properties"/>
+    <ds:schemaRef ds:uri="http://www.w3.org/2001/XMLSchema"/>
   </ds:schemaRefs>
 </ds:datastoreItem>
 </file>